--- a/Short Presentation/Clean Code.pptx
+++ b/Short Presentation/Clean Code.pptx
@@ -5,10 +5,10 @@
     <p:sldMasterId id="2147483822" r:id="rId4"/>
   </p:sldMasterIdLst>
   <p:notesMasterIdLst>
-    <p:notesMasterId r:id="rId29"/>
+    <p:notesMasterId r:id="rId28"/>
   </p:notesMasterIdLst>
   <p:handoutMasterIdLst>
-    <p:handoutMasterId r:id="rId30"/>
+    <p:handoutMasterId r:id="rId29"/>
   </p:handoutMasterIdLst>
   <p:sldIdLst>
     <p:sldId id="256" r:id="rId5"/>
@@ -23,36 +23,35 @@
     <p:sldId id="303" r:id="rId14"/>
     <p:sldId id="318" r:id="rId15"/>
     <p:sldId id="320" r:id="rId16"/>
-    <p:sldId id="319" r:id="rId17"/>
-    <p:sldId id="312" r:id="rId18"/>
-    <p:sldId id="316" r:id="rId19"/>
-    <p:sldId id="313" r:id="rId20"/>
-    <p:sldId id="314" r:id="rId21"/>
-    <p:sldId id="305" r:id="rId22"/>
-    <p:sldId id="308" r:id="rId23"/>
-    <p:sldId id="306" r:id="rId24"/>
-    <p:sldId id="307" r:id="rId25"/>
-    <p:sldId id="317" r:id="rId26"/>
-    <p:sldId id="321" r:id="rId27"/>
-    <p:sldId id="274" r:id="rId28"/>
+    <p:sldId id="312" r:id="rId17"/>
+    <p:sldId id="316" r:id="rId18"/>
+    <p:sldId id="313" r:id="rId19"/>
+    <p:sldId id="314" r:id="rId20"/>
+    <p:sldId id="305" r:id="rId21"/>
+    <p:sldId id="308" r:id="rId22"/>
+    <p:sldId id="306" r:id="rId23"/>
+    <p:sldId id="307" r:id="rId24"/>
+    <p:sldId id="317" r:id="rId25"/>
+    <p:sldId id="321" r:id="rId26"/>
+    <p:sldId id="274" r:id="rId27"/>
   </p:sldIdLst>
   <p:sldSz cx="9144000" cy="6858000" type="screen4x3"/>
   <p:notesSz cx="7010400" cy="9296400"/>
   <p:embeddedFontLst>
     <p:embeddedFont>
       <p:font typeface="Calibri" pitchFamily="34" charset="0"/>
-      <p:regular r:id="rId31"/>
-      <p:bold r:id="rId32"/>
-      <p:italic r:id="rId33"/>
-      <p:boldItalic r:id="rId34"/>
+      <p:regular r:id="rId30"/>
+      <p:bold r:id="rId31"/>
+      <p:italic r:id="rId32"/>
+      <p:boldItalic r:id="rId33"/>
     </p:embeddedFont>
     <p:embeddedFont>
       <p:font typeface="Bernard MT Condensed" pitchFamily="18" charset="0"/>
-      <p:regular r:id="rId35"/>
+      <p:regular r:id="rId34"/>
     </p:embeddedFont>
     <p:embeddedFont>
       <p:font typeface="Arial Black" pitchFamily="34" charset="0"/>
-      <p:bold r:id="rId36"/>
+      <p:bold r:id="rId35"/>
     </p:embeddedFont>
   </p:embeddedFontLst>
   <p:defaultTextStyle>
@@ -4311,7 +4310,7 @@
             <a:pPr eaLnBrk="1" hangingPunct="1"/>
             <a:r>
               <a:rPr lang="en-US" dirty="0" smtClean="0"/>
-              <a:t>Unacceptable Comments</a:t>
+              <a:t>Exercise Part 1 – Fix This Code</a:t>
             </a:r>
           </a:p>
         </p:txBody>
@@ -4328,8 +4327,8 @@
         </p:nvSpPr>
         <p:spPr>
           <a:xfrm>
-            <a:off x="228600" y="1143000"/>
-            <a:ext cx="8686800" cy="4800600"/>
+            <a:off x="228600" y="609600"/>
+            <a:ext cx="8686800" cy="6019800"/>
           </a:xfrm>
         </p:spPr>
         <p:txBody>
@@ -4339,113 +4338,567 @@
             <a:pPr marL="457200" indent="-457200">
               <a:buNone/>
             </a:pPr>
-            <a:r>
-              <a:rPr lang="en-US" sz="2000" dirty="0" smtClean="0"/>
-              <a:t>1.	Mumbling</a:t>
+            <a:endParaRPr lang="en-US" sz="2000" dirty="0" smtClean="0"/>
+          </a:p>
+          <a:p>
+            <a:r>
+              <a:rPr lang="en-US" sz="1400" dirty="0" smtClean="0">
+                <a:latin typeface="Courier New" pitchFamily="49" charset="0"/>
+                <a:cs typeface="Courier New" pitchFamily="49" charset="0"/>
+              </a:rPr>
+              <a:t>        public </a:t>
+            </a:r>
+            <a:r>
+              <a:rPr lang="en-US" sz="1400" dirty="0" err="1" smtClean="0">
+                <a:latin typeface="Courier New" pitchFamily="49" charset="0"/>
+                <a:cs typeface="Courier New" pitchFamily="49" charset="0"/>
+              </a:rPr>
+              <a:t>bool</a:t>
+            </a:r>
+            <a:r>
+              <a:rPr lang="en-US" sz="1400" dirty="0" smtClean="0">
+                <a:latin typeface="Courier New" pitchFamily="49" charset="0"/>
+                <a:cs typeface="Courier New" pitchFamily="49" charset="0"/>
+              </a:rPr>
+              <a:t> </a:t>
+            </a:r>
+            <a:r>
+              <a:rPr lang="en-US" sz="1400" dirty="0" err="1" smtClean="0">
+                <a:latin typeface="Courier New" pitchFamily="49" charset="0"/>
+                <a:cs typeface="Courier New" pitchFamily="49" charset="0"/>
+              </a:rPr>
+              <a:t>ValidLogin</a:t>
+            </a:r>
+            <a:r>
+              <a:rPr lang="en-US" sz="1400" dirty="0" smtClean="0">
+                <a:latin typeface="Courier New" pitchFamily="49" charset="0"/>
+                <a:cs typeface="Courier New" pitchFamily="49" charset="0"/>
+              </a:rPr>
+              <a:t>(string </a:t>
+            </a:r>
+            <a:r>
+              <a:rPr lang="en-US" sz="1400" dirty="0" err="1" smtClean="0">
+                <a:latin typeface="Courier New" pitchFamily="49" charset="0"/>
+                <a:cs typeface="Courier New" pitchFamily="49" charset="0"/>
+              </a:rPr>
+              <a:t>userNme</a:t>
+            </a:r>
+            <a:r>
+              <a:rPr lang="en-US" sz="1400" dirty="0" smtClean="0">
+                <a:latin typeface="Courier New" pitchFamily="49" charset="0"/>
+                <a:cs typeface="Courier New" pitchFamily="49" charset="0"/>
+              </a:rPr>
+              <a:t>, string </a:t>
+            </a:r>
+            <a:r>
+              <a:rPr lang="en-US" sz="1400" dirty="0" err="1" smtClean="0">
+                <a:latin typeface="Courier New" pitchFamily="49" charset="0"/>
+                <a:cs typeface="Courier New" pitchFamily="49" charset="0"/>
+              </a:rPr>
+              <a:t>pwd</a:t>
+            </a:r>
+            <a:r>
+              <a:rPr lang="en-US" sz="1400" dirty="0" smtClean="0">
+                <a:latin typeface="Courier New" pitchFamily="49" charset="0"/>
+                <a:cs typeface="Courier New" pitchFamily="49" charset="0"/>
+              </a:rPr>
+              <a:t>, out string </a:t>
+            </a:r>
+            <a:r>
+              <a:rPr lang="en-US" sz="1400" dirty="0" err="1" smtClean="0">
+                <a:latin typeface="Courier New" pitchFamily="49" charset="0"/>
+                <a:cs typeface="Courier New" pitchFamily="49" charset="0"/>
+              </a:rPr>
+              <a:t>msg</a:t>
+            </a:r>
+            <a:r>
+              <a:rPr lang="en-US" sz="1400" dirty="0" smtClean="0">
+                <a:latin typeface="Courier New" pitchFamily="49" charset="0"/>
+                <a:cs typeface="Courier New" pitchFamily="49" charset="0"/>
+              </a:rPr>
+              <a:t>)</a:t>
+            </a:r>
+          </a:p>
+          <a:p>
+            <a:r>
+              <a:rPr lang="en-US" sz="1400" dirty="0" smtClean="0">
+                <a:latin typeface="Courier New" pitchFamily="49" charset="0"/>
+                <a:cs typeface="Courier New" pitchFamily="49" charset="0"/>
+              </a:rPr>
+              <a:t>        {</a:t>
+            </a:r>
+          </a:p>
+          <a:p>
+            <a:r>
+              <a:rPr lang="en-US" sz="1400" dirty="0" smtClean="0">
+                <a:latin typeface="Courier New" pitchFamily="49" charset="0"/>
+                <a:cs typeface="Courier New" pitchFamily="49" charset="0"/>
+              </a:rPr>
+              <a:t>            </a:t>
+            </a:r>
+            <a:r>
+              <a:rPr lang="en-US" sz="1400" dirty="0" err="1" smtClean="0">
+                <a:latin typeface="Courier New" pitchFamily="49" charset="0"/>
+                <a:cs typeface="Courier New" pitchFamily="49" charset="0"/>
+              </a:rPr>
+              <a:t>bool</a:t>
+            </a:r>
+            <a:r>
+              <a:rPr lang="en-US" sz="1400" dirty="0" smtClean="0">
+                <a:latin typeface="Courier New" pitchFamily="49" charset="0"/>
+                <a:cs typeface="Courier New" pitchFamily="49" charset="0"/>
+              </a:rPr>
+              <a:t> </a:t>
+            </a:r>
+            <a:r>
+              <a:rPr lang="en-US" sz="1400" dirty="0" err="1" smtClean="0">
+                <a:latin typeface="Courier New" pitchFamily="49" charset="0"/>
+                <a:cs typeface="Courier New" pitchFamily="49" charset="0"/>
+              </a:rPr>
+              <a:t>rslt</a:t>
+            </a:r>
+            <a:r>
+              <a:rPr lang="en-US" sz="1400" dirty="0" smtClean="0">
+                <a:latin typeface="Courier New" pitchFamily="49" charset="0"/>
+                <a:cs typeface="Courier New" pitchFamily="49" charset="0"/>
+              </a:rPr>
+              <a:t> = false;</a:t>
+            </a:r>
+          </a:p>
+          <a:p>
+            <a:r>
+              <a:rPr lang="en-US" sz="1400" dirty="0" smtClean="0">
+                <a:latin typeface="Courier New" pitchFamily="49" charset="0"/>
+                <a:cs typeface="Courier New" pitchFamily="49" charset="0"/>
+              </a:rPr>
+              <a:t>            User </a:t>
+            </a:r>
+            <a:r>
+              <a:rPr lang="en-US" sz="1400" dirty="0" err="1" smtClean="0">
+                <a:latin typeface="Courier New" pitchFamily="49" charset="0"/>
+                <a:cs typeface="Courier New" pitchFamily="49" charset="0"/>
+              </a:rPr>
+              <a:t>usr</a:t>
+            </a:r>
+            <a:r>
+              <a:rPr lang="en-US" sz="1400" dirty="0" smtClean="0">
+                <a:latin typeface="Courier New" pitchFamily="49" charset="0"/>
+                <a:cs typeface="Courier New" pitchFamily="49" charset="0"/>
+              </a:rPr>
+              <a:t> = _</a:t>
+            </a:r>
+            <a:r>
+              <a:rPr lang="en-US" sz="1400" dirty="0" err="1" smtClean="0">
+                <a:latin typeface="Courier New" pitchFamily="49" charset="0"/>
+                <a:cs typeface="Courier New" pitchFamily="49" charset="0"/>
+              </a:rPr>
+              <a:t>repository.GetUser</a:t>
+            </a:r>
+            <a:r>
+              <a:rPr lang="en-US" sz="1400" dirty="0" smtClean="0">
+                <a:latin typeface="Courier New" pitchFamily="49" charset="0"/>
+                <a:cs typeface="Courier New" pitchFamily="49" charset="0"/>
+              </a:rPr>
+              <a:t>(</a:t>
+            </a:r>
+            <a:r>
+              <a:rPr lang="en-US" sz="1400" dirty="0" err="1" smtClean="0">
+                <a:latin typeface="Courier New" pitchFamily="49" charset="0"/>
+                <a:cs typeface="Courier New" pitchFamily="49" charset="0"/>
+              </a:rPr>
+              <a:t>userNme</a:t>
+            </a:r>
+            <a:r>
+              <a:rPr lang="en-US" sz="1400" dirty="0" smtClean="0">
+                <a:latin typeface="Courier New" pitchFamily="49" charset="0"/>
+                <a:cs typeface="Courier New" pitchFamily="49" charset="0"/>
+              </a:rPr>
+              <a:t>);</a:t>
+            </a:r>
+          </a:p>
+          <a:p>
+            <a:r>
+              <a:rPr lang="en-US" sz="1400" dirty="0" smtClean="0">
+                <a:latin typeface="Courier New" pitchFamily="49" charset="0"/>
+                <a:cs typeface="Courier New" pitchFamily="49" charset="0"/>
+              </a:rPr>
+              <a:t>            </a:t>
+            </a:r>
+            <a:r>
+              <a:rPr lang="en-US" sz="1400" dirty="0" err="1" smtClean="0">
+                <a:latin typeface="Courier New" pitchFamily="49" charset="0"/>
+                <a:cs typeface="Courier New" pitchFamily="49" charset="0"/>
+              </a:rPr>
+              <a:t>msg</a:t>
+            </a:r>
+            <a:r>
+              <a:rPr lang="en-US" sz="1400" dirty="0" smtClean="0">
+                <a:latin typeface="Courier New" pitchFamily="49" charset="0"/>
+                <a:cs typeface="Courier New" pitchFamily="49" charset="0"/>
+              </a:rPr>
+              <a:t> = </a:t>
+            </a:r>
+            <a:r>
+              <a:rPr lang="en-US" sz="1400" dirty="0" err="1" smtClean="0">
+                <a:latin typeface="Courier New" pitchFamily="49" charset="0"/>
+                <a:cs typeface="Courier New" pitchFamily="49" charset="0"/>
+              </a:rPr>
+              <a:t>string.Empty</a:t>
+            </a:r>
+            <a:r>
+              <a:rPr lang="en-US" sz="1400" dirty="0" smtClean="0">
+                <a:latin typeface="Courier New" pitchFamily="49" charset="0"/>
+                <a:cs typeface="Courier New" pitchFamily="49" charset="0"/>
+              </a:rPr>
+              <a:t>;</a:t>
+            </a:r>
+          </a:p>
+          <a:p>
+            <a:r>
+              <a:rPr lang="en-US" sz="1400" dirty="0" smtClean="0">
+                <a:latin typeface="Courier New" pitchFamily="49" charset="0"/>
+                <a:cs typeface="Courier New" pitchFamily="49" charset="0"/>
+              </a:rPr>
+              <a:t>            if(</a:t>
+            </a:r>
+            <a:r>
+              <a:rPr lang="en-US" sz="1400" dirty="0" err="1" smtClean="0">
+                <a:latin typeface="Courier New" pitchFamily="49" charset="0"/>
+                <a:cs typeface="Courier New" pitchFamily="49" charset="0"/>
+              </a:rPr>
+              <a:t>usr</a:t>
+            </a:r>
+            <a:r>
+              <a:rPr lang="en-US" sz="1400" dirty="0" smtClean="0">
+                <a:latin typeface="Courier New" pitchFamily="49" charset="0"/>
+                <a:cs typeface="Courier New" pitchFamily="49" charset="0"/>
+              </a:rPr>
+              <a:t> != null){</a:t>
+            </a:r>
+          </a:p>
+          <a:p>
+            <a:r>
+              <a:rPr lang="en-US" sz="1400" dirty="0" smtClean="0">
+                <a:latin typeface="Courier New" pitchFamily="49" charset="0"/>
+                <a:cs typeface="Courier New" pitchFamily="49" charset="0"/>
+              </a:rPr>
+              <a:t>                if(_</a:t>
+            </a:r>
+            <a:r>
+              <a:rPr lang="en-US" sz="1400" dirty="0" err="1" smtClean="0">
+                <a:latin typeface="Courier New" pitchFamily="49" charset="0"/>
+                <a:cs typeface="Courier New" pitchFamily="49" charset="0"/>
+              </a:rPr>
+              <a:t>passwdHashSvc.HashMatches</a:t>
+            </a:r>
+            <a:r>
+              <a:rPr lang="en-US" sz="1400" dirty="0" smtClean="0">
+                <a:latin typeface="Courier New" pitchFamily="49" charset="0"/>
+                <a:cs typeface="Courier New" pitchFamily="49" charset="0"/>
+              </a:rPr>
+              <a:t>(</a:t>
+            </a:r>
+            <a:r>
+              <a:rPr lang="en-US" sz="1400" dirty="0" err="1" smtClean="0">
+                <a:latin typeface="Courier New" pitchFamily="49" charset="0"/>
+                <a:cs typeface="Courier New" pitchFamily="49" charset="0"/>
+              </a:rPr>
+              <a:t>usr.PwdHash</a:t>
+            </a:r>
+            <a:r>
+              <a:rPr lang="en-US" sz="1400" dirty="0" smtClean="0">
+                <a:latin typeface="Courier New" pitchFamily="49" charset="0"/>
+                <a:cs typeface="Courier New" pitchFamily="49" charset="0"/>
+              </a:rPr>
+              <a:t>, </a:t>
+            </a:r>
+            <a:r>
+              <a:rPr lang="en-US" sz="1400" dirty="0" err="1" smtClean="0">
+                <a:latin typeface="Courier New" pitchFamily="49" charset="0"/>
+                <a:cs typeface="Courier New" pitchFamily="49" charset="0"/>
+              </a:rPr>
+              <a:t>pwd</a:t>
+            </a:r>
+            <a:r>
+              <a:rPr lang="en-US" sz="1400" dirty="0" smtClean="0">
+                <a:latin typeface="Courier New" pitchFamily="49" charset="0"/>
+                <a:cs typeface="Courier New" pitchFamily="49" charset="0"/>
+              </a:rPr>
+              <a:t>)){</a:t>
+            </a:r>
+          </a:p>
+          <a:p>
+            <a:r>
+              <a:rPr lang="en-US" sz="1400" dirty="0" smtClean="0">
+                <a:latin typeface="Courier New" pitchFamily="49" charset="0"/>
+                <a:cs typeface="Courier New" pitchFamily="49" charset="0"/>
+              </a:rPr>
+              <a:t>                     </a:t>
+            </a:r>
+            <a:r>
+              <a:rPr lang="en-US" sz="1400" dirty="0" err="1" smtClean="0">
+                <a:latin typeface="Courier New" pitchFamily="49" charset="0"/>
+                <a:cs typeface="Courier New" pitchFamily="49" charset="0"/>
+              </a:rPr>
+              <a:t>rslt</a:t>
+            </a:r>
+            <a:r>
+              <a:rPr lang="en-US" sz="1400" dirty="0" smtClean="0">
+                <a:latin typeface="Courier New" pitchFamily="49" charset="0"/>
+                <a:cs typeface="Courier New" pitchFamily="49" charset="0"/>
+              </a:rPr>
+              <a:t> = true;     </a:t>
+            </a:r>
+          </a:p>
+          <a:p>
+            <a:r>
+              <a:rPr lang="en-US" sz="1400" dirty="0" smtClean="0">
+                <a:latin typeface="Courier New" pitchFamily="49" charset="0"/>
+                <a:cs typeface="Courier New" pitchFamily="49" charset="0"/>
+              </a:rPr>
+              <a:t>                }</a:t>
+            </a:r>
+          </a:p>
+          <a:p>
+            <a:r>
+              <a:rPr lang="en-US" sz="1400" dirty="0" smtClean="0">
+                <a:latin typeface="Courier New" pitchFamily="49" charset="0"/>
+                <a:cs typeface="Courier New" pitchFamily="49" charset="0"/>
+              </a:rPr>
+              <a:t>                else{</a:t>
+            </a:r>
+          </a:p>
+          <a:p>
+            <a:r>
+              <a:rPr lang="en-US" sz="1400" dirty="0" smtClean="0">
+                <a:latin typeface="Courier New" pitchFamily="49" charset="0"/>
+                <a:cs typeface="Courier New" pitchFamily="49" charset="0"/>
+              </a:rPr>
+              <a:t>                     </a:t>
+            </a:r>
+            <a:r>
+              <a:rPr lang="en-US" sz="1400" dirty="0" err="1" smtClean="0">
+                <a:latin typeface="Courier New" pitchFamily="49" charset="0"/>
+                <a:cs typeface="Courier New" pitchFamily="49" charset="0"/>
+              </a:rPr>
+              <a:t>msg</a:t>
+            </a:r>
+            <a:r>
+              <a:rPr lang="en-US" sz="1400" dirty="0" smtClean="0">
+                <a:latin typeface="Courier New" pitchFamily="49" charset="0"/>
+                <a:cs typeface="Courier New" pitchFamily="49" charset="0"/>
+              </a:rPr>
+              <a:t> = "Invalid user or password";                                    </a:t>
+            </a:r>
+          </a:p>
+          <a:p>
+            <a:r>
+              <a:rPr lang="en-US" sz="1400" dirty="0" smtClean="0">
+                <a:latin typeface="Courier New" pitchFamily="49" charset="0"/>
+                <a:cs typeface="Courier New" pitchFamily="49" charset="0"/>
+              </a:rPr>
+              <a:t>                } </a:t>
+            </a:r>
+          </a:p>
+          <a:p>
+            <a:r>
+              <a:rPr lang="en-US" sz="1400" dirty="0" smtClean="0">
+                <a:latin typeface="Courier New" pitchFamily="49" charset="0"/>
+                <a:cs typeface="Courier New" pitchFamily="49" charset="0"/>
+              </a:rPr>
+              <a:t>            }</a:t>
+            </a:r>
+          </a:p>
+          <a:p>
+            <a:r>
+              <a:rPr lang="en-US" sz="1400" dirty="0" smtClean="0">
+                <a:latin typeface="Courier New" pitchFamily="49" charset="0"/>
+                <a:cs typeface="Courier New" pitchFamily="49" charset="0"/>
+              </a:rPr>
+              <a:t>            else{</a:t>
+            </a:r>
+          </a:p>
+          <a:p>
+            <a:r>
+              <a:rPr lang="en-US" sz="1400" dirty="0" smtClean="0">
+                <a:latin typeface="Courier New" pitchFamily="49" charset="0"/>
+                <a:cs typeface="Courier New" pitchFamily="49" charset="0"/>
+              </a:rPr>
+              <a:t>                </a:t>
+            </a:r>
+            <a:r>
+              <a:rPr lang="en-US" sz="1400" dirty="0" err="1" smtClean="0">
+                <a:latin typeface="Courier New" pitchFamily="49" charset="0"/>
+                <a:cs typeface="Courier New" pitchFamily="49" charset="0"/>
+              </a:rPr>
+              <a:t>msg</a:t>
+            </a:r>
+            <a:r>
+              <a:rPr lang="en-US" sz="1400" dirty="0" smtClean="0">
+                <a:latin typeface="Courier New" pitchFamily="49" charset="0"/>
+                <a:cs typeface="Courier New" pitchFamily="49" charset="0"/>
+              </a:rPr>
+              <a:t> = "Invalid user or password";</a:t>
+            </a:r>
+          </a:p>
+          <a:p>
+            <a:r>
+              <a:rPr lang="en-US" sz="1400" dirty="0" smtClean="0">
+                <a:latin typeface="Courier New" pitchFamily="49" charset="0"/>
+                <a:cs typeface="Courier New" pitchFamily="49" charset="0"/>
+              </a:rPr>
+              <a:t>                </a:t>
+            </a:r>
+            <a:r>
+              <a:rPr lang="en-US" sz="1400" dirty="0" err="1" smtClean="0">
+                <a:latin typeface="Courier New" pitchFamily="49" charset="0"/>
+                <a:cs typeface="Courier New" pitchFamily="49" charset="0"/>
+              </a:rPr>
+              <a:t>rslt</a:t>
+            </a:r>
+            <a:r>
+              <a:rPr lang="en-US" sz="1400" dirty="0" smtClean="0">
+                <a:latin typeface="Courier New" pitchFamily="49" charset="0"/>
+                <a:cs typeface="Courier New" pitchFamily="49" charset="0"/>
+              </a:rPr>
+              <a:t> = false;    </a:t>
+            </a:r>
+          </a:p>
+          <a:p>
+            <a:r>
+              <a:rPr lang="en-US" sz="1400" dirty="0" smtClean="0">
+                <a:latin typeface="Courier New" pitchFamily="49" charset="0"/>
+                <a:cs typeface="Courier New" pitchFamily="49" charset="0"/>
+              </a:rPr>
+              <a:t>            }</a:t>
+            </a:r>
+          </a:p>
+          <a:p>
+            <a:r>
+              <a:rPr lang="en-US" sz="1400" dirty="0" smtClean="0">
+                <a:latin typeface="Courier New" pitchFamily="49" charset="0"/>
+                <a:cs typeface="Courier New" pitchFamily="49" charset="0"/>
+              </a:rPr>
+              <a:t>            if(!</a:t>
+            </a:r>
+            <a:r>
+              <a:rPr lang="en-US" sz="1400" dirty="0" err="1" smtClean="0">
+                <a:latin typeface="Courier New" pitchFamily="49" charset="0"/>
+                <a:cs typeface="Courier New" pitchFamily="49" charset="0"/>
+              </a:rPr>
+              <a:t>string.IsNullOrEmpty</a:t>
+            </a:r>
+            <a:r>
+              <a:rPr lang="en-US" sz="1400" dirty="0" smtClean="0">
+                <a:latin typeface="Courier New" pitchFamily="49" charset="0"/>
+                <a:cs typeface="Courier New" pitchFamily="49" charset="0"/>
+              </a:rPr>
+              <a:t>(</a:t>
+            </a:r>
+            <a:r>
+              <a:rPr lang="en-US" sz="1400" dirty="0" err="1" smtClean="0">
+                <a:latin typeface="Courier New" pitchFamily="49" charset="0"/>
+                <a:cs typeface="Courier New" pitchFamily="49" charset="0"/>
+              </a:rPr>
+              <a:t>msg</a:t>
+            </a:r>
+            <a:r>
+              <a:rPr lang="en-US" sz="1400" dirty="0" smtClean="0">
+                <a:latin typeface="Courier New" pitchFamily="49" charset="0"/>
+                <a:cs typeface="Courier New" pitchFamily="49" charset="0"/>
+              </a:rPr>
+              <a:t>))</a:t>
+            </a:r>
+          </a:p>
+          <a:p>
+            <a:r>
+              <a:rPr lang="en-US" sz="1400" dirty="0" smtClean="0">
+                <a:latin typeface="Courier New" pitchFamily="49" charset="0"/>
+                <a:cs typeface="Courier New" pitchFamily="49" charset="0"/>
+              </a:rPr>
+              <a:t>                 </a:t>
+            </a:r>
+            <a:r>
+              <a:rPr lang="en-US" sz="1400" dirty="0" err="1" smtClean="0">
+                <a:latin typeface="Courier New" pitchFamily="49" charset="0"/>
+                <a:cs typeface="Courier New" pitchFamily="49" charset="0"/>
+              </a:rPr>
+              <a:t>MessageBox.Show</a:t>
+            </a:r>
+            <a:r>
+              <a:rPr lang="en-US" sz="1400" dirty="0" smtClean="0">
+                <a:latin typeface="Courier New" pitchFamily="49" charset="0"/>
+                <a:cs typeface="Courier New" pitchFamily="49" charset="0"/>
+              </a:rPr>
+              <a:t>(</a:t>
+            </a:r>
+            <a:r>
+              <a:rPr lang="en-US" sz="1400" dirty="0" err="1" smtClean="0">
+                <a:latin typeface="Courier New" pitchFamily="49" charset="0"/>
+                <a:cs typeface="Courier New" pitchFamily="49" charset="0"/>
+              </a:rPr>
+              <a:t>msg</a:t>
+            </a:r>
+            <a:r>
+              <a:rPr lang="en-US" sz="1400" dirty="0" smtClean="0">
+                <a:latin typeface="Courier New" pitchFamily="49" charset="0"/>
+                <a:cs typeface="Courier New" pitchFamily="49" charset="0"/>
+              </a:rPr>
+              <a:t>);            </a:t>
+            </a:r>
+          </a:p>
+          <a:p>
+            <a:r>
+              <a:rPr lang="en-US" sz="1400" dirty="0" smtClean="0">
+                <a:latin typeface="Courier New" pitchFamily="49" charset="0"/>
+                <a:cs typeface="Courier New" pitchFamily="49" charset="0"/>
+              </a:rPr>
+              <a:t>            return </a:t>
+            </a:r>
+            <a:r>
+              <a:rPr lang="en-US" sz="1400" dirty="0" err="1" smtClean="0">
+                <a:latin typeface="Courier New" pitchFamily="49" charset="0"/>
+                <a:cs typeface="Courier New" pitchFamily="49" charset="0"/>
+              </a:rPr>
+              <a:t>rslt</a:t>
+            </a:r>
+            <a:r>
+              <a:rPr lang="en-US" sz="1400" dirty="0" smtClean="0">
+                <a:latin typeface="Courier New" pitchFamily="49" charset="0"/>
+                <a:cs typeface="Courier New" pitchFamily="49" charset="0"/>
+              </a:rPr>
+              <a:t>;</a:t>
+            </a:r>
+          </a:p>
+          <a:p>
+            <a:r>
+              <a:rPr lang="en-US" sz="1400" dirty="0" smtClean="0">
+                <a:latin typeface="Courier New" pitchFamily="49" charset="0"/>
+                <a:cs typeface="Courier New" pitchFamily="49" charset="0"/>
+              </a:rPr>
+              <a:t>        }  </a:t>
+            </a:r>
+          </a:p>
+          <a:p>
+            <a:r>
+              <a:rPr lang="en-US" sz="1100" dirty="0" smtClean="0">
+                <a:latin typeface="Courier New" pitchFamily="49" charset="0"/>
+                <a:cs typeface="Courier New" pitchFamily="49" charset="0"/>
+              </a:rPr>
+              <a:t>    </a:t>
             </a:r>
           </a:p>
           <a:p>
             <a:pPr marL="457200" indent="-457200">
-              <a:buAutoNum type="arabicPeriod" startAt="2"/>
+              <a:buFont typeface="+mj-lt"/>
+              <a:buAutoNum type="arabicPeriod"/>
             </a:pPr>
-            <a:r>
-              <a:rPr lang="en-US" sz="2000" dirty="0" smtClean="0"/>
-              <a:t>Redundant</a:t>
-            </a:r>
+            <a:endParaRPr lang="en-US" sz="2000" dirty="0" smtClean="0"/>
           </a:p>
           <a:p>
             <a:pPr marL="457200" indent="-457200">
-              <a:buAutoNum type="arabicPeriod" startAt="2"/>
-            </a:pPr>
-            <a:r>
-              <a:rPr lang="en-US" sz="2000" dirty="0" smtClean="0"/>
-              <a:t>Misleading Comments</a:t>
-            </a:r>
-          </a:p>
-          <a:p>
-            <a:pPr marL="457200" indent="-457200">
-              <a:buAutoNum type="arabicPeriod" startAt="2"/>
-            </a:pPr>
-            <a:r>
-              <a:rPr lang="en-US" sz="2000" dirty="0" smtClean="0"/>
-              <a:t>Mandated Comments</a:t>
-            </a:r>
-          </a:p>
-          <a:p>
-            <a:pPr marL="457200" indent="-457200">
-              <a:buAutoNum type="arabicPeriod" startAt="2"/>
-            </a:pPr>
-            <a:r>
-              <a:rPr lang="en-US" sz="2000" dirty="0" smtClean="0"/>
-              <a:t>Journal Comments – Not necessary with source control systems**</a:t>
-            </a:r>
-          </a:p>
-          <a:p>
-            <a:pPr marL="457200" indent="-457200">
-              <a:buAutoNum type="arabicPeriod" startAt="2"/>
-            </a:pPr>
-            <a:r>
-              <a:rPr lang="en-US" sz="2000" dirty="0" smtClean="0"/>
-              <a:t>Noise Comments</a:t>
-            </a:r>
-          </a:p>
-          <a:p>
-            <a:pPr marL="457200" indent="-457200">
-              <a:buAutoNum type="arabicPeriod" startAt="2"/>
-            </a:pPr>
-            <a:r>
-              <a:rPr lang="en-US" sz="2000" dirty="0" smtClean="0"/>
-              <a:t>Position Markers</a:t>
-            </a:r>
-          </a:p>
-          <a:p>
-            <a:pPr marL="457200" indent="-457200">
-              <a:buAutoNum type="arabicPeriod" startAt="2"/>
-            </a:pPr>
-            <a:r>
-              <a:rPr lang="en-US" sz="2000" dirty="0" smtClean="0"/>
-              <a:t>Closing Brace Comments – Shorter Functions Instead</a:t>
-            </a:r>
-          </a:p>
-          <a:p>
-            <a:pPr marL="457200" indent="-457200">
-              <a:buAutoNum type="arabicPeriod" startAt="2"/>
-            </a:pPr>
-            <a:r>
-              <a:rPr lang="en-US" sz="2000" dirty="0" smtClean="0"/>
-              <a:t>Attributions by line – Use Source Control</a:t>
-            </a:r>
-          </a:p>
-          <a:p>
-            <a:pPr marL="457200" indent="-457200">
-              <a:buAutoNum type="arabicPeriod" startAt="2"/>
-            </a:pPr>
-            <a:r>
-              <a:rPr lang="en-US" sz="2000" dirty="0" smtClean="0"/>
-              <a:t>Commented out code</a:t>
-            </a:r>
-          </a:p>
-          <a:p>
-            <a:pPr marL="457200" indent="-457200">
-              <a:buAutoNum type="arabicPeriod" startAt="2"/>
-            </a:pPr>
-            <a:r>
-              <a:rPr lang="en-US" sz="2000" dirty="0" smtClean="0"/>
-              <a:t>Too Much Information</a:t>
-            </a:r>
-          </a:p>
-          <a:p>
-            <a:pPr marL="457200" indent="-457200">
-              <a:buAutoNum type="arabicPeriod" startAt="2"/>
-            </a:pPr>
-            <a:r>
-              <a:rPr lang="en-US" sz="2000" dirty="0" smtClean="0"/>
-              <a:t>…</a:t>
-            </a:r>
-          </a:p>
-          <a:p>
-            <a:pPr marL="457200" indent="-457200">
-              <a:buNone/>
+              <a:buFont typeface="+mj-lt"/>
+              <a:buAutoNum type="arabicPeriod"/>
             </a:pPr>
             <a:endParaRPr lang="en-US" sz="2000" dirty="0" smtClean="0"/>
           </a:p>
@@ -4513,1369 +4966,7 @@
   <p:timing>
     <p:tnLst>
       <p:par>
-        <p:cTn id="1" dur="indefinite" restart="never" nodeType="tmRoot">
-          <p:childTnLst>
-            <p:seq concurrent="1" nextAc="seek">
-              <p:cTn id="2" dur="indefinite" nodeType="mainSeq">
-                <p:childTnLst>
-                  <p:par>
-                    <p:cTn id="3" fill="hold">
-                      <p:stCondLst>
-                        <p:cond delay="indefinite"/>
-                      </p:stCondLst>
-                      <p:childTnLst>
-                        <p:par>
-                          <p:cTn id="4" fill="hold">
-                            <p:stCondLst>
-                              <p:cond delay="0"/>
-                            </p:stCondLst>
-                            <p:childTnLst>
-                              <p:par>
-                                <p:cTn id="5" presetID="2" presetClass="entr" presetSubtype="4" fill="hold" nodeType="clickEffect">
-                                  <p:stCondLst>
-                                    <p:cond delay="0"/>
-                                  </p:stCondLst>
-                                  <p:childTnLst>
-                                    <p:set>
-                                      <p:cBhvr>
-                                        <p:cTn id="6" dur="1" fill="hold">
-                                          <p:stCondLst>
-                                            <p:cond delay="0"/>
-                                          </p:stCondLst>
-                                        </p:cTn>
-                                        <p:tgtEl>
-                                          <p:spTgt spid="3075">
-                                            <p:txEl>
-                                              <p:pRg st="0" end="0"/>
-                                            </p:txEl>
-                                          </p:spTgt>
-                                        </p:tgtEl>
-                                        <p:attrNameLst>
-                                          <p:attrName>style.visibility</p:attrName>
-                                        </p:attrNameLst>
-                                      </p:cBhvr>
-                                      <p:to>
-                                        <p:strVal val="visible"/>
-                                      </p:to>
-                                    </p:set>
-                                    <p:anim calcmode="lin" valueType="num">
-                                      <p:cBhvr additive="base">
-                                        <p:cTn id="7" dur="500" fill="hold"/>
-                                        <p:tgtEl>
-                                          <p:spTgt spid="3075">
-                                            <p:txEl>
-                                              <p:pRg st="0" end="0"/>
-                                            </p:txEl>
-                                          </p:spTgt>
-                                        </p:tgtEl>
-                                        <p:attrNameLst>
-                                          <p:attrName>ppt_x</p:attrName>
-                                        </p:attrNameLst>
-                                      </p:cBhvr>
-                                      <p:tavLst>
-                                        <p:tav tm="0">
-                                          <p:val>
-                                            <p:strVal val="#ppt_x"/>
-                                          </p:val>
-                                        </p:tav>
-                                        <p:tav tm="100000">
-                                          <p:val>
-                                            <p:strVal val="#ppt_x"/>
-                                          </p:val>
-                                        </p:tav>
-                                      </p:tavLst>
-                                    </p:anim>
-                                    <p:anim calcmode="lin" valueType="num">
-                                      <p:cBhvr additive="base">
-                                        <p:cTn id="8" dur="500" fill="hold"/>
-                                        <p:tgtEl>
-                                          <p:spTgt spid="3075">
-                                            <p:txEl>
-                                              <p:pRg st="0" end="0"/>
-                                            </p:txEl>
-                                          </p:spTgt>
-                                        </p:tgtEl>
-                                        <p:attrNameLst>
-                                          <p:attrName>ppt_y</p:attrName>
-                                        </p:attrNameLst>
-                                      </p:cBhvr>
-                                      <p:tavLst>
-                                        <p:tav tm="0">
-                                          <p:val>
-                                            <p:strVal val="1+#ppt_h/2"/>
-                                          </p:val>
-                                        </p:tav>
-                                        <p:tav tm="100000">
-                                          <p:val>
-                                            <p:strVal val="#ppt_y"/>
-                                          </p:val>
-                                        </p:tav>
-                                      </p:tavLst>
-                                    </p:anim>
-                                  </p:childTnLst>
-                                </p:cTn>
-                              </p:par>
-                            </p:childTnLst>
-                          </p:cTn>
-                        </p:par>
-                      </p:childTnLst>
-                    </p:cTn>
-                  </p:par>
-                  <p:par>
-                    <p:cTn id="9" fill="hold">
-                      <p:stCondLst>
-                        <p:cond delay="indefinite"/>
-                      </p:stCondLst>
-                      <p:childTnLst>
-                        <p:par>
-                          <p:cTn id="10" fill="hold">
-                            <p:stCondLst>
-                              <p:cond delay="0"/>
-                            </p:stCondLst>
-                            <p:childTnLst>
-                              <p:par>
-                                <p:cTn id="11" presetID="2" presetClass="entr" presetSubtype="4" fill="hold" nodeType="clickEffect">
-                                  <p:stCondLst>
-                                    <p:cond delay="0"/>
-                                  </p:stCondLst>
-                                  <p:childTnLst>
-                                    <p:set>
-                                      <p:cBhvr>
-                                        <p:cTn id="12" dur="1" fill="hold">
-                                          <p:stCondLst>
-                                            <p:cond delay="0"/>
-                                          </p:stCondLst>
-                                        </p:cTn>
-                                        <p:tgtEl>
-                                          <p:spTgt spid="3075">
-                                            <p:txEl>
-                                              <p:pRg st="1" end="1"/>
-                                            </p:txEl>
-                                          </p:spTgt>
-                                        </p:tgtEl>
-                                        <p:attrNameLst>
-                                          <p:attrName>style.visibility</p:attrName>
-                                        </p:attrNameLst>
-                                      </p:cBhvr>
-                                      <p:to>
-                                        <p:strVal val="visible"/>
-                                      </p:to>
-                                    </p:set>
-                                    <p:anim calcmode="lin" valueType="num">
-                                      <p:cBhvr additive="base">
-                                        <p:cTn id="13" dur="500" fill="hold"/>
-                                        <p:tgtEl>
-                                          <p:spTgt spid="3075">
-                                            <p:txEl>
-                                              <p:pRg st="1" end="1"/>
-                                            </p:txEl>
-                                          </p:spTgt>
-                                        </p:tgtEl>
-                                        <p:attrNameLst>
-                                          <p:attrName>ppt_x</p:attrName>
-                                        </p:attrNameLst>
-                                      </p:cBhvr>
-                                      <p:tavLst>
-                                        <p:tav tm="0">
-                                          <p:val>
-                                            <p:strVal val="#ppt_x"/>
-                                          </p:val>
-                                        </p:tav>
-                                        <p:tav tm="100000">
-                                          <p:val>
-                                            <p:strVal val="#ppt_x"/>
-                                          </p:val>
-                                        </p:tav>
-                                      </p:tavLst>
-                                    </p:anim>
-                                    <p:anim calcmode="lin" valueType="num">
-                                      <p:cBhvr additive="base">
-                                        <p:cTn id="14" dur="500" fill="hold"/>
-                                        <p:tgtEl>
-                                          <p:spTgt spid="3075">
-                                            <p:txEl>
-                                              <p:pRg st="1" end="1"/>
-                                            </p:txEl>
-                                          </p:spTgt>
-                                        </p:tgtEl>
-                                        <p:attrNameLst>
-                                          <p:attrName>ppt_y</p:attrName>
-                                        </p:attrNameLst>
-                                      </p:cBhvr>
-                                      <p:tavLst>
-                                        <p:tav tm="0">
-                                          <p:val>
-                                            <p:strVal val="1+#ppt_h/2"/>
-                                          </p:val>
-                                        </p:tav>
-                                        <p:tav tm="100000">
-                                          <p:val>
-                                            <p:strVal val="#ppt_y"/>
-                                          </p:val>
-                                        </p:tav>
-                                      </p:tavLst>
-                                    </p:anim>
-                                  </p:childTnLst>
-                                </p:cTn>
-                              </p:par>
-                            </p:childTnLst>
-                          </p:cTn>
-                        </p:par>
-                      </p:childTnLst>
-                    </p:cTn>
-                  </p:par>
-                  <p:par>
-                    <p:cTn id="15" fill="hold">
-                      <p:stCondLst>
-                        <p:cond delay="indefinite"/>
-                      </p:stCondLst>
-                      <p:childTnLst>
-                        <p:par>
-                          <p:cTn id="16" fill="hold">
-                            <p:stCondLst>
-                              <p:cond delay="0"/>
-                            </p:stCondLst>
-                            <p:childTnLst>
-                              <p:par>
-                                <p:cTn id="17" presetID="2" presetClass="entr" presetSubtype="4" fill="hold" nodeType="clickEffect">
-                                  <p:stCondLst>
-                                    <p:cond delay="0"/>
-                                  </p:stCondLst>
-                                  <p:childTnLst>
-                                    <p:set>
-                                      <p:cBhvr>
-                                        <p:cTn id="18" dur="1" fill="hold">
-                                          <p:stCondLst>
-                                            <p:cond delay="0"/>
-                                          </p:stCondLst>
-                                        </p:cTn>
-                                        <p:tgtEl>
-                                          <p:spTgt spid="3075">
-                                            <p:txEl>
-                                              <p:pRg st="2" end="2"/>
-                                            </p:txEl>
-                                          </p:spTgt>
-                                        </p:tgtEl>
-                                        <p:attrNameLst>
-                                          <p:attrName>style.visibility</p:attrName>
-                                        </p:attrNameLst>
-                                      </p:cBhvr>
-                                      <p:to>
-                                        <p:strVal val="visible"/>
-                                      </p:to>
-                                    </p:set>
-                                    <p:anim calcmode="lin" valueType="num">
-                                      <p:cBhvr additive="base">
-                                        <p:cTn id="19" dur="500" fill="hold"/>
-                                        <p:tgtEl>
-                                          <p:spTgt spid="3075">
-                                            <p:txEl>
-                                              <p:pRg st="2" end="2"/>
-                                            </p:txEl>
-                                          </p:spTgt>
-                                        </p:tgtEl>
-                                        <p:attrNameLst>
-                                          <p:attrName>ppt_x</p:attrName>
-                                        </p:attrNameLst>
-                                      </p:cBhvr>
-                                      <p:tavLst>
-                                        <p:tav tm="0">
-                                          <p:val>
-                                            <p:strVal val="#ppt_x"/>
-                                          </p:val>
-                                        </p:tav>
-                                        <p:tav tm="100000">
-                                          <p:val>
-                                            <p:strVal val="#ppt_x"/>
-                                          </p:val>
-                                        </p:tav>
-                                      </p:tavLst>
-                                    </p:anim>
-                                    <p:anim calcmode="lin" valueType="num">
-                                      <p:cBhvr additive="base">
-                                        <p:cTn id="20" dur="500" fill="hold"/>
-                                        <p:tgtEl>
-                                          <p:spTgt spid="3075">
-                                            <p:txEl>
-                                              <p:pRg st="2" end="2"/>
-                                            </p:txEl>
-                                          </p:spTgt>
-                                        </p:tgtEl>
-                                        <p:attrNameLst>
-                                          <p:attrName>ppt_y</p:attrName>
-                                        </p:attrNameLst>
-                                      </p:cBhvr>
-                                      <p:tavLst>
-                                        <p:tav tm="0">
-                                          <p:val>
-                                            <p:strVal val="1+#ppt_h/2"/>
-                                          </p:val>
-                                        </p:tav>
-                                        <p:tav tm="100000">
-                                          <p:val>
-                                            <p:strVal val="#ppt_y"/>
-                                          </p:val>
-                                        </p:tav>
-                                      </p:tavLst>
-                                    </p:anim>
-                                  </p:childTnLst>
-                                </p:cTn>
-                              </p:par>
-                            </p:childTnLst>
-                          </p:cTn>
-                        </p:par>
-                      </p:childTnLst>
-                    </p:cTn>
-                  </p:par>
-                  <p:par>
-                    <p:cTn id="21" fill="hold">
-                      <p:stCondLst>
-                        <p:cond delay="indefinite"/>
-                      </p:stCondLst>
-                      <p:childTnLst>
-                        <p:par>
-                          <p:cTn id="22" fill="hold">
-                            <p:stCondLst>
-                              <p:cond delay="0"/>
-                            </p:stCondLst>
-                            <p:childTnLst>
-                              <p:par>
-                                <p:cTn id="23" presetID="2" presetClass="entr" presetSubtype="4" fill="hold" nodeType="clickEffect">
-                                  <p:stCondLst>
-                                    <p:cond delay="0"/>
-                                  </p:stCondLst>
-                                  <p:childTnLst>
-                                    <p:set>
-                                      <p:cBhvr>
-                                        <p:cTn id="24" dur="1" fill="hold">
-                                          <p:stCondLst>
-                                            <p:cond delay="0"/>
-                                          </p:stCondLst>
-                                        </p:cTn>
-                                        <p:tgtEl>
-                                          <p:spTgt spid="3075">
-                                            <p:txEl>
-                                              <p:pRg st="3" end="3"/>
-                                            </p:txEl>
-                                          </p:spTgt>
-                                        </p:tgtEl>
-                                        <p:attrNameLst>
-                                          <p:attrName>style.visibility</p:attrName>
-                                        </p:attrNameLst>
-                                      </p:cBhvr>
-                                      <p:to>
-                                        <p:strVal val="visible"/>
-                                      </p:to>
-                                    </p:set>
-                                    <p:anim calcmode="lin" valueType="num">
-                                      <p:cBhvr additive="base">
-                                        <p:cTn id="25" dur="500" fill="hold"/>
-                                        <p:tgtEl>
-                                          <p:spTgt spid="3075">
-                                            <p:txEl>
-                                              <p:pRg st="3" end="3"/>
-                                            </p:txEl>
-                                          </p:spTgt>
-                                        </p:tgtEl>
-                                        <p:attrNameLst>
-                                          <p:attrName>ppt_x</p:attrName>
-                                        </p:attrNameLst>
-                                      </p:cBhvr>
-                                      <p:tavLst>
-                                        <p:tav tm="0">
-                                          <p:val>
-                                            <p:strVal val="#ppt_x"/>
-                                          </p:val>
-                                        </p:tav>
-                                        <p:tav tm="100000">
-                                          <p:val>
-                                            <p:strVal val="#ppt_x"/>
-                                          </p:val>
-                                        </p:tav>
-                                      </p:tavLst>
-                                    </p:anim>
-                                    <p:anim calcmode="lin" valueType="num">
-                                      <p:cBhvr additive="base">
-                                        <p:cTn id="26" dur="500" fill="hold"/>
-                                        <p:tgtEl>
-                                          <p:spTgt spid="3075">
-                                            <p:txEl>
-                                              <p:pRg st="3" end="3"/>
-                                            </p:txEl>
-                                          </p:spTgt>
-                                        </p:tgtEl>
-                                        <p:attrNameLst>
-                                          <p:attrName>ppt_y</p:attrName>
-                                        </p:attrNameLst>
-                                      </p:cBhvr>
-                                      <p:tavLst>
-                                        <p:tav tm="0">
-                                          <p:val>
-                                            <p:strVal val="1+#ppt_h/2"/>
-                                          </p:val>
-                                        </p:tav>
-                                        <p:tav tm="100000">
-                                          <p:val>
-                                            <p:strVal val="#ppt_y"/>
-                                          </p:val>
-                                        </p:tav>
-                                      </p:tavLst>
-                                    </p:anim>
-                                  </p:childTnLst>
-                                </p:cTn>
-                              </p:par>
-                            </p:childTnLst>
-                          </p:cTn>
-                        </p:par>
-                      </p:childTnLst>
-                    </p:cTn>
-                  </p:par>
-                  <p:par>
-                    <p:cTn id="27" fill="hold">
-                      <p:stCondLst>
-                        <p:cond delay="indefinite"/>
-                      </p:stCondLst>
-                      <p:childTnLst>
-                        <p:par>
-                          <p:cTn id="28" fill="hold">
-                            <p:stCondLst>
-                              <p:cond delay="0"/>
-                            </p:stCondLst>
-                            <p:childTnLst>
-                              <p:par>
-                                <p:cTn id="29" presetID="2" presetClass="entr" presetSubtype="4" fill="hold" nodeType="clickEffect">
-                                  <p:stCondLst>
-                                    <p:cond delay="0"/>
-                                  </p:stCondLst>
-                                  <p:childTnLst>
-                                    <p:set>
-                                      <p:cBhvr>
-                                        <p:cTn id="30" dur="1" fill="hold">
-                                          <p:stCondLst>
-                                            <p:cond delay="0"/>
-                                          </p:stCondLst>
-                                        </p:cTn>
-                                        <p:tgtEl>
-                                          <p:spTgt spid="3075">
-                                            <p:txEl>
-                                              <p:pRg st="4" end="4"/>
-                                            </p:txEl>
-                                          </p:spTgt>
-                                        </p:tgtEl>
-                                        <p:attrNameLst>
-                                          <p:attrName>style.visibility</p:attrName>
-                                        </p:attrNameLst>
-                                      </p:cBhvr>
-                                      <p:to>
-                                        <p:strVal val="visible"/>
-                                      </p:to>
-                                    </p:set>
-                                    <p:anim calcmode="lin" valueType="num">
-                                      <p:cBhvr additive="base">
-                                        <p:cTn id="31" dur="500" fill="hold"/>
-                                        <p:tgtEl>
-                                          <p:spTgt spid="3075">
-                                            <p:txEl>
-                                              <p:pRg st="4" end="4"/>
-                                            </p:txEl>
-                                          </p:spTgt>
-                                        </p:tgtEl>
-                                        <p:attrNameLst>
-                                          <p:attrName>ppt_x</p:attrName>
-                                        </p:attrNameLst>
-                                      </p:cBhvr>
-                                      <p:tavLst>
-                                        <p:tav tm="0">
-                                          <p:val>
-                                            <p:strVal val="#ppt_x"/>
-                                          </p:val>
-                                        </p:tav>
-                                        <p:tav tm="100000">
-                                          <p:val>
-                                            <p:strVal val="#ppt_x"/>
-                                          </p:val>
-                                        </p:tav>
-                                      </p:tavLst>
-                                    </p:anim>
-                                    <p:anim calcmode="lin" valueType="num">
-                                      <p:cBhvr additive="base">
-                                        <p:cTn id="32" dur="500" fill="hold"/>
-                                        <p:tgtEl>
-                                          <p:spTgt spid="3075">
-                                            <p:txEl>
-                                              <p:pRg st="4" end="4"/>
-                                            </p:txEl>
-                                          </p:spTgt>
-                                        </p:tgtEl>
-                                        <p:attrNameLst>
-                                          <p:attrName>ppt_y</p:attrName>
-                                        </p:attrNameLst>
-                                      </p:cBhvr>
-                                      <p:tavLst>
-                                        <p:tav tm="0">
-                                          <p:val>
-                                            <p:strVal val="1+#ppt_h/2"/>
-                                          </p:val>
-                                        </p:tav>
-                                        <p:tav tm="100000">
-                                          <p:val>
-                                            <p:strVal val="#ppt_y"/>
-                                          </p:val>
-                                        </p:tav>
-                                      </p:tavLst>
-                                    </p:anim>
-                                  </p:childTnLst>
-                                </p:cTn>
-                              </p:par>
-                            </p:childTnLst>
-                          </p:cTn>
-                        </p:par>
-                      </p:childTnLst>
-                    </p:cTn>
-                  </p:par>
-                  <p:par>
-                    <p:cTn id="33" fill="hold">
-                      <p:stCondLst>
-                        <p:cond delay="indefinite"/>
-                      </p:stCondLst>
-                      <p:childTnLst>
-                        <p:par>
-                          <p:cTn id="34" fill="hold">
-                            <p:stCondLst>
-                              <p:cond delay="0"/>
-                            </p:stCondLst>
-                            <p:childTnLst>
-                              <p:par>
-                                <p:cTn id="35" presetID="2" presetClass="entr" presetSubtype="4" fill="hold" nodeType="clickEffect">
-                                  <p:stCondLst>
-                                    <p:cond delay="0"/>
-                                  </p:stCondLst>
-                                  <p:childTnLst>
-                                    <p:set>
-                                      <p:cBhvr>
-                                        <p:cTn id="36" dur="1" fill="hold">
-                                          <p:stCondLst>
-                                            <p:cond delay="0"/>
-                                          </p:stCondLst>
-                                        </p:cTn>
-                                        <p:tgtEl>
-                                          <p:spTgt spid="3075">
-                                            <p:txEl>
-                                              <p:pRg st="4" end="4"/>
-                                            </p:txEl>
-                                          </p:spTgt>
-                                        </p:tgtEl>
-                                        <p:attrNameLst>
-                                          <p:attrName>style.visibility</p:attrName>
-                                        </p:attrNameLst>
-                                      </p:cBhvr>
-                                      <p:to>
-                                        <p:strVal val="visible"/>
-                                      </p:to>
-                                    </p:set>
-                                    <p:anim calcmode="lin" valueType="num">
-                                      <p:cBhvr additive="base">
-                                        <p:cTn id="37" dur="500" fill="hold"/>
-                                        <p:tgtEl>
-                                          <p:spTgt spid="3075">
-                                            <p:txEl>
-                                              <p:pRg st="4" end="4"/>
-                                            </p:txEl>
-                                          </p:spTgt>
-                                        </p:tgtEl>
-                                        <p:attrNameLst>
-                                          <p:attrName>ppt_x</p:attrName>
-                                        </p:attrNameLst>
-                                      </p:cBhvr>
-                                      <p:tavLst>
-                                        <p:tav tm="0">
-                                          <p:val>
-                                            <p:strVal val="#ppt_x"/>
-                                          </p:val>
-                                        </p:tav>
-                                        <p:tav tm="100000">
-                                          <p:val>
-                                            <p:strVal val="#ppt_x"/>
-                                          </p:val>
-                                        </p:tav>
-                                      </p:tavLst>
-                                    </p:anim>
-                                    <p:anim calcmode="lin" valueType="num">
-                                      <p:cBhvr additive="base">
-                                        <p:cTn id="38" dur="500" fill="hold"/>
-                                        <p:tgtEl>
-                                          <p:spTgt spid="3075">
-                                            <p:txEl>
-                                              <p:pRg st="4" end="4"/>
-                                            </p:txEl>
-                                          </p:spTgt>
-                                        </p:tgtEl>
-                                        <p:attrNameLst>
-                                          <p:attrName>ppt_y</p:attrName>
-                                        </p:attrNameLst>
-                                      </p:cBhvr>
-                                      <p:tavLst>
-                                        <p:tav tm="0">
-                                          <p:val>
-                                            <p:strVal val="1+#ppt_h/2"/>
-                                          </p:val>
-                                        </p:tav>
-                                        <p:tav tm="100000">
-                                          <p:val>
-                                            <p:strVal val="#ppt_y"/>
-                                          </p:val>
-                                        </p:tav>
-                                      </p:tavLst>
-                                    </p:anim>
-                                  </p:childTnLst>
-                                </p:cTn>
-                              </p:par>
-                            </p:childTnLst>
-                          </p:cTn>
-                        </p:par>
-                      </p:childTnLst>
-                    </p:cTn>
-                  </p:par>
-                  <p:par>
-                    <p:cTn id="39" fill="hold">
-                      <p:stCondLst>
-                        <p:cond delay="indefinite"/>
-                      </p:stCondLst>
-                      <p:childTnLst>
-                        <p:par>
-                          <p:cTn id="40" fill="hold">
-                            <p:stCondLst>
-                              <p:cond delay="0"/>
-                            </p:stCondLst>
-                            <p:childTnLst>
-                              <p:par>
-                                <p:cTn id="41" presetID="2" presetClass="entr" presetSubtype="4" fill="hold" nodeType="clickEffect">
-                                  <p:stCondLst>
-                                    <p:cond delay="0"/>
-                                  </p:stCondLst>
-                                  <p:childTnLst>
-                                    <p:set>
-                                      <p:cBhvr>
-                                        <p:cTn id="42" dur="1" fill="hold">
-                                          <p:stCondLst>
-                                            <p:cond delay="0"/>
-                                          </p:stCondLst>
-                                        </p:cTn>
-                                        <p:tgtEl>
-                                          <p:spTgt spid="3075">
-                                            <p:txEl>
-                                              <p:pRg st="5" end="5"/>
-                                            </p:txEl>
-                                          </p:spTgt>
-                                        </p:tgtEl>
-                                        <p:attrNameLst>
-                                          <p:attrName>style.visibility</p:attrName>
-                                        </p:attrNameLst>
-                                      </p:cBhvr>
-                                      <p:to>
-                                        <p:strVal val="visible"/>
-                                      </p:to>
-                                    </p:set>
-                                    <p:anim calcmode="lin" valueType="num">
-                                      <p:cBhvr additive="base">
-                                        <p:cTn id="43" dur="500" fill="hold"/>
-                                        <p:tgtEl>
-                                          <p:spTgt spid="3075">
-                                            <p:txEl>
-                                              <p:pRg st="5" end="5"/>
-                                            </p:txEl>
-                                          </p:spTgt>
-                                        </p:tgtEl>
-                                        <p:attrNameLst>
-                                          <p:attrName>ppt_x</p:attrName>
-                                        </p:attrNameLst>
-                                      </p:cBhvr>
-                                      <p:tavLst>
-                                        <p:tav tm="0">
-                                          <p:val>
-                                            <p:strVal val="#ppt_x"/>
-                                          </p:val>
-                                        </p:tav>
-                                        <p:tav tm="100000">
-                                          <p:val>
-                                            <p:strVal val="#ppt_x"/>
-                                          </p:val>
-                                        </p:tav>
-                                      </p:tavLst>
-                                    </p:anim>
-                                    <p:anim calcmode="lin" valueType="num">
-                                      <p:cBhvr additive="base">
-                                        <p:cTn id="44" dur="500" fill="hold"/>
-                                        <p:tgtEl>
-                                          <p:spTgt spid="3075">
-                                            <p:txEl>
-                                              <p:pRg st="5" end="5"/>
-                                            </p:txEl>
-                                          </p:spTgt>
-                                        </p:tgtEl>
-                                        <p:attrNameLst>
-                                          <p:attrName>ppt_y</p:attrName>
-                                        </p:attrNameLst>
-                                      </p:cBhvr>
-                                      <p:tavLst>
-                                        <p:tav tm="0">
-                                          <p:val>
-                                            <p:strVal val="1+#ppt_h/2"/>
-                                          </p:val>
-                                        </p:tav>
-                                        <p:tav tm="100000">
-                                          <p:val>
-                                            <p:strVal val="#ppt_y"/>
-                                          </p:val>
-                                        </p:tav>
-                                      </p:tavLst>
-                                    </p:anim>
-                                  </p:childTnLst>
-                                </p:cTn>
-                              </p:par>
-                            </p:childTnLst>
-                          </p:cTn>
-                        </p:par>
-                      </p:childTnLst>
-                    </p:cTn>
-                  </p:par>
-                  <p:par>
-                    <p:cTn id="45" fill="hold">
-                      <p:stCondLst>
-                        <p:cond delay="indefinite"/>
-                      </p:stCondLst>
-                      <p:childTnLst>
-                        <p:par>
-                          <p:cTn id="46" fill="hold">
-                            <p:stCondLst>
-                              <p:cond delay="0"/>
-                            </p:stCondLst>
-                            <p:childTnLst>
-                              <p:par>
-                                <p:cTn id="47" presetID="2" presetClass="entr" presetSubtype="4" fill="hold" nodeType="clickEffect">
-                                  <p:stCondLst>
-                                    <p:cond delay="0"/>
-                                  </p:stCondLst>
-                                  <p:childTnLst>
-                                    <p:set>
-                                      <p:cBhvr>
-                                        <p:cTn id="48" dur="1" fill="hold">
-                                          <p:stCondLst>
-                                            <p:cond delay="0"/>
-                                          </p:stCondLst>
-                                        </p:cTn>
-                                        <p:tgtEl>
-                                          <p:spTgt spid="3075">
-                                            <p:txEl>
-                                              <p:pRg st="6" end="6"/>
-                                            </p:txEl>
-                                          </p:spTgt>
-                                        </p:tgtEl>
-                                        <p:attrNameLst>
-                                          <p:attrName>style.visibility</p:attrName>
-                                        </p:attrNameLst>
-                                      </p:cBhvr>
-                                      <p:to>
-                                        <p:strVal val="visible"/>
-                                      </p:to>
-                                    </p:set>
-                                    <p:anim calcmode="lin" valueType="num">
-                                      <p:cBhvr additive="base">
-                                        <p:cTn id="49" dur="500" fill="hold"/>
-                                        <p:tgtEl>
-                                          <p:spTgt spid="3075">
-                                            <p:txEl>
-                                              <p:pRg st="6" end="6"/>
-                                            </p:txEl>
-                                          </p:spTgt>
-                                        </p:tgtEl>
-                                        <p:attrNameLst>
-                                          <p:attrName>ppt_x</p:attrName>
-                                        </p:attrNameLst>
-                                      </p:cBhvr>
-                                      <p:tavLst>
-                                        <p:tav tm="0">
-                                          <p:val>
-                                            <p:strVal val="#ppt_x"/>
-                                          </p:val>
-                                        </p:tav>
-                                        <p:tav tm="100000">
-                                          <p:val>
-                                            <p:strVal val="#ppt_x"/>
-                                          </p:val>
-                                        </p:tav>
-                                      </p:tavLst>
-                                    </p:anim>
-                                    <p:anim calcmode="lin" valueType="num">
-                                      <p:cBhvr additive="base">
-                                        <p:cTn id="50" dur="500" fill="hold"/>
-                                        <p:tgtEl>
-                                          <p:spTgt spid="3075">
-                                            <p:txEl>
-                                              <p:pRg st="6" end="6"/>
-                                            </p:txEl>
-                                          </p:spTgt>
-                                        </p:tgtEl>
-                                        <p:attrNameLst>
-                                          <p:attrName>ppt_y</p:attrName>
-                                        </p:attrNameLst>
-                                      </p:cBhvr>
-                                      <p:tavLst>
-                                        <p:tav tm="0">
-                                          <p:val>
-                                            <p:strVal val="1+#ppt_h/2"/>
-                                          </p:val>
-                                        </p:tav>
-                                        <p:tav tm="100000">
-                                          <p:val>
-                                            <p:strVal val="#ppt_y"/>
-                                          </p:val>
-                                        </p:tav>
-                                      </p:tavLst>
-                                    </p:anim>
-                                  </p:childTnLst>
-                                </p:cTn>
-                              </p:par>
-                            </p:childTnLst>
-                          </p:cTn>
-                        </p:par>
-                      </p:childTnLst>
-                    </p:cTn>
-                  </p:par>
-                  <p:par>
-                    <p:cTn id="51" fill="hold">
-                      <p:stCondLst>
-                        <p:cond delay="indefinite"/>
-                      </p:stCondLst>
-                      <p:childTnLst>
-                        <p:par>
-                          <p:cTn id="52" fill="hold">
-                            <p:stCondLst>
-                              <p:cond delay="0"/>
-                            </p:stCondLst>
-                            <p:childTnLst>
-                              <p:par>
-                                <p:cTn id="53" presetID="2" presetClass="entr" presetSubtype="4" fill="hold" nodeType="clickEffect">
-                                  <p:stCondLst>
-                                    <p:cond delay="0"/>
-                                  </p:stCondLst>
-                                  <p:childTnLst>
-                                    <p:set>
-                                      <p:cBhvr>
-                                        <p:cTn id="54" dur="1" fill="hold">
-                                          <p:stCondLst>
-                                            <p:cond delay="0"/>
-                                          </p:stCondLst>
-                                        </p:cTn>
-                                        <p:tgtEl>
-                                          <p:spTgt spid="3075">
-                                            <p:txEl>
-                                              <p:pRg st="7" end="7"/>
-                                            </p:txEl>
-                                          </p:spTgt>
-                                        </p:tgtEl>
-                                        <p:attrNameLst>
-                                          <p:attrName>style.visibility</p:attrName>
-                                        </p:attrNameLst>
-                                      </p:cBhvr>
-                                      <p:to>
-                                        <p:strVal val="visible"/>
-                                      </p:to>
-                                    </p:set>
-                                    <p:anim calcmode="lin" valueType="num">
-                                      <p:cBhvr additive="base">
-                                        <p:cTn id="55" dur="500" fill="hold"/>
-                                        <p:tgtEl>
-                                          <p:spTgt spid="3075">
-                                            <p:txEl>
-                                              <p:pRg st="7" end="7"/>
-                                            </p:txEl>
-                                          </p:spTgt>
-                                        </p:tgtEl>
-                                        <p:attrNameLst>
-                                          <p:attrName>ppt_x</p:attrName>
-                                        </p:attrNameLst>
-                                      </p:cBhvr>
-                                      <p:tavLst>
-                                        <p:tav tm="0">
-                                          <p:val>
-                                            <p:strVal val="#ppt_x"/>
-                                          </p:val>
-                                        </p:tav>
-                                        <p:tav tm="100000">
-                                          <p:val>
-                                            <p:strVal val="#ppt_x"/>
-                                          </p:val>
-                                        </p:tav>
-                                      </p:tavLst>
-                                    </p:anim>
-                                    <p:anim calcmode="lin" valueType="num">
-                                      <p:cBhvr additive="base">
-                                        <p:cTn id="56" dur="500" fill="hold"/>
-                                        <p:tgtEl>
-                                          <p:spTgt spid="3075">
-                                            <p:txEl>
-                                              <p:pRg st="7" end="7"/>
-                                            </p:txEl>
-                                          </p:spTgt>
-                                        </p:tgtEl>
-                                        <p:attrNameLst>
-                                          <p:attrName>ppt_y</p:attrName>
-                                        </p:attrNameLst>
-                                      </p:cBhvr>
-                                      <p:tavLst>
-                                        <p:tav tm="0">
-                                          <p:val>
-                                            <p:strVal val="1+#ppt_h/2"/>
-                                          </p:val>
-                                        </p:tav>
-                                        <p:tav tm="100000">
-                                          <p:val>
-                                            <p:strVal val="#ppt_y"/>
-                                          </p:val>
-                                        </p:tav>
-                                      </p:tavLst>
-                                    </p:anim>
-                                  </p:childTnLst>
-                                </p:cTn>
-                              </p:par>
-                            </p:childTnLst>
-                          </p:cTn>
-                        </p:par>
-                      </p:childTnLst>
-                    </p:cTn>
-                  </p:par>
-                  <p:par>
-                    <p:cTn id="57" fill="hold">
-                      <p:stCondLst>
-                        <p:cond delay="indefinite"/>
-                      </p:stCondLst>
-                      <p:childTnLst>
-                        <p:par>
-                          <p:cTn id="58" fill="hold">
-                            <p:stCondLst>
-                              <p:cond delay="0"/>
-                            </p:stCondLst>
-                            <p:childTnLst>
-                              <p:par>
-                                <p:cTn id="59" presetID="2" presetClass="entr" presetSubtype="4" fill="hold" nodeType="clickEffect">
-                                  <p:stCondLst>
-                                    <p:cond delay="0"/>
-                                  </p:stCondLst>
-                                  <p:childTnLst>
-                                    <p:set>
-                                      <p:cBhvr>
-                                        <p:cTn id="60" dur="1" fill="hold">
-                                          <p:stCondLst>
-                                            <p:cond delay="0"/>
-                                          </p:stCondLst>
-                                        </p:cTn>
-                                        <p:tgtEl>
-                                          <p:spTgt spid="3075">
-                                            <p:txEl>
-                                              <p:pRg st="8" end="8"/>
-                                            </p:txEl>
-                                          </p:spTgt>
-                                        </p:tgtEl>
-                                        <p:attrNameLst>
-                                          <p:attrName>style.visibility</p:attrName>
-                                        </p:attrNameLst>
-                                      </p:cBhvr>
-                                      <p:to>
-                                        <p:strVal val="visible"/>
-                                      </p:to>
-                                    </p:set>
-                                    <p:anim calcmode="lin" valueType="num">
-                                      <p:cBhvr additive="base">
-                                        <p:cTn id="61" dur="500" fill="hold"/>
-                                        <p:tgtEl>
-                                          <p:spTgt spid="3075">
-                                            <p:txEl>
-                                              <p:pRg st="8" end="8"/>
-                                            </p:txEl>
-                                          </p:spTgt>
-                                        </p:tgtEl>
-                                        <p:attrNameLst>
-                                          <p:attrName>ppt_x</p:attrName>
-                                        </p:attrNameLst>
-                                      </p:cBhvr>
-                                      <p:tavLst>
-                                        <p:tav tm="0">
-                                          <p:val>
-                                            <p:strVal val="#ppt_x"/>
-                                          </p:val>
-                                        </p:tav>
-                                        <p:tav tm="100000">
-                                          <p:val>
-                                            <p:strVal val="#ppt_x"/>
-                                          </p:val>
-                                        </p:tav>
-                                      </p:tavLst>
-                                    </p:anim>
-                                    <p:anim calcmode="lin" valueType="num">
-                                      <p:cBhvr additive="base">
-                                        <p:cTn id="62" dur="500" fill="hold"/>
-                                        <p:tgtEl>
-                                          <p:spTgt spid="3075">
-                                            <p:txEl>
-                                              <p:pRg st="8" end="8"/>
-                                            </p:txEl>
-                                          </p:spTgt>
-                                        </p:tgtEl>
-                                        <p:attrNameLst>
-                                          <p:attrName>ppt_y</p:attrName>
-                                        </p:attrNameLst>
-                                      </p:cBhvr>
-                                      <p:tavLst>
-                                        <p:tav tm="0">
-                                          <p:val>
-                                            <p:strVal val="1+#ppt_h/2"/>
-                                          </p:val>
-                                        </p:tav>
-                                        <p:tav tm="100000">
-                                          <p:val>
-                                            <p:strVal val="#ppt_y"/>
-                                          </p:val>
-                                        </p:tav>
-                                      </p:tavLst>
-                                    </p:anim>
-                                  </p:childTnLst>
-                                </p:cTn>
-                              </p:par>
-                            </p:childTnLst>
-                          </p:cTn>
-                        </p:par>
-                      </p:childTnLst>
-                    </p:cTn>
-                  </p:par>
-                  <p:par>
-                    <p:cTn id="63" fill="hold">
-                      <p:stCondLst>
-                        <p:cond delay="indefinite"/>
-                      </p:stCondLst>
-                      <p:childTnLst>
-                        <p:par>
-                          <p:cTn id="64" fill="hold">
-                            <p:stCondLst>
-                              <p:cond delay="0"/>
-                            </p:stCondLst>
-                            <p:childTnLst>
-                              <p:par>
-                                <p:cTn id="65" presetID="2" presetClass="entr" presetSubtype="4" fill="hold" nodeType="clickEffect">
-                                  <p:stCondLst>
-                                    <p:cond delay="0"/>
-                                  </p:stCondLst>
-                                  <p:childTnLst>
-                                    <p:set>
-                                      <p:cBhvr>
-                                        <p:cTn id="66" dur="1" fill="hold">
-                                          <p:stCondLst>
-                                            <p:cond delay="0"/>
-                                          </p:stCondLst>
-                                        </p:cTn>
-                                        <p:tgtEl>
-                                          <p:spTgt spid="3075">
-                                            <p:txEl>
-                                              <p:pRg st="9" end="9"/>
-                                            </p:txEl>
-                                          </p:spTgt>
-                                        </p:tgtEl>
-                                        <p:attrNameLst>
-                                          <p:attrName>style.visibility</p:attrName>
-                                        </p:attrNameLst>
-                                      </p:cBhvr>
-                                      <p:to>
-                                        <p:strVal val="visible"/>
-                                      </p:to>
-                                    </p:set>
-                                    <p:anim calcmode="lin" valueType="num">
-                                      <p:cBhvr additive="base">
-                                        <p:cTn id="67" dur="500" fill="hold"/>
-                                        <p:tgtEl>
-                                          <p:spTgt spid="3075">
-                                            <p:txEl>
-                                              <p:pRg st="9" end="9"/>
-                                            </p:txEl>
-                                          </p:spTgt>
-                                        </p:tgtEl>
-                                        <p:attrNameLst>
-                                          <p:attrName>ppt_x</p:attrName>
-                                        </p:attrNameLst>
-                                      </p:cBhvr>
-                                      <p:tavLst>
-                                        <p:tav tm="0">
-                                          <p:val>
-                                            <p:strVal val="#ppt_x"/>
-                                          </p:val>
-                                        </p:tav>
-                                        <p:tav tm="100000">
-                                          <p:val>
-                                            <p:strVal val="#ppt_x"/>
-                                          </p:val>
-                                        </p:tav>
-                                      </p:tavLst>
-                                    </p:anim>
-                                    <p:anim calcmode="lin" valueType="num">
-                                      <p:cBhvr additive="base">
-                                        <p:cTn id="68" dur="500" fill="hold"/>
-                                        <p:tgtEl>
-                                          <p:spTgt spid="3075">
-                                            <p:txEl>
-                                              <p:pRg st="9" end="9"/>
-                                            </p:txEl>
-                                          </p:spTgt>
-                                        </p:tgtEl>
-                                        <p:attrNameLst>
-                                          <p:attrName>ppt_y</p:attrName>
-                                        </p:attrNameLst>
-                                      </p:cBhvr>
-                                      <p:tavLst>
-                                        <p:tav tm="0">
-                                          <p:val>
-                                            <p:strVal val="1+#ppt_h/2"/>
-                                          </p:val>
-                                        </p:tav>
-                                        <p:tav tm="100000">
-                                          <p:val>
-                                            <p:strVal val="#ppt_y"/>
-                                          </p:val>
-                                        </p:tav>
-                                      </p:tavLst>
-                                    </p:anim>
-                                  </p:childTnLst>
-                                </p:cTn>
-                              </p:par>
-                            </p:childTnLst>
-                          </p:cTn>
-                        </p:par>
-                      </p:childTnLst>
-                    </p:cTn>
-                  </p:par>
-                  <p:par>
-                    <p:cTn id="69" fill="hold">
-                      <p:stCondLst>
-                        <p:cond delay="indefinite"/>
-                      </p:stCondLst>
-                      <p:childTnLst>
-                        <p:par>
-                          <p:cTn id="70" fill="hold">
-                            <p:stCondLst>
-                              <p:cond delay="0"/>
-                            </p:stCondLst>
-                            <p:childTnLst>
-                              <p:par>
-                                <p:cTn id="71" presetID="2" presetClass="entr" presetSubtype="4" fill="hold" nodeType="clickEffect">
-                                  <p:stCondLst>
-                                    <p:cond delay="0"/>
-                                  </p:stCondLst>
-                                  <p:childTnLst>
-                                    <p:set>
-                                      <p:cBhvr>
-                                        <p:cTn id="72" dur="1" fill="hold">
-                                          <p:stCondLst>
-                                            <p:cond delay="0"/>
-                                          </p:stCondLst>
-                                        </p:cTn>
-                                        <p:tgtEl>
-                                          <p:spTgt spid="3075">
-                                            <p:txEl>
-                                              <p:pRg st="10" end="10"/>
-                                            </p:txEl>
-                                          </p:spTgt>
-                                        </p:tgtEl>
-                                        <p:attrNameLst>
-                                          <p:attrName>style.visibility</p:attrName>
-                                        </p:attrNameLst>
-                                      </p:cBhvr>
-                                      <p:to>
-                                        <p:strVal val="visible"/>
-                                      </p:to>
-                                    </p:set>
-                                    <p:anim calcmode="lin" valueType="num">
-                                      <p:cBhvr additive="base">
-                                        <p:cTn id="73" dur="500" fill="hold"/>
-                                        <p:tgtEl>
-                                          <p:spTgt spid="3075">
-                                            <p:txEl>
-                                              <p:pRg st="10" end="10"/>
-                                            </p:txEl>
-                                          </p:spTgt>
-                                        </p:tgtEl>
-                                        <p:attrNameLst>
-                                          <p:attrName>ppt_x</p:attrName>
-                                        </p:attrNameLst>
-                                      </p:cBhvr>
-                                      <p:tavLst>
-                                        <p:tav tm="0">
-                                          <p:val>
-                                            <p:strVal val="#ppt_x"/>
-                                          </p:val>
-                                        </p:tav>
-                                        <p:tav tm="100000">
-                                          <p:val>
-                                            <p:strVal val="#ppt_x"/>
-                                          </p:val>
-                                        </p:tav>
-                                      </p:tavLst>
-                                    </p:anim>
-                                    <p:anim calcmode="lin" valueType="num">
-                                      <p:cBhvr additive="base">
-                                        <p:cTn id="74" dur="500" fill="hold"/>
-                                        <p:tgtEl>
-                                          <p:spTgt spid="3075">
-                                            <p:txEl>
-                                              <p:pRg st="10" end="10"/>
-                                            </p:txEl>
-                                          </p:spTgt>
-                                        </p:tgtEl>
-                                        <p:attrNameLst>
-                                          <p:attrName>ppt_y</p:attrName>
-                                        </p:attrNameLst>
-                                      </p:cBhvr>
-                                      <p:tavLst>
-                                        <p:tav tm="0">
-                                          <p:val>
-                                            <p:strVal val="1+#ppt_h/2"/>
-                                          </p:val>
-                                        </p:tav>
-                                        <p:tav tm="100000">
-                                          <p:val>
-                                            <p:strVal val="#ppt_y"/>
-                                          </p:val>
-                                        </p:tav>
-                                      </p:tavLst>
-                                    </p:anim>
-                                  </p:childTnLst>
-                                </p:cTn>
-                              </p:par>
-                            </p:childTnLst>
-                          </p:cTn>
-                        </p:par>
-                      </p:childTnLst>
-                    </p:cTn>
-                  </p:par>
-                  <p:par>
-                    <p:cTn id="75" fill="hold">
-                      <p:stCondLst>
-                        <p:cond delay="indefinite"/>
-                      </p:stCondLst>
-                      <p:childTnLst>
-                        <p:par>
-                          <p:cTn id="76" fill="hold">
-                            <p:stCondLst>
-                              <p:cond delay="0"/>
-                            </p:stCondLst>
-                            <p:childTnLst>
-                              <p:par>
-                                <p:cTn id="77" presetID="2" presetClass="entr" presetSubtype="4" fill="hold" nodeType="clickEffect">
-                                  <p:stCondLst>
-                                    <p:cond delay="0"/>
-                                  </p:stCondLst>
-                                  <p:childTnLst>
-                                    <p:set>
-                                      <p:cBhvr>
-                                        <p:cTn id="78" dur="1" fill="hold">
-                                          <p:stCondLst>
-                                            <p:cond delay="0"/>
-                                          </p:stCondLst>
-                                        </p:cTn>
-                                        <p:tgtEl>
-                                          <p:spTgt spid="3075">
-                                            <p:txEl>
-                                              <p:pRg st="11" end="11"/>
-                                            </p:txEl>
-                                          </p:spTgt>
-                                        </p:tgtEl>
-                                        <p:attrNameLst>
-                                          <p:attrName>style.visibility</p:attrName>
-                                        </p:attrNameLst>
-                                      </p:cBhvr>
-                                      <p:to>
-                                        <p:strVal val="visible"/>
-                                      </p:to>
-                                    </p:set>
-                                    <p:anim calcmode="lin" valueType="num">
-                                      <p:cBhvr additive="base">
-                                        <p:cTn id="79" dur="500" fill="hold"/>
-                                        <p:tgtEl>
-                                          <p:spTgt spid="3075">
-                                            <p:txEl>
-                                              <p:pRg st="11" end="11"/>
-                                            </p:txEl>
-                                          </p:spTgt>
-                                        </p:tgtEl>
-                                        <p:attrNameLst>
-                                          <p:attrName>ppt_x</p:attrName>
-                                        </p:attrNameLst>
-                                      </p:cBhvr>
-                                      <p:tavLst>
-                                        <p:tav tm="0">
-                                          <p:val>
-                                            <p:strVal val="#ppt_x"/>
-                                          </p:val>
-                                        </p:tav>
-                                        <p:tav tm="100000">
-                                          <p:val>
-                                            <p:strVal val="#ppt_x"/>
-                                          </p:val>
-                                        </p:tav>
-                                      </p:tavLst>
-                                    </p:anim>
-                                    <p:anim calcmode="lin" valueType="num">
-                                      <p:cBhvr additive="base">
-                                        <p:cTn id="80" dur="500" fill="hold"/>
-                                        <p:tgtEl>
-                                          <p:spTgt spid="3075">
-                                            <p:txEl>
-                                              <p:pRg st="11" end="11"/>
-                                            </p:txEl>
-                                          </p:spTgt>
-                                        </p:tgtEl>
-                                        <p:attrNameLst>
-                                          <p:attrName>ppt_y</p:attrName>
-                                        </p:attrNameLst>
-                                      </p:cBhvr>
-                                      <p:tavLst>
-                                        <p:tav tm="0">
-                                          <p:val>
-                                            <p:strVal val="1+#ppt_h/2"/>
-                                          </p:val>
-                                        </p:tav>
-                                        <p:tav tm="100000">
-                                          <p:val>
-                                            <p:strVal val="#ppt_y"/>
-                                          </p:val>
-                                        </p:tav>
-                                      </p:tavLst>
-                                    </p:anim>
-                                  </p:childTnLst>
-                                </p:cTn>
-                              </p:par>
-                            </p:childTnLst>
-                          </p:cTn>
-                        </p:par>
-                      </p:childTnLst>
-                    </p:cTn>
-                  </p:par>
-                </p:childTnLst>
-              </p:cTn>
-              <p:prevCondLst>
-                <p:cond evt="onPrev" delay="0">
-                  <p:tgtEl>
-                    <p:sldTgt/>
-                  </p:tgtEl>
-                </p:cond>
-              </p:prevCondLst>
-              <p:nextCondLst>
-                <p:cond evt="onNext" delay="0">
-                  <p:tgtEl>
-                    <p:sldTgt/>
-                  </p:tgtEl>
-                </p:cond>
-              </p:nextCondLst>
-            </p:seq>
-          </p:childTnLst>
-        </p:cTn>
+        <p:cTn id="1" dur="indefinite" restart="never" nodeType="tmRoot"/>
       </p:par>
     </p:tnLst>
   </p:timing>
@@ -5928,7 +5019,7 @@
             <a:pPr eaLnBrk="1" hangingPunct="1"/>
             <a:r>
               <a:rPr lang="en-US" dirty="0" smtClean="0"/>
-              <a:t>Exercise Part 1 – Fix This Code</a:t>
+              <a:t>Exercise Part 1 – Abstraction Level Fix</a:t>
             </a:r>
           </a:p>
         </p:txBody>
@@ -6059,28 +5150,28 @@
                 <a:latin typeface="Courier New" pitchFamily="49" charset="0"/>
                 <a:cs typeface="Courier New" pitchFamily="49" charset="0"/>
               </a:rPr>
-              <a:t>bool</a:t>
+              <a:t>msg</a:t>
             </a:r>
             <a:r>
               <a:rPr lang="en-US" sz="1400" dirty="0" smtClean="0">
                 <a:latin typeface="Courier New" pitchFamily="49" charset="0"/>
                 <a:cs typeface="Courier New" pitchFamily="49" charset="0"/>
               </a:rPr>
-              <a:t> </a:t>
+              <a:t> = </a:t>
             </a:r>
             <a:r>
               <a:rPr lang="en-US" sz="1400" dirty="0" err="1" smtClean="0">
                 <a:latin typeface="Courier New" pitchFamily="49" charset="0"/>
                 <a:cs typeface="Courier New" pitchFamily="49" charset="0"/>
               </a:rPr>
-              <a:t>rslt</a:t>
+              <a:t>string.Empty</a:t>
             </a:r>
             <a:r>
               <a:rPr lang="en-US" sz="1400" dirty="0" smtClean="0">
                 <a:latin typeface="Courier New" pitchFamily="49" charset="0"/>
                 <a:cs typeface="Courier New" pitchFamily="49" charset="0"/>
               </a:rPr>
-              <a:t> = false;</a:t>
+              <a:t>;</a:t>
             </a:r>
           </a:p>
           <a:p>
@@ -6089,109 +5180,143 @@
                 <a:latin typeface="Courier New" pitchFamily="49" charset="0"/>
                 <a:cs typeface="Courier New" pitchFamily="49" charset="0"/>
               </a:rPr>
-              <a:t>            User </a:t>
+              <a:t>            </a:t>
             </a:r>
             <a:r>
               <a:rPr lang="en-US" sz="1400" dirty="0" err="1" smtClean="0">
                 <a:latin typeface="Courier New" pitchFamily="49" charset="0"/>
                 <a:cs typeface="Courier New" pitchFamily="49" charset="0"/>
               </a:rPr>
-              <a:t>usr</a:t>
+              <a:t>bool</a:t>
             </a:r>
             <a:r>
               <a:rPr lang="en-US" sz="1400" dirty="0" smtClean="0">
                 <a:latin typeface="Courier New" pitchFamily="49" charset="0"/>
                 <a:cs typeface="Courier New" pitchFamily="49" charset="0"/>
               </a:rPr>
-              <a:t> = _</a:t>
+              <a:t> </a:t>
             </a:r>
             <a:r>
               <a:rPr lang="en-US" sz="1400" dirty="0" err="1" smtClean="0">
                 <a:latin typeface="Courier New" pitchFamily="49" charset="0"/>
                 <a:cs typeface="Courier New" pitchFamily="49" charset="0"/>
               </a:rPr>
-              <a:t>repository.GetUser</a:t>
+              <a:t>rslt</a:t>
             </a:r>
             <a:r>
               <a:rPr lang="en-US" sz="1400" dirty="0" smtClean="0">
                 <a:latin typeface="Courier New" pitchFamily="49" charset="0"/>
                 <a:cs typeface="Courier New" pitchFamily="49" charset="0"/>
               </a:rPr>
-              <a:t>(</a:t>
+              <a:t> = false;</a:t>
+            </a:r>
+          </a:p>
+          <a:p>
+            <a:r>
+              <a:rPr lang="en-US" sz="1400" dirty="0" smtClean="0">
+                <a:latin typeface="Courier New" pitchFamily="49" charset="0"/>
+                <a:cs typeface="Courier New" pitchFamily="49" charset="0"/>
+              </a:rPr>
+              <a:t>            User </a:t>
             </a:r>
             <a:r>
               <a:rPr lang="en-US" sz="1400" dirty="0" err="1" smtClean="0">
                 <a:latin typeface="Courier New" pitchFamily="49" charset="0"/>
                 <a:cs typeface="Courier New" pitchFamily="49" charset="0"/>
               </a:rPr>
-              <a:t>userNme</a:t>
+              <a:t>usr</a:t>
             </a:r>
             <a:r>
               <a:rPr lang="en-US" sz="1400" dirty="0" smtClean="0">
                 <a:latin typeface="Courier New" pitchFamily="49" charset="0"/>
                 <a:cs typeface="Courier New" pitchFamily="49" charset="0"/>
               </a:rPr>
-              <a:t>);</a:t>
-            </a:r>
-          </a:p>
-          <a:p>
+              <a:t> = _</a:t>
+            </a:r>
+            <a:r>
+              <a:rPr lang="en-US" sz="1400" dirty="0" err="1" smtClean="0">
+                <a:latin typeface="Courier New" pitchFamily="49" charset="0"/>
+                <a:cs typeface="Courier New" pitchFamily="49" charset="0"/>
+              </a:rPr>
+              <a:t>repository.GetUser</a:t>
+            </a:r>
             <a:r>
               <a:rPr lang="en-US" sz="1400" dirty="0" smtClean="0">
                 <a:latin typeface="Courier New" pitchFamily="49" charset="0"/>
                 <a:cs typeface="Courier New" pitchFamily="49" charset="0"/>
               </a:rPr>
-              <a:t>            </a:t>
+              <a:t>(</a:t>
             </a:r>
             <a:r>
               <a:rPr lang="en-US" sz="1400" dirty="0" err="1" smtClean="0">
                 <a:latin typeface="Courier New" pitchFamily="49" charset="0"/>
                 <a:cs typeface="Courier New" pitchFamily="49" charset="0"/>
               </a:rPr>
-              <a:t>msg</a:t>
+              <a:t>userNme</a:t>
             </a:r>
             <a:r>
               <a:rPr lang="en-US" sz="1400" dirty="0" smtClean="0">
                 <a:latin typeface="Courier New" pitchFamily="49" charset="0"/>
                 <a:cs typeface="Courier New" pitchFamily="49" charset="0"/>
               </a:rPr>
-              <a:t> = </a:t>
+              <a:t>);</a:t>
+            </a:r>
+          </a:p>
+          <a:p>
+            <a:endParaRPr lang="en-US" sz="1400" dirty="0" smtClean="0">
+              <a:latin typeface="Courier New" pitchFamily="49" charset="0"/>
+              <a:cs typeface="Courier New" pitchFamily="49" charset="0"/>
+            </a:endParaRPr>
+          </a:p>
+          <a:p>
+            <a:r>
+              <a:rPr lang="en-US" sz="1400" dirty="0" smtClean="0">
+                <a:latin typeface="Courier New" pitchFamily="49" charset="0"/>
+                <a:cs typeface="Courier New" pitchFamily="49" charset="0"/>
+              </a:rPr>
+              <a:t>            if(</a:t>
             </a:r>
             <a:r>
               <a:rPr lang="en-US" sz="1400" dirty="0" err="1" smtClean="0">
                 <a:latin typeface="Courier New" pitchFamily="49" charset="0"/>
                 <a:cs typeface="Courier New" pitchFamily="49" charset="0"/>
               </a:rPr>
-              <a:t>string.Empty</a:t>
+              <a:t>HashMatches</a:t>
             </a:r>
             <a:r>
               <a:rPr lang="en-US" sz="1400" dirty="0" smtClean="0">
                 <a:latin typeface="Courier New" pitchFamily="49" charset="0"/>
                 <a:cs typeface="Courier New" pitchFamily="49" charset="0"/>
               </a:rPr>
-              <a:t>;</a:t>
-            </a:r>
-          </a:p>
-          <a:p>
+              <a:t>(</a:t>
+            </a:r>
+            <a:r>
+              <a:rPr lang="en-US" sz="1400" dirty="0" err="1" smtClean="0">
+                <a:latin typeface="Courier New" pitchFamily="49" charset="0"/>
+                <a:cs typeface="Courier New" pitchFamily="49" charset="0"/>
+              </a:rPr>
+              <a:t>usr.PwdHash</a:t>
+            </a:r>
             <a:r>
               <a:rPr lang="en-US" sz="1400" dirty="0" smtClean="0">
                 <a:latin typeface="Courier New" pitchFamily="49" charset="0"/>
                 <a:cs typeface="Courier New" pitchFamily="49" charset="0"/>
               </a:rPr>
-              <a:t>            if(</a:t>
+              <a:t>, </a:t>
             </a:r>
             <a:r>
               <a:rPr lang="en-US" sz="1400" dirty="0" err="1" smtClean="0">
                 <a:latin typeface="Courier New" pitchFamily="49" charset="0"/>
                 <a:cs typeface="Courier New" pitchFamily="49" charset="0"/>
               </a:rPr>
-              <a:t>usr</a:t>
+              <a:t>pwd</a:t>
             </a:r>
             <a:r>
               <a:rPr lang="en-US" sz="1400" dirty="0" smtClean="0">
                 <a:latin typeface="Courier New" pitchFamily="49" charset="0"/>
                 <a:cs typeface="Courier New" pitchFamily="49" charset="0"/>
               </a:rPr>
-              <a:t> != null){</a:t>
+              <a:t>))</a:t>
             </a:r>
           </a:p>
           <a:p>
@@ -6200,49 +5325,94 @@
                 <a:latin typeface="Courier New" pitchFamily="49" charset="0"/>
                 <a:cs typeface="Courier New" pitchFamily="49" charset="0"/>
               </a:rPr>
-              <a:t>                if(_</a:t>
+              <a:t>            {  </a:t>
+            </a:r>
+          </a:p>
+          <a:p>
+            <a:r>
+              <a:rPr lang="en-US" sz="1400" dirty="0" smtClean="0">
+                <a:latin typeface="Courier New" pitchFamily="49" charset="0"/>
+                <a:cs typeface="Courier New" pitchFamily="49" charset="0"/>
+              </a:rPr>
+              <a:t>                </a:t>
             </a:r>
             <a:r>
               <a:rPr lang="en-US" sz="1400" dirty="0" err="1" smtClean="0">
                 <a:latin typeface="Courier New" pitchFamily="49" charset="0"/>
                 <a:cs typeface="Courier New" pitchFamily="49" charset="0"/>
               </a:rPr>
-              <a:t>passwdHashSvc.HashMatches</a:t>
+              <a:t>rslt</a:t>
             </a:r>
             <a:r>
               <a:rPr lang="en-US" sz="1400" dirty="0" smtClean="0">
                 <a:latin typeface="Courier New" pitchFamily="49" charset="0"/>
                 <a:cs typeface="Courier New" pitchFamily="49" charset="0"/>
               </a:rPr>
-              <a:t>(</a:t>
+              <a:t> = true; </a:t>
+            </a:r>
+          </a:p>
+          <a:p>
+            <a:r>
+              <a:rPr lang="en-US" sz="1400" dirty="0" smtClean="0">
+                <a:latin typeface="Courier New" pitchFamily="49" charset="0"/>
+                <a:cs typeface="Courier New" pitchFamily="49" charset="0"/>
+              </a:rPr>
+              <a:t>            }</a:t>
+            </a:r>
+          </a:p>
+          <a:p>
+            <a:r>
+              <a:rPr lang="en-US" sz="1400" dirty="0" smtClean="0">
+                <a:latin typeface="Courier New" pitchFamily="49" charset="0"/>
+                <a:cs typeface="Courier New" pitchFamily="49" charset="0"/>
+              </a:rPr>
+              <a:t>            else{</a:t>
+            </a:r>
+          </a:p>
+          <a:p>
+            <a:r>
+              <a:rPr lang="en-US" sz="1400" dirty="0" smtClean="0">
+                <a:latin typeface="Courier New" pitchFamily="49" charset="0"/>
+                <a:cs typeface="Courier New" pitchFamily="49" charset="0"/>
+              </a:rPr>
+              <a:t>                </a:t>
             </a:r>
             <a:r>
               <a:rPr lang="en-US" sz="1400" dirty="0" err="1" smtClean="0">
                 <a:latin typeface="Courier New" pitchFamily="49" charset="0"/>
                 <a:cs typeface="Courier New" pitchFamily="49" charset="0"/>
               </a:rPr>
-              <a:t>usr.PwdHash</a:t>
+              <a:t>msg</a:t>
             </a:r>
             <a:r>
               <a:rPr lang="en-US" sz="1400" dirty="0" smtClean="0">
                 <a:latin typeface="Courier New" pitchFamily="49" charset="0"/>
                 <a:cs typeface="Courier New" pitchFamily="49" charset="0"/>
               </a:rPr>
-              <a:t>, </a:t>
+              <a:t> = "Invalid user or password";</a:t>
+            </a:r>
+          </a:p>
+          <a:p>
+            <a:r>
+              <a:rPr lang="en-US" sz="1400" dirty="0" smtClean="0">
+                <a:latin typeface="Courier New" pitchFamily="49" charset="0"/>
+                <a:cs typeface="Courier New" pitchFamily="49" charset="0"/>
+              </a:rPr>
+              <a:t>                </a:t>
             </a:r>
             <a:r>
               <a:rPr lang="en-US" sz="1400" dirty="0" err="1" smtClean="0">
                 <a:latin typeface="Courier New" pitchFamily="49" charset="0"/>
                 <a:cs typeface="Courier New" pitchFamily="49" charset="0"/>
               </a:rPr>
-              <a:t>pwd</a:t>
+              <a:t>rslt</a:t>
             </a:r>
             <a:r>
               <a:rPr lang="en-US" sz="1400" dirty="0" smtClean="0">
                 <a:latin typeface="Courier New" pitchFamily="49" charset="0"/>
                 <a:cs typeface="Courier New" pitchFamily="49" charset="0"/>
               </a:rPr>
-              <a:t>)){</a:t>
+              <a:t> = false;    </a:t>
             </a:r>
           </a:p>
           <a:p>
@@ -6251,30 +5421,50 @@
                 <a:latin typeface="Courier New" pitchFamily="49" charset="0"/>
                 <a:cs typeface="Courier New" pitchFamily="49" charset="0"/>
               </a:rPr>
-              <a:t>                     </a:t>
+              <a:t>            }</a:t>
+            </a:r>
+          </a:p>
+          <a:p>
+            <a:endParaRPr lang="en-US" sz="1400" dirty="0" smtClean="0">
+              <a:latin typeface="Courier New" pitchFamily="49" charset="0"/>
+              <a:cs typeface="Courier New" pitchFamily="49" charset="0"/>
+            </a:endParaRPr>
+          </a:p>
+          <a:p>
+            <a:r>
+              <a:rPr lang="en-US" sz="1400" dirty="0" smtClean="0">
+                <a:latin typeface="Courier New" pitchFamily="49" charset="0"/>
+                <a:cs typeface="Courier New" pitchFamily="49" charset="0"/>
+              </a:rPr>
+              <a:t>            </a:t>
             </a:r>
             <a:r>
               <a:rPr lang="en-US" sz="1400" dirty="0" err="1" smtClean="0">
                 <a:latin typeface="Courier New" pitchFamily="49" charset="0"/>
                 <a:cs typeface="Courier New" pitchFamily="49" charset="0"/>
               </a:rPr>
-              <a:t>rslt</a:t>
+              <a:t>DisplayMsg</a:t>
             </a:r>
             <a:r>
               <a:rPr lang="en-US" sz="1400" dirty="0" smtClean="0">
                 <a:latin typeface="Courier New" pitchFamily="49" charset="0"/>
                 <a:cs typeface="Courier New" pitchFamily="49" charset="0"/>
               </a:rPr>
-              <a:t> = true;     </a:t>
-            </a:r>
-          </a:p>
-          <a:p>
+              <a:t>(</a:t>
+            </a:r>
+            <a:r>
+              <a:rPr lang="en-US" sz="1400" dirty="0" err="1" smtClean="0">
+                <a:latin typeface="Courier New" pitchFamily="49" charset="0"/>
+                <a:cs typeface="Courier New" pitchFamily="49" charset="0"/>
+              </a:rPr>
+              <a:t>msg</a:t>
+            </a:r>
             <a:r>
               <a:rPr lang="en-US" sz="1400" dirty="0" smtClean="0">
                 <a:latin typeface="Courier New" pitchFamily="49" charset="0"/>
                 <a:cs typeface="Courier New" pitchFamily="49" charset="0"/>
               </a:rPr>
-              <a:t>                }</a:t>
+              <a:t>); </a:t>
             </a:r>
           </a:p>
           <a:p>
@@ -6283,186 +5473,7 @@
                 <a:latin typeface="Courier New" pitchFamily="49" charset="0"/>
                 <a:cs typeface="Courier New" pitchFamily="49" charset="0"/>
               </a:rPr>
-              <a:t>                else{</a:t>
-            </a:r>
-          </a:p>
-          <a:p>
-            <a:r>
-              <a:rPr lang="en-US" sz="1400" dirty="0" smtClean="0">
-                <a:latin typeface="Courier New" pitchFamily="49" charset="0"/>
-                <a:cs typeface="Courier New" pitchFamily="49" charset="0"/>
-              </a:rPr>
-              <a:t>                     </a:t>
-            </a:r>
-            <a:r>
-              <a:rPr lang="en-US" sz="1400" dirty="0" err="1" smtClean="0">
-                <a:latin typeface="Courier New" pitchFamily="49" charset="0"/>
-                <a:cs typeface="Courier New" pitchFamily="49" charset="0"/>
-              </a:rPr>
-              <a:t>msg</a:t>
-            </a:r>
-            <a:r>
-              <a:rPr lang="en-US" sz="1400" dirty="0" smtClean="0">
-                <a:latin typeface="Courier New" pitchFamily="49" charset="0"/>
-                <a:cs typeface="Courier New" pitchFamily="49" charset="0"/>
-              </a:rPr>
-              <a:t> = "Invalid user or password";                                    </a:t>
-            </a:r>
-          </a:p>
-          <a:p>
-            <a:r>
-              <a:rPr lang="en-US" sz="1400" dirty="0" smtClean="0">
-                <a:latin typeface="Courier New" pitchFamily="49" charset="0"/>
-                <a:cs typeface="Courier New" pitchFamily="49" charset="0"/>
-              </a:rPr>
-              <a:t>                } </a:t>
-            </a:r>
-          </a:p>
-          <a:p>
-            <a:r>
-              <a:rPr lang="en-US" sz="1400" dirty="0" smtClean="0">
-                <a:latin typeface="Courier New" pitchFamily="49" charset="0"/>
-                <a:cs typeface="Courier New" pitchFamily="49" charset="0"/>
-              </a:rPr>
-              <a:t>            }</a:t>
-            </a:r>
-          </a:p>
-          <a:p>
-            <a:r>
-              <a:rPr lang="en-US" sz="1400" dirty="0" smtClean="0">
-                <a:latin typeface="Courier New" pitchFamily="49" charset="0"/>
-                <a:cs typeface="Courier New" pitchFamily="49" charset="0"/>
-              </a:rPr>
-              <a:t>            else{</a:t>
-            </a:r>
-          </a:p>
-          <a:p>
-            <a:r>
-              <a:rPr lang="en-US" sz="1400" dirty="0" smtClean="0">
-                <a:latin typeface="Courier New" pitchFamily="49" charset="0"/>
-                <a:cs typeface="Courier New" pitchFamily="49" charset="0"/>
-              </a:rPr>
-              <a:t>                </a:t>
-            </a:r>
-            <a:r>
-              <a:rPr lang="en-US" sz="1400" dirty="0" err="1" smtClean="0">
-                <a:latin typeface="Courier New" pitchFamily="49" charset="0"/>
-                <a:cs typeface="Courier New" pitchFamily="49" charset="0"/>
-              </a:rPr>
-              <a:t>msg</a:t>
-            </a:r>
-            <a:r>
-              <a:rPr lang="en-US" sz="1400" dirty="0" smtClean="0">
-                <a:latin typeface="Courier New" pitchFamily="49" charset="0"/>
-                <a:cs typeface="Courier New" pitchFamily="49" charset="0"/>
-              </a:rPr>
-              <a:t> = "Invalid user or password";</a:t>
-            </a:r>
-          </a:p>
-          <a:p>
-            <a:r>
-              <a:rPr lang="en-US" sz="1400" dirty="0" smtClean="0">
-                <a:latin typeface="Courier New" pitchFamily="49" charset="0"/>
-                <a:cs typeface="Courier New" pitchFamily="49" charset="0"/>
-              </a:rPr>
-              <a:t>                </a:t>
-            </a:r>
-            <a:r>
-              <a:rPr lang="en-US" sz="1400" dirty="0" err="1" smtClean="0">
-                <a:latin typeface="Courier New" pitchFamily="49" charset="0"/>
-                <a:cs typeface="Courier New" pitchFamily="49" charset="0"/>
-              </a:rPr>
-              <a:t>rslt</a:t>
-            </a:r>
-            <a:r>
-              <a:rPr lang="en-US" sz="1400" dirty="0" smtClean="0">
-                <a:latin typeface="Courier New" pitchFamily="49" charset="0"/>
-                <a:cs typeface="Courier New" pitchFamily="49" charset="0"/>
-              </a:rPr>
-              <a:t> = false;    </a:t>
-            </a:r>
-          </a:p>
-          <a:p>
-            <a:r>
-              <a:rPr lang="en-US" sz="1400" dirty="0" smtClean="0">
-                <a:latin typeface="Courier New" pitchFamily="49" charset="0"/>
-                <a:cs typeface="Courier New" pitchFamily="49" charset="0"/>
-              </a:rPr>
-              <a:t>            }</a:t>
-            </a:r>
-          </a:p>
-          <a:p>
-            <a:r>
-              <a:rPr lang="en-US" sz="1400" dirty="0" smtClean="0">
-                <a:latin typeface="Courier New" pitchFamily="49" charset="0"/>
-                <a:cs typeface="Courier New" pitchFamily="49" charset="0"/>
-              </a:rPr>
-              <a:t>            if(!</a:t>
-            </a:r>
-            <a:r>
-              <a:rPr lang="en-US" sz="1400" dirty="0" err="1" smtClean="0">
-                <a:latin typeface="Courier New" pitchFamily="49" charset="0"/>
-                <a:cs typeface="Courier New" pitchFamily="49" charset="0"/>
-              </a:rPr>
-              <a:t>string.IsNullOrEmpty</a:t>
-            </a:r>
-            <a:r>
-              <a:rPr lang="en-US" sz="1400" dirty="0" smtClean="0">
-                <a:latin typeface="Courier New" pitchFamily="49" charset="0"/>
-                <a:cs typeface="Courier New" pitchFamily="49" charset="0"/>
-              </a:rPr>
-              <a:t>(</a:t>
-            </a:r>
-            <a:r>
-              <a:rPr lang="en-US" sz="1400" dirty="0" err="1" smtClean="0">
-                <a:latin typeface="Courier New" pitchFamily="49" charset="0"/>
-                <a:cs typeface="Courier New" pitchFamily="49" charset="0"/>
-              </a:rPr>
-              <a:t>msg</a:t>
-            </a:r>
-            <a:r>
-              <a:rPr lang="en-US" sz="1400" dirty="0" smtClean="0">
-                <a:latin typeface="Courier New" pitchFamily="49" charset="0"/>
-                <a:cs typeface="Courier New" pitchFamily="49" charset="0"/>
-              </a:rPr>
-              <a:t>))</a:t>
-            </a:r>
-          </a:p>
-          <a:p>
-            <a:r>
-              <a:rPr lang="en-US" sz="1400" dirty="0" smtClean="0">
-                <a:latin typeface="Courier New" pitchFamily="49" charset="0"/>
-                <a:cs typeface="Courier New" pitchFamily="49" charset="0"/>
-              </a:rPr>
-              <a:t>                 </a:t>
-            </a:r>
-            <a:r>
-              <a:rPr lang="en-US" sz="1400" dirty="0" err="1" smtClean="0">
-                <a:latin typeface="Courier New" pitchFamily="49" charset="0"/>
-                <a:cs typeface="Courier New" pitchFamily="49" charset="0"/>
-              </a:rPr>
-              <a:t>MessageBox.Show</a:t>
-            </a:r>
-            <a:r>
-              <a:rPr lang="en-US" sz="1400" dirty="0" smtClean="0">
-                <a:latin typeface="Courier New" pitchFamily="49" charset="0"/>
-                <a:cs typeface="Courier New" pitchFamily="49" charset="0"/>
-              </a:rPr>
-              <a:t>(</a:t>
-            </a:r>
-            <a:r>
-              <a:rPr lang="en-US" sz="1400" dirty="0" err="1" smtClean="0">
-                <a:latin typeface="Courier New" pitchFamily="49" charset="0"/>
-                <a:cs typeface="Courier New" pitchFamily="49" charset="0"/>
-              </a:rPr>
-              <a:t>msg</a:t>
-            </a:r>
-            <a:r>
-              <a:rPr lang="en-US" sz="1400" dirty="0" smtClean="0">
-                <a:latin typeface="Courier New" pitchFamily="49" charset="0"/>
-                <a:cs typeface="Courier New" pitchFamily="49" charset="0"/>
-              </a:rPr>
-              <a:t>);            </a:t>
+              <a:t>                          </a:t>
             </a:r>
           </a:p>
           <a:p>
@@ -6637,7 +5648,7 @@
             <a:pPr eaLnBrk="1" hangingPunct="1"/>
             <a:r>
               <a:rPr lang="en-US" dirty="0" smtClean="0"/>
-              <a:t>Exercise Part 1 – Abstraction Level Fix</a:t>
+              <a:t>Exercise Part 2 – Name Fix</a:t>
             </a:r>
           </a:p>
         </p:txBody>
@@ -6691,10 +5702,13 @@
             </a:r>
             <a:r>
               <a:rPr lang="en-US" sz="1400" dirty="0" err="1" smtClean="0">
+                <a:solidFill>
+                  <a:srgbClr val="FF0000"/>
+                </a:solidFill>
                 <a:latin typeface="Courier New" pitchFamily="49" charset="0"/>
                 <a:cs typeface="Courier New" pitchFamily="49" charset="0"/>
               </a:rPr>
-              <a:t>ValidLogin</a:t>
+              <a:t>IsValidLoginOrDisplayMessage</a:t>
             </a:r>
             <a:r>
               <a:rPr lang="en-US" sz="1400" dirty="0" smtClean="0">
@@ -6705,54 +5719,126 @@
             </a:r>
             <a:r>
               <a:rPr lang="en-US" sz="1400" dirty="0" err="1" smtClean="0">
+                <a:solidFill>
+                  <a:srgbClr val="FF0000"/>
+                </a:solidFill>
                 <a:latin typeface="Courier New" pitchFamily="49" charset="0"/>
                 <a:cs typeface="Courier New" pitchFamily="49" charset="0"/>
               </a:rPr>
-              <a:t>userNme</a:t>
+              <a:t>userName</a:t>
             </a:r>
             <a:r>
               <a:rPr lang="en-US" sz="1400" dirty="0" smtClean="0">
                 <a:latin typeface="Courier New" pitchFamily="49" charset="0"/>
                 <a:cs typeface="Courier New" pitchFamily="49" charset="0"/>
               </a:rPr>
-              <a:t>, string </a:t>
+              <a:t>, string password, out string </a:t>
+            </a:r>
+            <a:r>
+              <a:rPr lang="en-US" sz="1400" dirty="0" smtClean="0">
+                <a:solidFill>
+                  <a:srgbClr val="FF0000"/>
+                </a:solidFill>
+                <a:latin typeface="Courier New" pitchFamily="49" charset="0"/>
+                <a:cs typeface="Courier New" pitchFamily="49" charset="0"/>
+              </a:rPr>
+              <a:t>message</a:t>
+            </a:r>
+            <a:r>
+              <a:rPr lang="en-US" sz="1400" dirty="0" smtClean="0">
+                <a:latin typeface="Courier New" pitchFamily="49" charset="0"/>
+                <a:cs typeface="Courier New" pitchFamily="49" charset="0"/>
+              </a:rPr>
+              <a:t>)</a:t>
+            </a:r>
+          </a:p>
+          <a:p>
+            <a:r>
+              <a:rPr lang="en-US" sz="1400" dirty="0" smtClean="0">
+                <a:latin typeface="Courier New" pitchFamily="49" charset="0"/>
+                <a:cs typeface="Courier New" pitchFamily="49" charset="0"/>
+              </a:rPr>
+              <a:t>        {</a:t>
+            </a:r>
+          </a:p>
+          <a:p>
+            <a:r>
+              <a:rPr lang="en-US" sz="1400" dirty="0" smtClean="0">
+                <a:latin typeface="Courier New" pitchFamily="49" charset="0"/>
+                <a:cs typeface="Courier New" pitchFamily="49" charset="0"/>
+              </a:rPr>
+              <a:t>            </a:t>
+            </a:r>
+            <a:r>
+              <a:rPr lang="en-US" sz="1400" dirty="0" smtClean="0">
+                <a:solidFill>
+                  <a:srgbClr val="FF0000"/>
+                </a:solidFill>
+                <a:latin typeface="Courier New" pitchFamily="49" charset="0"/>
+                <a:cs typeface="Courier New" pitchFamily="49" charset="0"/>
+              </a:rPr>
+              <a:t>message </a:t>
+            </a:r>
+            <a:r>
+              <a:rPr lang="en-US" sz="1400" dirty="0" smtClean="0">
+                <a:latin typeface="Courier New" pitchFamily="49" charset="0"/>
+                <a:cs typeface="Courier New" pitchFamily="49" charset="0"/>
+              </a:rPr>
+              <a:t>= </a:t>
             </a:r>
             <a:r>
               <a:rPr lang="en-US" sz="1400" dirty="0" err="1" smtClean="0">
                 <a:latin typeface="Courier New" pitchFamily="49" charset="0"/>
                 <a:cs typeface="Courier New" pitchFamily="49" charset="0"/>
               </a:rPr>
-              <a:t>pwd</a:t>
+              <a:t>string.Empty</a:t>
             </a:r>
             <a:r>
               <a:rPr lang="en-US" sz="1400" dirty="0" smtClean="0">
                 <a:latin typeface="Courier New" pitchFamily="49" charset="0"/>
                 <a:cs typeface="Courier New" pitchFamily="49" charset="0"/>
               </a:rPr>
-              <a:t>, out string </a:t>
+              <a:t>;</a:t>
+            </a:r>
+          </a:p>
+          <a:p>
+            <a:r>
+              <a:rPr lang="en-US" sz="1400" dirty="0" smtClean="0">
+                <a:latin typeface="Courier New" pitchFamily="49" charset="0"/>
+                <a:cs typeface="Courier New" pitchFamily="49" charset="0"/>
+              </a:rPr>
+              <a:t>            </a:t>
             </a:r>
             <a:r>
               <a:rPr lang="en-US" sz="1400" dirty="0" err="1" smtClean="0">
                 <a:latin typeface="Courier New" pitchFamily="49" charset="0"/>
                 <a:cs typeface="Courier New" pitchFamily="49" charset="0"/>
               </a:rPr>
-              <a:t>msg</a:t>
+              <a:t>bool</a:t>
             </a:r>
             <a:r>
               <a:rPr lang="en-US" sz="1400" dirty="0" smtClean="0">
                 <a:latin typeface="Courier New" pitchFamily="49" charset="0"/>
                 <a:cs typeface="Courier New" pitchFamily="49" charset="0"/>
               </a:rPr>
-              <a:t>)</a:t>
-            </a:r>
-          </a:p>
-          <a:p>
+              <a:t> </a:t>
+            </a:r>
+            <a:r>
+              <a:rPr lang="en-US" sz="1400" dirty="0" smtClean="0">
+                <a:solidFill>
+                  <a:srgbClr val="FF0000"/>
+                </a:solidFill>
+                <a:latin typeface="Courier New" pitchFamily="49" charset="0"/>
+                <a:cs typeface="Courier New" pitchFamily="49" charset="0"/>
+              </a:rPr>
+              <a:t>result </a:t>
+            </a:r>
             <a:r>
               <a:rPr lang="en-US" sz="1400" dirty="0" smtClean="0">
                 <a:latin typeface="Courier New" pitchFamily="49" charset="0"/>
                 <a:cs typeface="Courier New" pitchFamily="49" charset="0"/>
               </a:rPr>
-              <a:t>        {</a:t>
+              <a:t>= false;</a:t>
             </a:r>
           </a:p>
           <a:p>
@@ -6761,116 +5847,58 @@
                 <a:latin typeface="Courier New" pitchFamily="49" charset="0"/>
                 <a:cs typeface="Courier New" pitchFamily="49" charset="0"/>
               </a:rPr>
-              <a:t>            </a:t>
+              <a:t>            User </a:t>
+            </a:r>
+            <a:r>
+              <a:rPr lang="en-US" sz="1400" dirty="0" err="1" smtClean="0">
+                <a:solidFill>
+                  <a:srgbClr val="FF0000"/>
+                </a:solidFill>
+                <a:latin typeface="Courier New" pitchFamily="49" charset="0"/>
+                <a:cs typeface="Courier New" pitchFamily="49" charset="0"/>
+              </a:rPr>
+              <a:t>user</a:t>
+            </a:r>
+            <a:r>
+              <a:rPr lang="en-US" sz="1400" dirty="0" smtClean="0">
+                <a:solidFill>
+                  <a:srgbClr val="FF0000"/>
+                </a:solidFill>
+                <a:latin typeface="Courier New" pitchFamily="49" charset="0"/>
+                <a:cs typeface="Courier New" pitchFamily="49" charset="0"/>
+              </a:rPr>
+              <a:t> </a:t>
+            </a:r>
+            <a:r>
+              <a:rPr lang="en-US" sz="1400" dirty="0" smtClean="0">
+                <a:latin typeface="Courier New" pitchFamily="49" charset="0"/>
+                <a:cs typeface="Courier New" pitchFamily="49" charset="0"/>
+              </a:rPr>
+              <a:t>= _</a:t>
             </a:r>
             <a:r>
               <a:rPr lang="en-US" sz="1400" dirty="0" err="1" smtClean="0">
                 <a:latin typeface="Courier New" pitchFamily="49" charset="0"/>
                 <a:cs typeface="Courier New" pitchFamily="49" charset="0"/>
               </a:rPr>
-              <a:t>msg</a:t>
+              <a:t>repository.GetUser</a:t>
             </a:r>
             <a:r>
               <a:rPr lang="en-US" sz="1400" dirty="0" smtClean="0">
                 <a:latin typeface="Courier New" pitchFamily="49" charset="0"/>
                 <a:cs typeface="Courier New" pitchFamily="49" charset="0"/>
               </a:rPr>
-              <a:t> = </a:t>
+              <a:t>(</a:t>
             </a:r>
             <a:r>
               <a:rPr lang="en-US" sz="1400" dirty="0" err="1" smtClean="0">
+                <a:solidFill>
+                  <a:srgbClr val="FF0000"/>
+                </a:solidFill>
                 <a:latin typeface="Courier New" pitchFamily="49" charset="0"/>
                 <a:cs typeface="Courier New" pitchFamily="49" charset="0"/>
               </a:rPr>
-              <a:t>string.Empty</a:t>
-            </a:r>
-            <a:r>
-              <a:rPr lang="en-US" sz="1400" dirty="0" smtClean="0">
-                <a:latin typeface="Courier New" pitchFamily="49" charset="0"/>
-                <a:cs typeface="Courier New" pitchFamily="49" charset="0"/>
-              </a:rPr>
-              <a:t>;</a:t>
-            </a:r>
-          </a:p>
-          <a:p>
-            <a:r>
-              <a:rPr lang="en-US" sz="1400" dirty="0" smtClean="0">
-                <a:latin typeface="Courier New" pitchFamily="49" charset="0"/>
-                <a:cs typeface="Courier New" pitchFamily="49" charset="0"/>
-              </a:rPr>
-              <a:t>            </a:t>
-            </a:r>
-            <a:r>
-              <a:rPr lang="en-US" sz="1400" dirty="0" err="1" smtClean="0">
-                <a:latin typeface="Courier New" pitchFamily="49" charset="0"/>
-                <a:cs typeface="Courier New" pitchFamily="49" charset="0"/>
-              </a:rPr>
-              <a:t>bool</a:t>
-            </a:r>
-            <a:r>
-              <a:rPr lang="en-US" sz="1400" dirty="0" smtClean="0">
-                <a:latin typeface="Courier New" pitchFamily="49" charset="0"/>
-                <a:cs typeface="Courier New" pitchFamily="49" charset="0"/>
-              </a:rPr>
-              <a:t> </a:t>
-            </a:r>
-            <a:r>
-              <a:rPr lang="en-US" sz="1400" dirty="0" err="1" smtClean="0">
-                <a:latin typeface="Courier New" pitchFamily="49" charset="0"/>
-                <a:cs typeface="Courier New" pitchFamily="49" charset="0"/>
-              </a:rPr>
-              <a:t>rslt</a:t>
-            </a:r>
-            <a:r>
-              <a:rPr lang="en-US" sz="1400" dirty="0" smtClean="0">
-                <a:latin typeface="Courier New" pitchFamily="49" charset="0"/>
-                <a:cs typeface="Courier New" pitchFamily="49" charset="0"/>
-              </a:rPr>
-              <a:t> = false;</a:t>
-            </a:r>
-          </a:p>
-          <a:p>
-            <a:r>
-              <a:rPr lang="en-US" sz="1400" dirty="0" smtClean="0">
-                <a:latin typeface="Courier New" pitchFamily="49" charset="0"/>
-                <a:cs typeface="Courier New" pitchFamily="49" charset="0"/>
-              </a:rPr>
-              <a:t>            User </a:t>
-            </a:r>
-            <a:r>
-              <a:rPr lang="en-US" sz="1400" dirty="0" err="1" smtClean="0">
-                <a:latin typeface="Courier New" pitchFamily="49" charset="0"/>
-                <a:cs typeface="Courier New" pitchFamily="49" charset="0"/>
-              </a:rPr>
-              <a:t>usr</a:t>
-            </a:r>
-            <a:r>
-              <a:rPr lang="en-US" sz="1400" dirty="0" smtClean="0">
-                <a:latin typeface="Courier New" pitchFamily="49" charset="0"/>
-                <a:cs typeface="Courier New" pitchFamily="49" charset="0"/>
-              </a:rPr>
-              <a:t> = _</a:t>
-            </a:r>
-            <a:r>
-              <a:rPr lang="en-US" sz="1400" dirty="0" err="1" smtClean="0">
-                <a:latin typeface="Courier New" pitchFamily="49" charset="0"/>
-                <a:cs typeface="Courier New" pitchFamily="49" charset="0"/>
-              </a:rPr>
-              <a:t>repository.GetUser</a:t>
-            </a:r>
-            <a:r>
-              <a:rPr lang="en-US" sz="1400" dirty="0" smtClean="0">
-                <a:latin typeface="Courier New" pitchFamily="49" charset="0"/>
-                <a:cs typeface="Courier New" pitchFamily="49" charset="0"/>
-              </a:rPr>
-              <a:t>(</a:t>
-            </a:r>
-            <a:r>
-              <a:rPr lang="en-US" sz="1400" dirty="0" err="1" smtClean="0">
-                <a:latin typeface="Courier New" pitchFamily="49" charset="0"/>
-                <a:cs typeface="Courier New" pitchFamily="49" charset="0"/>
-              </a:rPr>
-              <a:t>userNme</a:t>
+              <a:t>userName</a:t>
             </a:r>
             <a:r>
               <a:rPr lang="en-US" sz="1400" dirty="0" smtClean="0">
@@ -6892,7 +5920,7 @@
                 <a:latin typeface="Courier New" pitchFamily="49" charset="0"/>
                 <a:cs typeface="Courier New" pitchFamily="49" charset="0"/>
               </a:rPr>
-              <a:t>            if(</a:t>
+              <a:t>            if(user != null &amp;&amp; </a:t>
             </a:r>
             <a:r>
               <a:rPr lang="en-US" sz="1400" dirty="0" err="1" smtClean="0">
@@ -6910,10 +5938,13 @@
             </a:r>
             <a:r>
               <a:rPr lang="en-US" sz="1400" dirty="0" err="1" smtClean="0">
+                <a:solidFill>
+                  <a:srgbClr val="FF0000"/>
+                </a:solidFill>
                 <a:latin typeface="Courier New" pitchFamily="49" charset="0"/>
                 <a:cs typeface="Courier New" pitchFamily="49" charset="0"/>
               </a:rPr>
-              <a:t>usr.PwdHash</a:t>
+              <a:t>user.PasswordHash</a:t>
             </a:r>
             <a:r>
               <a:rPr lang="en-US" sz="1400" dirty="0" smtClean="0">
@@ -6923,11 +5954,14 @@
               <a:t>, </a:t>
             </a:r>
             <a:r>
-              <a:rPr lang="en-US" sz="1400" dirty="0" err="1" smtClean="0">
+              <a:rPr lang="en-US" sz="1400" dirty="0" smtClean="0">
+                <a:solidFill>
+                  <a:srgbClr val="FF0000"/>
+                </a:solidFill>
                 <a:latin typeface="Courier New" pitchFamily="49" charset="0"/>
                 <a:cs typeface="Courier New" pitchFamily="49" charset="0"/>
               </a:rPr>
-              <a:t>pwd</a:t>
+              <a:t>password</a:t>
             </a:r>
             <a:r>
               <a:rPr lang="en-US" sz="1400" dirty="0" smtClean="0">
@@ -6955,11 +5989,14 @@
               <a:t>                </a:t>
             </a:r>
             <a:r>
-              <a:rPr lang="en-US" sz="1400" dirty="0" err="1" smtClean="0">
+              <a:rPr lang="en-US" sz="1400" dirty="0" smtClean="0">
+                <a:solidFill>
+                  <a:srgbClr val="FF0000"/>
+                </a:solidFill>
                 <a:latin typeface="Courier New" pitchFamily="49" charset="0"/>
                 <a:cs typeface="Courier New" pitchFamily="49" charset="0"/>
               </a:rPr>
-              <a:t>rslt</a:t>
+              <a:t>result</a:t>
             </a:r>
             <a:r>
               <a:rPr lang="en-US" sz="1400" dirty="0" smtClean="0">
@@ -6996,11 +6033,14 @@
               <a:t>                </a:t>
             </a:r>
             <a:r>
-              <a:rPr lang="en-US" sz="1400" dirty="0" err="1" smtClean="0">
+              <a:rPr lang="en-US" sz="1400" dirty="0" smtClean="0">
+                <a:solidFill>
+                  <a:srgbClr val="FF0000"/>
+                </a:solidFill>
                 <a:latin typeface="Courier New" pitchFamily="49" charset="0"/>
                 <a:cs typeface="Courier New" pitchFamily="49" charset="0"/>
               </a:rPr>
-              <a:t>msg</a:t>
+              <a:t>message</a:t>
             </a:r>
             <a:r>
               <a:rPr lang="en-US" sz="1400" dirty="0" smtClean="0">
@@ -7019,11 +6059,14 @@
               <a:t>                </a:t>
             </a:r>
             <a:r>
-              <a:rPr lang="en-US" sz="1400" dirty="0" err="1" smtClean="0">
+              <a:rPr lang="en-US" sz="1400" dirty="0" smtClean="0">
+                <a:solidFill>
+                  <a:srgbClr val="FF0000"/>
+                </a:solidFill>
                 <a:latin typeface="Courier New" pitchFamily="49" charset="0"/>
                 <a:cs typeface="Courier New" pitchFamily="49" charset="0"/>
               </a:rPr>
-              <a:t>rslt</a:t>
+              <a:t>result</a:t>
             </a:r>
             <a:r>
               <a:rPr lang="en-US" sz="1400" dirty="0" smtClean="0">
@@ -7061,7 +6104,17 @@
                 <a:latin typeface="Courier New" pitchFamily="49" charset="0"/>
                 <a:cs typeface="Courier New" pitchFamily="49" charset="0"/>
               </a:rPr>
-              <a:t>DisplayMsg</a:t>
+              <a:t>Display</a:t>
+            </a:r>
+            <a:r>
+              <a:rPr lang="en-US" sz="1400" dirty="0" err="1" smtClean="0">
+                <a:solidFill>
+                  <a:srgbClr val="FF0000"/>
+                </a:solidFill>
+                <a:latin typeface="Courier New" pitchFamily="49" charset="0"/>
+                <a:cs typeface="Courier New" pitchFamily="49" charset="0"/>
+              </a:rPr>
+              <a:t>Message</a:t>
             </a:r>
             <a:r>
               <a:rPr lang="en-US" sz="1400" dirty="0" smtClean="0">
@@ -7071,11 +6124,14 @@
               <a:t>(</a:t>
             </a:r>
             <a:r>
-              <a:rPr lang="en-US" sz="1400" dirty="0" err="1" smtClean="0">
+              <a:rPr lang="en-US" sz="1400" dirty="0" smtClean="0">
+                <a:solidFill>
+                  <a:srgbClr val="FF0000"/>
+                </a:solidFill>
                 <a:latin typeface="Courier New" pitchFamily="49" charset="0"/>
                 <a:cs typeface="Courier New" pitchFamily="49" charset="0"/>
               </a:rPr>
-              <a:t>msg</a:t>
+              <a:t>message</a:t>
             </a:r>
             <a:r>
               <a:rPr lang="en-US" sz="1400" dirty="0" smtClean="0">
@@ -7103,18 +6159,21 @@
               <a:t>            return </a:t>
             </a:r>
             <a:r>
-              <a:rPr lang="en-US" sz="1400" dirty="0" err="1" smtClean="0">
+              <a:rPr lang="en-US" sz="1400" dirty="0" smtClean="0">
+                <a:solidFill>
+                  <a:srgbClr val="FF0000"/>
+                </a:solidFill>
                 <a:latin typeface="Courier New" pitchFamily="49" charset="0"/>
                 <a:cs typeface="Courier New" pitchFamily="49" charset="0"/>
               </a:rPr>
-              <a:t>rslt</a:t>
+              <a:t>resul</a:t>
             </a:r>
             <a:r>
               <a:rPr lang="en-US" sz="1400" dirty="0" smtClean="0">
                 <a:latin typeface="Courier New" pitchFamily="49" charset="0"/>
                 <a:cs typeface="Courier New" pitchFamily="49" charset="0"/>
               </a:rPr>
-              <a:t>;</a:t>
+              <a:t>t;</a:t>
             </a:r>
           </a:p>
           <a:p>
@@ -7125,8 +6184,6 @@
               </a:rPr>
               <a:t>        }  </a:t>
             </a:r>
-          </a:p>
-          <a:p>
             <a:r>
               <a:rPr lang="en-US" sz="1100" dirty="0" smtClean="0">
                 <a:latin typeface="Courier New" pitchFamily="49" charset="0"/>
@@ -7266,7 +6323,7 @@
             <a:pPr eaLnBrk="1" hangingPunct="1"/>
             <a:r>
               <a:rPr lang="en-US" dirty="0" smtClean="0"/>
-              <a:t>Exercise Part 2 – Name Fix</a:t>
+              <a:t>Exercise Part 3 – Second Cycle</a:t>
             </a:r>
           </a:p>
         </p:txBody>
@@ -7297,6 +6354,12 @@
             <a:endParaRPr lang="en-US" sz="2000" dirty="0" smtClean="0"/>
           </a:p>
           <a:p>
+            <a:pPr marL="457200" indent="-457200">
+              <a:buNone/>
+            </a:pPr>
+            <a:endParaRPr lang="en-US" sz="2000" dirty="0" smtClean="0"/>
+          </a:p>
+          <a:p>
             <a:r>
               <a:rPr lang="en-US" sz="1400" dirty="0" smtClean="0">
                 <a:latin typeface="Courier New" pitchFamily="49" charset="0"/>
@@ -7326,7 +6389,7 @@
                 <a:latin typeface="Courier New" pitchFamily="49" charset="0"/>
                 <a:cs typeface="Courier New" pitchFamily="49" charset="0"/>
               </a:rPr>
-              <a:t>IsValidLoginOrDisplayMessage</a:t>
+              <a:t>IsValidLogin</a:t>
             </a:r>
             <a:r>
               <a:rPr lang="en-US" sz="1400" dirty="0" smtClean="0">
@@ -7350,7 +6413,35 @@
                 <a:latin typeface="Courier New" pitchFamily="49" charset="0"/>
                 <a:cs typeface="Courier New" pitchFamily="49" charset="0"/>
               </a:rPr>
-              <a:t>, string password, out string </a:t>
+              <a:t>, string password)</a:t>
+            </a:r>
+          </a:p>
+          <a:p>
+            <a:r>
+              <a:rPr lang="en-US" sz="1400" dirty="0" smtClean="0">
+                <a:latin typeface="Courier New" pitchFamily="49" charset="0"/>
+                <a:cs typeface="Courier New" pitchFamily="49" charset="0"/>
+              </a:rPr>
+              <a:t>        {</a:t>
+            </a:r>
+          </a:p>
+          <a:p>
+            <a:r>
+              <a:rPr lang="en-US" sz="1400" dirty="0" smtClean="0">
+                <a:latin typeface="Courier New" pitchFamily="49" charset="0"/>
+                <a:cs typeface="Courier New" pitchFamily="49" charset="0"/>
+              </a:rPr>
+              <a:t>            User </a:t>
+            </a:r>
+            <a:r>
+              <a:rPr lang="en-US" sz="1400" dirty="0" err="1" smtClean="0">
+                <a:solidFill>
+                  <a:srgbClr val="FF0000"/>
+                </a:solidFill>
+                <a:latin typeface="Courier New" pitchFamily="49" charset="0"/>
+                <a:cs typeface="Courier New" pitchFamily="49" charset="0"/>
+              </a:rPr>
+              <a:t>user</a:t>
             </a:r>
             <a:r>
               <a:rPr lang="en-US" sz="1400" dirty="0" smtClean="0">
@@ -7360,170 +6451,95 @@
                 <a:latin typeface="Courier New" pitchFamily="49" charset="0"/>
                 <a:cs typeface="Courier New" pitchFamily="49" charset="0"/>
               </a:rPr>
-              <a:t>message</a:t>
+              <a:t> </a:t>
             </a:r>
             <a:r>
               <a:rPr lang="en-US" sz="1400" dirty="0" smtClean="0">
                 <a:latin typeface="Courier New" pitchFamily="49" charset="0"/>
                 <a:cs typeface="Courier New" pitchFamily="49" charset="0"/>
               </a:rPr>
-              <a:t>)</a:t>
-            </a:r>
-          </a:p>
-          <a:p>
+              <a:t>= _</a:t>
+            </a:r>
+            <a:r>
+              <a:rPr lang="en-US" sz="1400" dirty="0" err="1" smtClean="0">
+                <a:latin typeface="Courier New" pitchFamily="49" charset="0"/>
+                <a:cs typeface="Courier New" pitchFamily="49" charset="0"/>
+              </a:rPr>
+              <a:t>userRepository.GetUser</a:t>
+            </a:r>
             <a:r>
               <a:rPr lang="en-US" sz="1400" dirty="0" smtClean="0">
                 <a:latin typeface="Courier New" pitchFamily="49" charset="0"/>
                 <a:cs typeface="Courier New" pitchFamily="49" charset="0"/>
               </a:rPr>
-              <a:t>        {</a:t>
-            </a:r>
-          </a:p>
-          <a:p>
+              <a:t>(</a:t>
+            </a:r>
+            <a:r>
+              <a:rPr lang="en-US" sz="1400" dirty="0" err="1" smtClean="0">
+                <a:latin typeface="Courier New" pitchFamily="49" charset="0"/>
+                <a:cs typeface="Courier New" pitchFamily="49" charset="0"/>
+              </a:rPr>
+              <a:t>userName</a:t>
+            </a:r>
             <a:r>
               <a:rPr lang="en-US" sz="1400" dirty="0" smtClean="0">
                 <a:latin typeface="Courier New" pitchFamily="49" charset="0"/>
                 <a:cs typeface="Courier New" pitchFamily="49" charset="0"/>
               </a:rPr>
-              <a:t>            </a:t>
-            </a:r>
-            <a:r>
-              <a:rPr lang="en-US" sz="1400" dirty="0" smtClean="0">
-                <a:solidFill>
-                  <a:srgbClr val="FF0000"/>
-                </a:solidFill>
-                <a:latin typeface="Courier New" pitchFamily="49" charset="0"/>
-                <a:cs typeface="Courier New" pitchFamily="49" charset="0"/>
-              </a:rPr>
-              <a:t>message </a:t>
-            </a:r>
+              <a:t>);</a:t>
+            </a:r>
+          </a:p>
+          <a:p>
             <a:r>
               <a:rPr lang="en-US" sz="1400" dirty="0" smtClean="0">
                 <a:latin typeface="Courier New" pitchFamily="49" charset="0"/>
                 <a:cs typeface="Courier New" pitchFamily="49" charset="0"/>
               </a:rPr>
-              <a:t>= </a:t>
+              <a:t>            return _</a:t>
             </a:r>
             <a:r>
               <a:rPr lang="en-US" sz="1400" dirty="0" err="1" smtClean="0">
                 <a:latin typeface="Courier New" pitchFamily="49" charset="0"/>
                 <a:cs typeface="Courier New" pitchFamily="49" charset="0"/>
               </a:rPr>
-              <a:t>string.Empty</a:t>
+              <a:t>hashService.HashMatches</a:t>
             </a:r>
             <a:r>
               <a:rPr lang="en-US" sz="1400" dirty="0" smtClean="0">
                 <a:latin typeface="Courier New" pitchFamily="49" charset="0"/>
                 <a:cs typeface="Courier New" pitchFamily="49" charset="0"/>
               </a:rPr>
-              <a:t>;</a:t>
-            </a:r>
-          </a:p>
-          <a:p>
+              <a:t>(</a:t>
+            </a:r>
+            <a:r>
+              <a:rPr lang="en-US" sz="1400" dirty="0" err="1" smtClean="0">
+                <a:latin typeface="Courier New" pitchFamily="49" charset="0"/>
+                <a:cs typeface="Courier New" pitchFamily="49" charset="0"/>
+              </a:rPr>
+              <a:t>user.PasswordHash</a:t>
+            </a:r>
             <a:r>
               <a:rPr lang="en-US" sz="1400" dirty="0" smtClean="0">
                 <a:latin typeface="Courier New" pitchFamily="49" charset="0"/>
                 <a:cs typeface="Courier New" pitchFamily="49" charset="0"/>
               </a:rPr>
-              <a:t>            </a:t>
-            </a:r>
-            <a:r>
-              <a:rPr lang="en-US" sz="1400" dirty="0" err="1" smtClean="0">
-                <a:latin typeface="Courier New" pitchFamily="49" charset="0"/>
-                <a:cs typeface="Courier New" pitchFamily="49" charset="0"/>
-              </a:rPr>
-              <a:t>bool</a:t>
-            </a:r>
+              <a:t>, password);</a:t>
+            </a:r>
+          </a:p>
+          <a:p>
             <a:r>
               <a:rPr lang="en-US" sz="1400" dirty="0" smtClean="0">
                 <a:latin typeface="Courier New" pitchFamily="49" charset="0"/>
                 <a:cs typeface="Courier New" pitchFamily="49" charset="0"/>
               </a:rPr>
-              <a:t> </a:t>
-            </a:r>
-            <a:r>
-              <a:rPr lang="en-US" sz="1400" dirty="0" smtClean="0">
-                <a:solidFill>
-                  <a:srgbClr val="FF0000"/>
-                </a:solidFill>
+              <a:t>        }  </a:t>
+            </a:r>
+            <a:r>
+              <a:rPr lang="en-US" sz="1100" dirty="0" smtClean="0">
                 <a:latin typeface="Courier New" pitchFamily="49" charset="0"/>
                 <a:cs typeface="Courier New" pitchFamily="49" charset="0"/>
               </a:rPr>
-              <a:t>result </a:t>
-            </a:r>
-            <a:r>
-              <a:rPr lang="en-US" sz="1400" dirty="0" smtClean="0">
-                <a:latin typeface="Courier New" pitchFamily="49" charset="0"/>
-                <a:cs typeface="Courier New" pitchFamily="49" charset="0"/>
-              </a:rPr>
-              <a:t>= false;</a:t>
-            </a:r>
-          </a:p>
-          <a:p>
-            <a:r>
-              <a:rPr lang="en-US" sz="1400" dirty="0" smtClean="0">
-                <a:latin typeface="Courier New" pitchFamily="49" charset="0"/>
-                <a:cs typeface="Courier New" pitchFamily="49" charset="0"/>
-              </a:rPr>
-              <a:t>            User </a:t>
-            </a:r>
-            <a:r>
-              <a:rPr lang="en-US" sz="1400" dirty="0" err="1" smtClean="0">
-                <a:solidFill>
-                  <a:srgbClr val="FF0000"/>
-                </a:solidFill>
-                <a:latin typeface="Courier New" pitchFamily="49" charset="0"/>
-                <a:cs typeface="Courier New" pitchFamily="49" charset="0"/>
-              </a:rPr>
-              <a:t>user</a:t>
-            </a:r>
-            <a:r>
-              <a:rPr lang="en-US" sz="1400" dirty="0" smtClean="0">
-                <a:solidFill>
-                  <a:srgbClr val="FF0000"/>
-                </a:solidFill>
-                <a:latin typeface="Courier New" pitchFamily="49" charset="0"/>
-                <a:cs typeface="Courier New" pitchFamily="49" charset="0"/>
-              </a:rPr>
-              <a:t> </a:t>
-            </a:r>
-            <a:r>
-              <a:rPr lang="en-US" sz="1400" dirty="0" smtClean="0">
-                <a:latin typeface="Courier New" pitchFamily="49" charset="0"/>
-                <a:cs typeface="Courier New" pitchFamily="49" charset="0"/>
-              </a:rPr>
-              <a:t>= _</a:t>
-            </a:r>
-            <a:r>
-              <a:rPr lang="en-US" sz="1400" dirty="0" err="1" smtClean="0">
-                <a:latin typeface="Courier New" pitchFamily="49" charset="0"/>
-                <a:cs typeface="Courier New" pitchFamily="49" charset="0"/>
-              </a:rPr>
-              <a:t>repository.GetUser</a:t>
-            </a:r>
-            <a:r>
-              <a:rPr lang="en-US" sz="1400" dirty="0" smtClean="0">
-                <a:latin typeface="Courier New" pitchFamily="49" charset="0"/>
-                <a:cs typeface="Courier New" pitchFamily="49" charset="0"/>
-              </a:rPr>
-              <a:t>(</a:t>
-            </a:r>
-            <a:r>
-              <a:rPr lang="en-US" sz="1400" dirty="0" err="1" smtClean="0">
-                <a:solidFill>
-                  <a:srgbClr val="FF0000"/>
-                </a:solidFill>
-                <a:latin typeface="Courier New" pitchFamily="49" charset="0"/>
-                <a:cs typeface="Courier New" pitchFamily="49" charset="0"/>
-              </a:rPr>
-              <a:t>userName</a:t>
-            </a:r>
-            <a:r>
-              <a:rPr lang="en-US" sz="1400" dirty="0" smtClean="0">
-                <a:latin typeface="Courier New" pitchFamily="49" charset="0"/>
-                <a:cs typeface="Courier New" pitchFamily="49" charset="0"/>
-              </a:rPr>
-              <a:t>);</a:t>
+              <a:t>    </a:t>
             </a:r>
           </a:p>
           <a:p>
@@ -7534,275 +6550,6 @@
           </a:p>
           <a:p>
             <a:r>
-              <a:rPr lang="en-US" sz="1400" dirty="0" smtClean="0">
-                <a:latin typeface="Courier New" pitchFamily="49" charset="0"/>
-                <a:cs typeface="Courier New" pitchFamily="49" charset="0"/>
-              </a:rPr>
-              <a:t>            if(user != null &amp;&amp; </a:t>
-            </a:r>
-            <a:r>
-              <a:rPr lang="en-US" sz="1400" dirty="0" err="1" smtClean="0">
-                <a:latin typeface="Courier New" pitchFamily="49" charset="0"/>
-                <a:cs typeface="Courier New" pitchFamily="49" charset="0"/>
-              </a:rPr>
-              <a:t>HashMatches</a:t>
-            </a:r>
-            <a:r>
-              <a:rPr lang="en-US" sz="1400" dirty="0" smtClean="0">
-                <a:latin typeface="Courier New" pitchFamily="49" charset="0"/>
-                <a:cs typeface="Courier New" pitchFamily="49" charset="0"/>
-              </a:rPr>
-              <a:t>(</a:t>
-            </a:r>
-            <a:r>
-              <a:rPr lang="en-US" sz="1400" dirty="0" err="1" smtClean="0">
-                <a:solidFill>
-                  <a:srgbClr val="FF0000"/>
-                </a:solidFill>
-                <a:latin typeface="Courier New" pitchFamily="49" charset="0"/>
-                <a:cs typeface="Courier New" pitchFamily="49" charset="0"/>
-              </a:rPr>
-              <a:t>user.PasswordHash</a:t>
-            </a:r>
-            <a:r>
-              <a:rPr lang="en-US" sz="1400" dirty="0" smtClean="0">
-                <a:latin typeface="Courier New" pitchFamily="49" charset="0"/>
-                <a:cs typeface="Courier New" pitchFamily="49" charset="0"/>
-              </a:rPr>
-              <a:t>, </a:t>
-            </a:r>
-            <a:r>
-              <a:rPr lang="en-US" sz="1400" dirty="0" smtClean="0">
-                <a:solidFill>
-                  <a:srgbClr val="FF0000"/>
-                </a:solidFill>
-                <a:latin typeface="Courier New" pitchFamily="49" charset="0"/>
-                <a:cs typeface="Courier New" pitchFamily="49" charset="0"/>
-              </a:rPr>
-              <a:t>password</a:t>
-            </a:r>
-            <a:r>
-              <a:rPr lang="en-US" sz="1400" dirty="0" smtClean="0">
-                <a:latin typeface="Courier New" pitchFamily="49" charset="0"/>
-                <a:cs typeface="Courier New" pitchFamily="49" charset="0"/>
-              </a:rPr>
-              <a:t>))</a:t>
-            </a:r>
-          </a:p>
-          <a:p>
-            <a:r>
-              <a:rPr lang="en-US" sz="1400" dirty="0" smtClean="0">
-                <a:latin typeface="Courier New" pitchFamily="49" charset="0"/>
-                <a:cs typeface="Courier New" pitchFamily="49" charset="0"/>
-              </a:rPr>
-              <a:t>            {  </a:t>
-            </a:r>
-          </a:p>
-          <a:p>
-            <a:r>
-              <a:rPr lang="en-US" sz="1400" dirty="0" smtClean="0">
-                <a:latin typeface="Courier New" pitchFamily="49" charset="0"/>
-                <a:cs typeface="Courier New" pitchFamily="49" charset="0"/>
-              </a:rPr>
-              <a:t>                </a:t>
-            </a:r>
-            <a:r>
-              <a:rPr lang="en-US" sz="1400" dirty="0" smtClean="0">
-                <a:solidFill>
-                  <a:srgbClr val="FF0000"/>
-                </a:solidFill>
-                <a:latin typeface="Courier New" pitchFamily="49" charset="0"/>
-                <a:cs typeface="Courier New" pitchFamily="49" charset="0"/>
-              </a:rPr>
-              <a:t>result</a:t>
-            </a:r>
-            <a:r>
-              <a:rPr lang="en-US" sz="1400" dirty="0" smtClean="0">
-                <a:latin typeface="Courier New" pitchFamily="49" charset="0"/>
-                <a:cs typeface="Courier New" pitchFamily="49" charset="0"/>
-              </a:rPr>
-              <a:t> = true; </a:t>
-            </a:r>
-          </a:p>
-          <a:p>
-            <a:r>
-              <a:rPr lang="en-US" sz="1400" dirty="0" smtClean="0">
-                <a:latin typeface="Courier New" pitchFamily="49" charset="0"/>
-                <a:cs typeface="Courier New" pitchFamily="49" charset="0"/>
-              </a:rPr>
-              <a:t>            }</a:t>
-            </a:r>
-          </a:p>
-          <a:p>
-            <a:r>
-              <a:rPr lang="en-US" sz="1400" dirty="0" smtClean="0">
-                <a:latin typeface="Courier New" pitchFamily="49" charset="0"/>
-                <a:cs typeface="Courier New" pitchFamily="49" charset="0"/>
-              </a:rPr>
-              <a:t>            else{</a:t>
-            </a:r>
-          </a:p>
-          <a:p>
-            <a:r>
-              <a:rPr lang="en-US" sz="1400" dirty="0" smtClean="0">
-                <a:latin typeface="Courier New" pitchFamily="49" charset="0"/>
-                <a:cs typeface="Courier New" pitchFamily="49" charset="0"/>
-              </a:rPr>
-              <a:t>                </a:t>
-            </a:r>
-            <a:r>
-              <a:rPr lang="en-US" sz="1400" dirty="0" smtClean="0">
-                <a:solidFill>
-                  <a:srgbClr val="FF0000"/>
-                </a:solidFill>
-                <a:latin typeface="Courier New" pitchFamily="49" charset="0"/>
-                <a:cs typeface="Courier New" pitchFamily="49" charset="0"/>
-              </a:rPr>
-              <a:t>message</a:t>
-            </a:r>
-            <a:r>
-              <a:rPr lang="en-US" sz="1400" dirty="0" smtClean="0">
-                <a:latin typeface="Courier New" pitchFamily="49" charset="0"/>
-                <a:cs typeface="Courier New" pitchFamily="49" charset="0"/>
-              </a:rPr>
-              <a:t> = "Invalid user or password";</a:t>
-            </a:r>
-          </a:p>
-          <a:p>
-            <a:r>
-              <a:rPr lang="en-US" sz="1400" dirty="0" smtClean="0">
-                <a:latin typeface="Courier New" pitchFamily="49" charset="0"/>
-                <a:cs typeface="Courier New" pitchFamily="49" charset="0"/>
-              </a:rPr>
-              <a:t>                </a:t>
-            </a:r>
-            <a:r>
-              <a:rPr lang="en-US" sz="1400" dirty="0" smtClean="0">
-                <a:solidFill>
-                  <a:srgbClr val="FF0000"/>
-                </a:solidFill>
-                <a:latin typeface="Courier New" pitchFamily="49" charset="0"/>
-                <a:cs typeface="Courier New" pitchFamily="49" charset="0"/>
-              </a:rPr>
-              <a:t>result</a:t>
-            </a:r>
-            <a:r>
-              <a:rPr lang="en-US" sz="1400" dirty="0" smtClean="0">
-                <a:latin typeface="Courier New" pitchFamily="49" charset="0"/>
-                <a:cs typeface="Courier New" pitchFamily="49" charset="0"/>
-              </a:rPr>
-              <a:t> = false;    </a:t>
-            </a:r>
-          </a:p>
-          <a:p>
-            <a:r>
-              <a:rPr lang="en-US" sz="1400" dirty="0" smtClean="0">
-                <a:latin typeface="Courier New" pitchFamily="49" charset="0"/>
-                <a:cs typeface="Courier New" pitchFamily="49" charset="0"/>
-              </a:rPr>
-              <a:t>            }</a:t>
-            </a:r>
-          </a:p>
-          <a:p>
-            <a:endParaRPr lang="en-US" sz="1400" dirty="0" smtClean="0">
-              <a:latin typeface="Courier New" pitchFamily="49" charset="0"/>
-              <a:cs typeface="Courier New" pitchFamily="49" charset="0"/>
-            </a:endParaRPr>
-          </a:p>
-          <a:p>
-            <a:r>
-              <a:rPr lang="en-US" sz="1400" dirty="0" smtClean="0">
-                <a:latin typeface="Courier New" pitchFamily="49" charset="0"/>
-                <a:cs typeface="Courier New" pitchFamily="49" charset="0"/>
-              </a:rPr>
-              <a:t>            </a:t>
-            </a:r>
-            <a:r>
-              <a:rPr lang="en-US" sz="1400" dirty="0" err="1" smtClean="0">
-                <a:latin typeface="Courier New" pitchFamily="49" charset="0"/>
-                <a:cs typeface="Courier New" pitchFamily="49" charset="0"/>
-              </a:rPr>
-              <a:t>Display</a:t>
-            </a:r>
-            <a:r>
-              <a:rPr lang="en-US" sz="1400" dirty="0" err="1" smtClean="0">
-                <a:solidFill>
-                  <a:srgbClr val="FF0000"/>
-                </a:solidFill>
-                <a:latin typeface="Courier New" pitchFamily="49" charset="0"/>
-                <a:cs typeface="Courier New" pitchFamily="49" charset="0"/>
-              </a:rPr>
-              <a:t>Message</a:t>
-            </a:r>
-            <a:r>
-              <a:rPr lang="en-US" sz="1400" dirty="0" smtClean="0">
-                <a:latin typeface="Courier New" pitchFamily="49" charset="0"/>
-                <a:cs typeface="Courier New" pitchFamily="49" charset="0"/>
-              </a:rPr>
-              <a:t>(</a:t>
-            </a:r>
-            <a:r>
-              <a:rPr lang="en-US" sz="1400" dirty="0" smtClean="0">
-                <a:solidFill>
-                  <a:srgbClr val="FF0000"/>
-                </a:solidFill>
-                <a:latin typeface="Courier New" pitchFamily="49" charset="0"/>
-                <a:cs typeface="Courier New" pitchFamily="49" charset="0"/>
-              </a:rPr>
-              <a:t>message</a:t>
-            </a:r>
-            <a:r>
-              <a:rPr lang="en-US" sz="1400" dirty="0" smtClean="0">
-                <a:latin typeface="Courier New" pitchFamily="49" charset="0"/>
-                <a:cs typeface="Courier New" pitchFamily="49" charset="0"/>
-              </a:rPr>
-              <a:t>); </a:t>
-            </a:r>
-          </a:p>
-          <a:p>
-            <a:r>
-              <a:rPr lang="en-US" sz="1400" dirty="0" smtClean="0">
-                <a:latin typeface="Courier New" pitchFamily="49" charset="0"/>
-                <a:cs typeface="Courier New" pitchFamily="49" charset="0"/>
-              </a:rPr>
-              <a:t>                          </a:t>
-            </a:r>
-          </a:p>
-          <a:p>
-            <a:r>
-              <a:rPr lang="en-US" sz="1400" dirty="0" smtClean="0">
-                <a:latin typeface="Courier New" pitchFamily="49" charset="0"/>
-                <a:cs typeface="Courier New" pitchFamily="49" charset="0"/>
-              </a:rPr>
-              <a:t>            return </a:t>
-            </a:r>
-            <a:r>
-              <a:rPr lang="en-US" sz="1400" dirty="0" smtClean="0">
-                <a:solidFill>
-                  <a:srgbClr val="FF0000"/>
-                </a:solidFill>
-                <a:latin typeface="Courier New" pitchFamily="49" charset="0"/>
-                <a:cs typeface="Courier New" pitchFamily="49" charset="0"/>
-              </a:rPr>
-              <a:t>resul</a:t>
-            </a:r>
-            <a:r>
-              <a:rPr lang="en-US" sz="1400" dirty="0" smtClean="0">
-                <a:latin typeface="Courier New" pitchFamily="49" charset="0"/>
-                <a:cs typeface="Courier New" pitchFamily="49" charset="0"/>
-              </a:rPr>
-              <a:t>t;</a:t>
-            </a:r>
-          </a:p>
-          <a:p>
-            <a:r>
-              <a:rPr lang="en-US" sz="1400" dirty="0" smtClean="0">
-                <a:latin typeface="Courier New" pitchFamily="49" charset="0"/>
-                <a:cs typeface="Courier New" pitchFamily="49" charset="0"/>
-              </a:rPr>
-              <a:t>        }  </a:t>
-            </a:r>
-            <a:r>
               <a:rPr lang="en-US" sz="1100" dirty="0" smtClean="0">
                 <a:latin typeface="Courier New" pitchFamily="49" charset="0"/>
                 <a:cs typeface="Courier New" pitchFamily="49" charset="0"/>
@@ -7815,7 +6562,20 @@
               <a:buFont typeface="+mj-lt"/>
               <a:buAutoNum type="arabicPeriod"/>
             </a:pPr>
-            <a:endParaRPr lang="en-US" sz="2000" dirty="0" smtClean="0"/>
+            <a:r>
+              <a:rPr lang="en-US" sz="2000" dirty="0" smtClean="0"/>
+              <a:t>Null Object pattern implemented instead of checking for null</a:t>
+            </a:r>
+          </a:p>
+          <a:p>
+            <a:pPr marL="457200" indent="-457200">
+              <a:buFont typeface="+mj-lt"/>
+              <a:buAutoNum type="arabicPeriod"/>
+            </a:pPr>
+            <a:r>
+              <a:rPr lang="en-US" sz="2000" dirty="0" smtClean="0"/>
+              <a:t>Make the function shorter and more cohesive by removing any UI concerns</a:t>
+            </a:r>
           </a:p>
           <a:p>
             <a:pPr marL="457200" indent="-457200">
@@ -7941,7 +6701,7 @@
             <a:pPr eaLnBrk="1" hangingPunct="1"/>
             <a:r>
               <a:rPr lang="en-US" dirty="0" smtClean="0"/>
-              <a:t>Exercise Part 3 – Second Cycle</a:t>
+              <a:t>Comments</a:t>
             </a:r>
           </a:p>
         </p:txBody>
@@ -7958,8 +6718,8 @@
         </p:nvSpPr>
         <p:spPr>
           <a:xfrm>
-            <a:off x="228600" y="609600"/>
-            <a:ext cx="8686800" cy="6019800"/>
+            <a:off x="228600" y="1143000"/>
+            <a:ext cx="8686800" cy="4800600"/>
           </a:xfrm>
         </p:spPr>
         <p:txBody>
@@ -7969,7 +6729,46 @@
             <a:pPr marL="457200" indent="-457200">
               <a:buNone/>
             </a:pPr>
-            <a:endParaRPr lang="en-US" sz="2000" dirty="0" smtClean="0"/>
+            <a:r>
+              <a:rPr lang="en-US" sz="2000" dirty="0" smtClean="0"/>
+              <a:t>1.	Failure to express ourselves in code</a:t>
+            </a:r>
+          </a:p>
+          <a:p>
+            <a:pPr marL="457200" indent="-457200">
+              <a:buAutoNum type="arabicPeriod" startAt="2"/>
+            </a:pPr>
+            <a:r>
+              <a:rPr lang="en-US" sz="2000" dirty="0" smtClean="0"/>
+              <a:t>Comments Lie</a:t>
+            </a:r>
+          </a:p>
+          <a:p>
+            <a:pPr marL="457200" indent="-457200">
+              <a:buAutoNum type="arabicPeriod" startAt="2"/>
+            </a:pPr>
+            <a:r>
+              <a:rPr lang="en-US" sz="2000" dirty="0" smtClean="0"/>
+              <a:t>Comments are hard to maintain</a:t>
+            </a:r>
+          </a:p>
+          <a:p>
+            <a:pPr marL="457200" indent="-457200">
+              <a:buAutoNum type="arabicPeriod" startAt="2"/>
+            </a:pPr>
+            <a:r>
+              <a:rPr lang="en-US" sz="2000" dirty="0" smtClean="0"/>
+              <a:t>The real truth is in the code</a:t>
+            </a:r>
+          </a:p>
+          <a:p>
+            <a:pPr marL="457200" indent="-457200">
+              <a:buAutoNum type="arabicPeriod" startAt="2"/>
+            </a:pPr>
+            <a:r>
+              <a:rPr lang="en-US" sz="2000" dirty="0" smtClean="0"/>
+              <a:t>Don’t comment -  Clean your code instead</a:t>
+            </a:r>
           </a:p>
           <a:p>
             <a:pPr marL="457200" indent="-457200">
@@ -7978,229 +6777,144 @@
             <a:endParaRPr lang="en-US" sz="2000" dirty="0" smtClean="0"/>
           </a:p>
           <a:p>
-            <a:r>
-              <a:rPr lang="en-US" sz="1400" dirty="0" smtClean="0">
-                <a:latin typeface="Courier New" pitchFamily="49" charset="0"/>
-                <a:cs typeface="Courier New" pitchFamily="49" charset="0"/>
-              </a:rPr>
-              <a:t>        public </a:t>
-            </a:r>
-            <a:r>
-              <a:rPr lang="en-US" sz="1400" dirty="0" err="1" smtClean="0">
-                <a:latin typeface="Courier New" pitchFamily="49" charset="0"/>
-                <a:cs typeface="Courier New" pitchFamily="49" charset="0"/>
-              </a:rPr>
-              <a:t>bool</a:t>
-            </a:r>
-            <a:r>
-              <a:rPr lang="en-US" sz="1400" dirty="0" smtClean="0">
-                <a:latin typeface="Courier New" pitchFamily="49" charset="0"/>
-                <a:cs typeface="Courier New" pitchFamily="49" charset="0"/>
-              </a:rPr>
-              <a:t> </a:t>
-            </a:r>
-            <a:r>
-              <a:rPr lang="en-US" sz="1400" dirty="0" err="1" smtClean="0">
+            <a:pPr marL="457200" indent="-457200">
+              <a:buNone/>
+            </a:pPr>
+            <a:endParaRPr lang="en-US" sz="2000" b="1" dirty="0" smtClean="0">
+              <a:solidFill>
+                <a:srgbClr val="00B050"/>
+              </a:solidFill>
+              <a:latin typeface="Courier New" pitchFamily="49" charset="0"/>
+              <a:cs typeface="Courier New" pitchFamily="49" charset="0"/>
+            </a:endParaRPr>
+          </a:p>
+          <a:p>
+            <a:pPr marL="457200" indent="-457200">
+              <a:buNone/>
+            </a:pPr>
+            <a:r>
+              <a:rPr lang="en-US" sz="2000" b="1" dirty="0" smtClean="0">
                 <a:solidFill>
-                  <a:srgbClr val="FF0000"/>
+                  <a:srgbClr val="00B050"/>
                 </a:solidFill>
                 <a:latin typeface="Courier New" pitchFamily="49" charset="0"/>
                 <a:cs typeface="Courier New" pitchFamily="49" charset="0"/>
               </a:rPr>
-              <a:t>IsValidLogin</a:t>
-            </a:r>
-            <a:r>
-              <a:rPr lang="en-US" sz="1400" dirty="0" smtClean="0">
-                <a:latin typeface="Courier New" pitchFamily="49" charset="0"/>
-                <a:cs typeface="Courier New" pitchFamily="49" charset="0"/>
-              </a:rPr>
-              <a:t>(string </a:t>
-            </a:r>
-            <a:r>
-              <a:rPr lang="en-US" sz="1400" dirty="0" err="1" smtClean="0">
+              <a:t>//Check to see if order qualifies for a discount</a:t>
+            </a:r>
+          </a:p>
+          <a:p>
+            <a:pPr marL="457200" indent="-457200">
+              <a:buNone/>
+            </a:pPr>
+            <a:r>
+              <a:rPr lang="en-US" sz="2000" b="1" dirty="0" smtClean="0">
                 <a:solidFill>
-                  <a:srgbClr val="FF0000"/>
+                  <a:schemeClr val="tx2">
+                    <a:lumMod val="60000"/>
+                    <a:lumOff val="40000"/>
+                  </a:schemeClr>
                 </a:solidFill>
                 <a:latin typeface="Courier New" pitchFamily="49" charset="0"/>
                 <a:cs typeface="Courier New" pitchFamily="49" charset="0"/>
               </a:rPr>
-              <a:t>userName</a:t>
-            </a:r>
-            <a:r>
-              <a:rPr lang="en-US" sz="1400" dirty="0" smtClean="0">
+              <a:t>If</a:t>
+            </a:r>
+            <a:r>
+              <a:rPr lang="en-US" sz="2000" b="1" dirty="0" smtClean="0">
                 <a:latin typeface="Courier New" pitchFamily="49" charset="0"/>
                 <a:cs typeface="Courier New" pitchFamily="49" charset="0"/>
               </a:rPr>
-              <a:t>, string password)</a:t>
-            </a:r>
-          </a:p>
-          <a:p>
-            <a:r>
-              <a:rPr lang="en-US" sz="1400" dirty="0" smtClean="0">
+              <a:t>( </a:t>
+            </a:r>
+            <a:r>
+              <a:rPr lang="en-US" sz="2000" b="1" dirty="0" err="1" smtClean="0">
                 <a:latin typeface="Courier New" pitchFamily="49" charset="0"/>
                 <a:cs typeface="Courier New" pitchFamily="49" charset="0"/>
               </a:rPr>
-              <a:t>        {</a:t>
-            </a:r>
-          </a:p>
-          <a:p>
-            <a:r>
-              <a:rPr lang="en-US" sz="1400" dirty="0" smtClean="0">
+              <a:t>Order.Code</a:t>
+            </a:r>
+            <a:r>
+              <a:rPr lang="en-US" sz="2000" b="1" dirty="0" smtClean="0">
                 <a:latin typeface="Courier New" pitchFamily="49" charset="0"/>
                 <a:cs typeface="Courier New" pitchFamily="49" charset="0"/>
               </a:rPr>
-              <a:t>            User </a:t>
-            </a:r>
-            <a:r>
-              <a:rPr lang="en-US" sz="1400" dirty="0" err="1" smtClean="0">
+              <a:t> == DISCOUNT_ITEM &amp;&amp; </a:t>
+            </a:r>
+          </a:p>
+          <a:p>
+            <a:pPr marL="457200" indent="-457200">
+              <a:buNone/>
+            </a:pPr>
+            <a:r>
+              <a:rPr lang="en-US" sz="2000" b="1" dirty="0" smtClean="0">
+                <a:latin typeface="Courier New" pitchFamily="49" charset="0"/>
+                <a:cs typeface="Courier New" pitchFamily="49" charset="0"/>
+              </a:rPr>
+              <a:t>     </a:t>
+            </a:r>
+            <a:r>
+              <a:rPr lang="en-US" sz="2000" b="1" dirty="0" err="1" smtClean="0">
+                <a:latin typeface="Courier New" pitchFamily="49" charset="0"/>
+                <a:cs typeface="Courier New" pitchFamily="49" charset="0"/>
+              </a:rPr>
+              <a:t>Order.CustomerType</a:t>
+            </a:r>
+            <a:r>
+              <a:rPr lang="en-US" sz="2000" b="1" dirty="0" smtClean="0">
+                <a:latin typeface="Courier New" pitchFamily="49" charset="0"/>
+                <a:cs typeface="Courier New" pitchFamily="49" charset="0"/>
+              </a:rPr>
+              <a:t> == PREFERRED_CUSTOMER)</a:t>
+            </a:r>
+          </a:p>
+          <a:p>
+            <a:pPr marL="457200" indent="-457200">
+              <a:buNone/>
+            </a:pPr>
+            <a:endParaRPr lang="en-US" sz="2000" b="1" dirty="0" smtClean="0">
+              <a:latin typeface="Courier New" pitchFamily="49" charset="0"/>
+              <a:cs typeface="Courier New" pitchFamily="49" charset="0"/>
+            </a:endParaRPr>
+          </a:p>
+          <a:p>
+            <a:pPr marL="457200" indent="-457200">
+              <a:buNone/>
+            </a:pPr>
+            <a:r>
+              <a:rPr lang="en-US" sz="2000" b="1" dirty="0" smtClean="0">
                 <a:solidFill>
-                  <a:srgbClr val="FF0000"/>
+                  <a:schemeClr val="tx2">
+                    <a:lumMod val="60000"/>
+                    <a:lumOff val="40000"/>
+                  </a:schemeClr>
                 </a:solidFill>
                 <a:latin typeface="Courier New" pitchFamily="49" charset="0"/>
                 <a:cs typeface="Courier New" pitchFamily="49" charset="0"/>
               </a:rPr>
-              <a:t>user</a:t>
-            </a:r>
-            <a:r>
-              <a:rPr lang="en-US" sz="1400" dirty="0" smtClean="0">
-                <a:solidFill>
-                  <a:srgbClr val="FF0000"/>
-                </a:solidFill>
+              <a:t>If</a:t>
+            </a:r>
+            <a:r>
+              <a:rPr lang="en-US" sz="2000" b="1" dirty="0" smtClean="0">
                 <a:latin typeface="Courier New" pitchFamily="49" charset="0"/>
                 <a:cs typeface="Courier New" pitchFamily="49" charset="0"/>
               </a:rPr>
-              <a:t> </a:t>
-            </a:r>
-            <a:r>
-              <a:rPr lang="en-US" sz="1400" dirty="0" smtClean="0">
+              <a:t>(</a:t>
+            </a:r>
+            <a:r>
+              <a:rPr lang="en-US" sz="2000" b="1" dirty="0" err="1" smtClean="0">
                 <a:latin typeface="Courier New" pitchFamily="49" charset="0"/>
                 <a:cs typeface="Courier New" pitchFamily="49" charset="0"/>
               </a:rPr>
-              <a:t>= _</a:t>
-            </a:r>
-            <a:r>
-              <a:rPr lang="en-US" sz="1400" dirty="0" err="1" smtClean="0">
+              <a:t>Order.QualifiesForDiscount</a:t>
+            </a:r>
+            <a:r>
+              <a:rPr lang="en-US" sz="2000" b="1" dirty="0" smtClean="0">
                 <a:latin typeface="Courier New" pitchFamily="49" charset="0"/>
                 <a:cs typeface="Courier New" pitchFamily="49" charset="0"/>
               </a:rPr>
-              <a:t>userRepository.GetUser</a:t>
-            </a:r>
-            <a:r>
-              <a:rPr lang="en-US" sz="1400" dirty="0" smtClean="0">
-                <a:latin typeface="Courier New" pitchFamily="49" charset="0"/>
-                <a:cs typeface="Courier New" pitchFamily="49" charset="0"/>
-              </a:rPr>
-              <a:t>(</a:t>
-            </a:r>
-            <a:r>
-              <a:rPr lang="en-US" sz="1400" dirty="0" err="1" smtClean="0">
-                <a:latin typeface="Courier New" pitchFamily="49" charset="0"/>
-                <a:cs typeface="Courier New" pitchFamily="49" charset="0"/>
-              </a:rPr>
-              <a:t>userName</a:t>
-            </a:r>
-            <a:r>
-              <a:rPr lang="en-US" sz="1400" dirty="0" smtClean="0">
-                <a:latin typeface="Courier New" pitchFamily="49" charset="0"/>
-                <a:cs typeface="Courier New" pitchFamily="49" charset="0"/>
-              </a:rPr>
-              <a:t>);</a:t>
-            </a:r>
-          </a:p>
-          <a:p>
-            <a:r>
-              <a:rPr lang="en-US" sz="1400" dirty="0" smtClean="0">
-                <a:latin typeface="Courier New" pitchFamily="49" charset="0"/>
-                <a:cs typeface="Courier New" pitchFamily="49" charset="0"/>
-              </a:rPr>
-              <a:t>            return _</a:t>
-            </a:r>
-            <a:r>
-              <a:rPr lang="en-US" sz="1400" dirty="0" err="1" smtClean="0">
-                <a:latin typeface="Courier New" pitchFamily="49" charset="0"/>
-                <a:cs typeface="Courier New" pitchFamily="49" charset="0"/>
-              </a:rPr>
-              <a:t>hashService.HashMatches</a:t>
-            </a:r>
-            <a:r>
-              <a:rPr lang="en-US" sz="1400" dirty="0" smtClean="0">
-                <a:latin typeface="Courier New" pitchFamily="49" charset="0"/>
-                <a:cs typeface="Courier New" pitchFamily="49" charset="0"/>
-              </a:rPr>
-              <a:t>(</a:t>
-            </a:r>
-            <a:r>
-              <a:rPr lang="en-US" sz="1400" dirty="0" err="1" smtClean="0">
-                <a:latin typeface="Courier New" pitchFamily="49" charset="0"/>
-                <a:cs typeface="Courier New" pitchFamily="49" charset="0"/>
-              </a:rPr>
-              <a:t>user.PasswordHash</a:t>
-            </a:r>
-            <a:r>
-              <a:rPr lang="en-US" sz="1400" dirty="0" smtClean="0">
-                <a:latin typeface="Courier New" pitchFamily="49" charset="0"/>
-                <a:cs typeface="Courier New" pitchFamily="49" charset="0"/>
-              </a:rPr>
-              <a:t>, password);</a:t>
-            </a:r>
-          </a:p>
-          <a:p>
-            <a:r>
-              <a:rPr lang="en-US" sz="1400" dirty="0" smtClean="0">
-                <a:latin typeface="Courier New" pitchFamily="49" charset="0"/>
-                <a:cs typeface="Courier New" pitchFamily="49" charset="0"/>
-              </a:rPr>
-              <a:t>        }  </a:t>
-            </a:r>
-            <a:r>
-              <a:rPr lang="en-US" sz="1100" dirty="0" smtClean="0">
-                <a:latin typeface="Courier New" pitchFamily="49" charset="0"/>
-                <a:cs typeface="Courier New" pitchFamily="49" charset="0"/>
-              </a:rPr>
-              <a:t>    </a:t>
-            </a:r>
-          </a:p>
-          <a:p>
-            <a:endParaRPr lang="en-US" sz="1400" dirty="0" smtClean="0">
-              <a:latin typeface="Courier New" pitchFamily="49" charset="0"/>
-              <a:cs typeface="Courier New" pitchFamily="49" charset="0"/>
-            </a:endParaRPr>
-          </a:p>
-          <a:p>
-            <a:r>
-              <a:rPr lang="en-US" sz="1100" dirty="0" smtClean="0">
-                <a:latin typeface="Courier New" pitchFamily="49" charset="0"/>
-                <a:cs typeface="Courier New" pitchFamily="49" charset="0"/>
-              </a:rPr>
-              <a:t>    </a:t>
-            </a:r>
-          </a:p>
-          <a:p>
-            <a:pPr marL="457200" indent="-457200">
-              <a:buFont typeface="+mj-lt"/>
-              <a:buAutoNum type="arabicPeriod"/>
-            </a:pPr>
-            <a:r>
-              <a:rPr lang="en-US" sz="2000" dirty="0" smtClean="0"/>
-              <a:t>Null Object pattern implemented instead of checking for null</a:t>
-            </a:r>
-          </a:p>
-          <a:p>
-            <a:pPr marL="457200" indent="-457200">
-              <a:buFont typeface="+mj-lt"/>
-              <a:buAutoNum type="arabicPeriod"/>
-            </a:pPr>
-            <a:r>
-              <a:rPr lang="en-US" sz="2000" dirty="0" smtClean="0"/>
-              <a:t>Make the function shorter and more cohesive by removing any UI concerns</a:t>
-            </a:r>
-          </a:p>
-          <a:p>
-            <a:pPr marL="457200" indent="-457200">
-              <a:buFont typeface="+mj-lt"/>
-              <a:buAutoNum type="arabicPeriod"/>
-            </a:pPr>
-            <a:endParaRPr lang="en-US" sz="2000" dirty="0" smtClean="0"/>
+              <a:t>())</a:t>
+            </a:r>
           </a:p>
           <a:p>
             <a:pPr marL="457200" indent="-457200">
@@ -8266,7 +6980,885 @@
   <p:timing>
     <p:tnLst>
       <p:par>
-        <p:cTn id="1" dur="indefinite" restart="never" nodeType="tmRoot"/>
+        <p:cTn id="1" dur="indefinite" restart="never" nodeType="tmRoot">
+          <p:childTnLst>
+            <p:seq concurrent="1" nextAc="seek">
+              <p:cTn id="2" dur="indefinite" nodeType="mainSeq">
+                <p:childTnLst>
+                  <p:par>
+                    <p:cTn id="3" fill="hold">
+                      <p:stCondLst>
+                        <p:cond delay="indefinite"/>
+                      </p:stCondLst>
+                      <p:childTnLst>
+                        <p:par>
+                          <p:cTn id="4" fill="hold">
+                            <p:stCondLst>
+                              <p:cond delay="0"/>
+                            </p:stCondLst>
+                            <p:childTnLst>
+                              <p:par>
+                                <p:cTn id="5" presetID="2" presetClass="entr" presetSubtype="4" fill="hold" nodeType="clickEffect">
+                                  <p:stCondLst>
+                                    <p:cond delay="0"/>
+                                  </p:stCondLst>
+                                  <p:childTnLst>
+                                    <p:set>
+                                      <p:cBhvr>
+                                        <p:cTn id="6" dur="1" fill="hold">
+                                          <p:stCondLst>
+                                            <p:cond delay="0"/>
+                                          </p:stCondLst>
+                                        </p:cTn>
+                                        <p:tgtEl>
+                                          <p:spTgt spid="3075">
+                                            <p:txEl>
+                                              <p:pRg st="0" end="0"/>
+                                            </p:txEl>
+                                          </p:spTgt>
+                                        </p:tgtEl>
+                                        <p:attrNameLst>
+                                          <p:attrName>style.visibility</p:attrName>
+                                        </p:attrNameLst>
+                                      </p:cBhvr>
+                                      <p:to>
+                                        <p:strVal val="visible"/>
+                                      </p:to>
+                                    </p:set>
+                                    <p:anim calcmode="lin" valueType="num">
+                                      <p:cBhvr additive="base">
+                                        <p:cTn id="7" dur="500" fill="hold"/>
+                                        <p:tgtEl>
+                                          <p:spTgt spid="3075">
+                                            <p:txEl>
+                                              <p:pRg st="0" end="0"/>
+                                            </p:txEl>
+                                          </p:spTgt>
+                                        </p:tgtEl>
+                                        <p:attrNameLst>
+                                          <p:attrName>ppt_x</p:attrName>
+                                        </p:attrNameLst>
+                                      </p:cBhvr>
+                                      <p:tavLst>
+                                        <p:tav tm="0">
+                                          <p:val>
+                                            <p:strVal val="#ppt_x"/>
+                                          </p:val>
+                                        </p:tav>
+                                        <p:tav tm="100000">
+                                          <p:val>
+                                            <p:strVal val="#ppt_x"/>
+                                          </p:val>
+                                        </p:tav>
+                                      </p:tavLst>
+                                    </p:anim>
+                                    <p:anim calcmode="lin" valueType="num">
+                                      <p:cBhvr additive="base">
+                                        <p:cTn id="8" dur="500" fill="hold"/>
+                                        <p:tgtEl>
+                                          <p:spTgt spid="3075">
+                                            <p:txEl>
+                                              <p:pRg st="0" end="0"/>
+                                            </p:txEl>
+                                          </p:spTgt>
+                                        </p:tgtEl>
+                                        <p:attrNameLst>
+                                          <p:attrName>ppt_y</p:attrName>
+                                        </p:attrNameLst>
+                                      </p:cBhvr>
+                                      <p:tavLst>
+                                        <p:tav tm="0">
+                                          <p:val>
+                                            <p:strVal val="1+#ppt_h/2"/>
+                                          </p:val>
+                                        </p:tav>
+                                        <p:tav tm="100000">
+                                          <p:val>
+                                            <p:strVal val="#ppt_y"/>
+                                          </p:val>
+                                        </p:tav>
+                                      </p:tavLst>
+                                    </p:anim>
+                                  </p:childTnLst>
+                                </p:cTn>
+                              </p:par>
+                            </p:childTnLst>
+                          </p:cTn>
+                        </p:par>
+                      </p:childTnLst>
+                    </p:cTn>
+                  </p:par>
+                  <p:par>
+                    <p:cTn id="9" fill="hold">
+                      <p:stCondLst>
+                        <p:cond delay="indefinite"/>
+                      </p:stCondLst>
+                      <p:childTnLst>
+                        <p:par>
+                          <p:cTn id="10" fill="hold">
+                            <p:stCondLst>
+                              <p:cond delay="0"/>
+                            </p:stCondLst>
+                            <p:childTnLst>
+                              <p:par>
+                                <p:cTn id="11" presetID="2" presetClass="entr" presetSubtype="4" fill="hold" nodeType="clickEffect">
+                                  <p:stCondLst>
+                                    <p:cond delay="0"/>
+                                  </p:stCondLst>
+                                  <p:childTnLst>
+                                    <p:set>
+                                      <p:cBhvr>
+                                        <p:cTn id="12" dur="1" fill="hold">
+                                          <p:stCondLst>
+                                            <p:cond delay="0"/>
+                                          </p:stCondLst>
+                                        </p:cTn>
+                                        <p:tgtEl>
+                                          <p:spTgt spid="3075">
+                                            <p:txEl>
+                                              <p:pRg st="1" end="1"/>
+                                            </p:txEl>
+                                          </p:spTgt>
+                                        </p:tgtEl>
+                                        <p:attrNameLst>
+                                          <p:attrName>style.visibility</p:attrName>
+                                        </p:attrNameLst>
+                                      </p:cBhvr>
+                                      <p:to>
+                                        <p:strVal val="visible"/>
+                                      </p:to>
+                                    </p:set>
+                                    <p:anim calcmode="lin" valueType="num">
+                                      <p:cBhvr additive="base">
+                                        <p:cTn id="13" dur="500" fill="hold"/>
+                                        <p:tgtEl>
+                                          <p:spTgt spid="3075">
+                                            <p:txEl>
+                                              <p:pRg st="1" end="1"/>
+                                            </p:txEl>
+                                          </p:spTgt>
+                                        </p:tgtEl>
+                                        <p:attrNameLst>
+                                          <p:attrName>ppt_x</p:attrName>
+                                        </p:attrNameLst>
+                                      </p:cBhvr>
+                                      <p:tavLst>
+                                        <p:tav tm="0">
+                                          <p:val>
+                                            <p:strVal val="#ppt_x"/>
+                                          </p:val>
+                                        </p:tav>
+                                        <p:tav tm="100000">
+                                          <p:val>
+                                            <p:strVal val="#ppt_x"/>
+                                          </p:val>
+                                        </p:tav>
+                                      </p:tavLst>
+                                    </p:anim>
+                                    <p:anim calcmode="lin" valueType="num">
+                                      <p:cBhvr additive="base">
+                                        <p:cTn id="14" dur="500" fill="hold"/>
+                                        <p:tgtEl>
+                                          <p:spTgt spid="3075">
+                                            <p:txEl>
+                                              <p:pRg st="1" end="1"/>
+                                            </p:txEl>
+                                          </p:spTgt>
+                                        </p:tgtEl>
+                                        <p:attrNameLst>
+                                          <p:attrName>ppt_y</p:attrName>
+                                        </p:attrNameLst>
+                                      </p:cBhvr>
+                                      <p:tavLst>
+                                        <p:tav tm="0">
+                                          <p:val>
+                                            <p:strVal val="1+#ppt_h/2"/>
+                                          </p:val>
+                                        </p:tav>
+                                        <p:tav tm="100000">
+                                          <p:val>
+                                            <p:strVal val="#ppt_y"/>
+                                          </p:val>
+                                        </p:tav>
+                                      </p:tavLst>
+                                    </p:anim>
+                                  </p:childTnLst>
+                                </p:cTn>
+                              </p:par>
+                            </p:childTnLst>
+                          </p:cTn>
+                        </p:par>
+                      </p:childTnLst>
+                    </p:cTn>
+                  </p:par>
+                  <p:par>
+                    <p:cTn id="15" fill="hold">
+                      <p:stCondLst>
+                        <p:cond delay="indefinite"/>
+                      </p:stCondLst>
+                      <p:childTnLst>
+                        <p:par>
+                          <p:cTn id="16" fill="hold">
+                            <p:stCondLst>
+                              <p:cond delay="0"/>
+                            </p:stCondLst>
+                            <p:childTnLst>
+                              <p:par>
+                                <p:cTn id="17" presetID="2" presetClass="entr" presetSubtype="4" fill="hold" nodeType="clickEffect">
+                                  <p:stCondLst>
+                                    <p:cond delay="0"/>
+                                  </p:stCondLst>
+                                  <p:childTnLst>
+                                    <p:set>
+                                      <p:cBhvr>
+                                        <p:cTn id="18" dur="1" fill="hold">
+                                          <p:stCondLst>
+                                            <p:cond delay="0"/>
+                                          </p:stCondLst>
+                                        </p:cTn>
+                                        <p:tgtEl>
+                                          <p:spTgt spid="3075">
+                                            <p:txEl>
+                                              <p:pRg st="2" end="2"/>
+                                            </p:txEl>
+                                          </p:spTgt>
+                                        </p:tgtEl>
+                                        <p:attrNameLst>
+                                          <p:attrName>style.visibility</p:attrName>
+                                        </p:attrNameLst>
+                                      </p:cBhvr>
+                                      <p:to>
+                                        <p:strVal val="visible"/>
+                                      </p:to>
+                                    </p:set>
+                                    <p:anim calcmode="lin" valueType="num">
+                                      <p:cBhvr additive="base">
+                                        <p:cTn id="19" dur="500" fill="hold"/>
+                                        <p:tgtEl>
+                                          <p:spTgt spid="3075">
+                                            <p:txEl>
+                                              <p:pRg st="2" end="2"/>
+                                            </p:txEl>
+                                          </p:spTgt>
+                                        </p:tgtEl>
+                                        <p:attrNameLst>
+                                          <p:attrName>ppt_x</p:attrName>
+                                        </p:attrNameLst>
+                                      </p:cBhvr>
+                                      <p:tavLst>
+                                        <p:tav tm="0">
+                                          <p:val>
+                                            <p:strVal val="#ppt_x"/>
+                                          </p:val>
+                                        </p:tav>
+                                        <p:tav tm="100000">
+                                          <p:val>
+                                            <p:strVal val="#ppt_x"/>
+                                          </p:val>
+                                        </p:tav>
+                                      </p:tavLst>
+                                    </p:anim>
+                                    <p:anim calcmode="lin" valueType="num">
+                                      <p:cBhvr additive="base">
+                                        <p:cTn id="20" dur="500" fill="hold"/>
+                                        <p:tgtEl>
+                                          <p:spTgt spid="3075">
+                                            <p:txEl>
+                                              <p:pRg st="2" end="2"/>
+                                            </p:txEl>
+                                          </p:spTgt>
+                                        </p:tgtEl>
+                                        <p:attrNameLst>
+                                          <p:attrName>ppt_y</p:attrName>
+                                        </p:attrNameLst>
+                                      </p:cBhvr>
+                                      <p:tavLst>
+                                        <p:tav tm="0">
+                                          <p:val>
+                                            <p:strVal val="1+#ppt_h/2"/>
+                                          </p:val>
+                                        </p:tav>
+                                        <p:tav tm="100000">
+                                          <p:val>
+                                            <p:strVal val="#ppt_y"/>
+                                          </p:val>
+                                        </p:tav>
+                                      </p:tavLst>
+                                    </p:anim>
+                                  </p:childTnLst>
+                                </p:cTn>
+                              </p:par>
+                            </p:childTnLst>
+                          </p:cTn>
+                        </p:par>
+                      </p:childTnLst>
+                    </p:cTn>
+                  </p:par>
+                  <p:par>
+                    <p:cTn id="21" fill="hold">
+                      <p:stCondLst>
+                        <p:cond delay="indefinite"/>
+                      </p:stCondLst>
+                      <p:childTnLst>
+                        <p:par>
+                          <p:cTn id="22" fill="hold">
+                            <p:stCondLst>
+                              <p:cond delay="0"/>
+                            </p:stCondLst>
+                            <p:childTnLst>
+                              <p:par>
+                                <p:cTn id="23" presetID="2" presetClass="entr" presetSubtype="4" fill="hold" nodeType="clickEffect">
+                                  <p:stCondLst>
+                                    <p:cond delay="0"/>
+                                  </p:stCondLst>
+                                  <p:childTnLst>
+                                    <p:set>
+                                      <p:cBhvr>
+                                        <p:cTn id="24" dur="1" fill="hold">
+                                          <p:stCondLst>
+                                            <p:cond delay="0"/>
+                                          </p:stCondLst>
+                                        </p:cTn>
+                                        <p:tgtEl>
+                                          <p:spTgt spid="3075">
+                                            <p:txEl>
+                                              <p:pRg st="3" end="3"/>
+                                            </p:txEl>
+                                          </p:spTgt>
+                                        </p:tgtEl>
+                                        <p:attrNameLst>
+                                          <p:attrName>style.visibility</p:attrName>
+                                        </p:attrNameLst>
+                                      </p:cBhvr>
+                                      <p:to>
+                                        <p:strVal val="visible"/>
+                                      </p:to>
+                                    </p:set>
+                                    <p:anim calcmode="lin" valueType="num">
+                                      <p:cBhvr additive="base">
+                                        <p:cTn id="25" dur="500" fill="hold"/>
+                                        <p:tgtEl>
+                                          <p:spTgt spid="3075">
+                                            <p:txEl>
+                                              <p:pRg st="3" end="3"/>
+                                            </p:txEl>
+                                          </p:spTgt>
+                                        </p:tgtEl>
+                                        <p:attrNameLst>
+                                          <p:attrName>ppt_x</p:attrName>
+                                        </p:attrNameLst>
+                                      </p:cBhvr>
+                                      <p:tavLst>
+                                        <p:tav tm="0">
+                                          <p:val>
+                                            <p:strVal val="#ppt_x"/>
+                                          </p:val>
+                                        </p:tav>
+                                        <p:tav tm="100000">
+                                          <p:val>
+                                            <p:strVal val="#ppt_x"/>
+                                          </p:val>
+                                        </p:tav>
+                                      </p:tavLst>
+                                    </p:anim>
+                                    <p:anim calcmode="lin" valueType="num">
+                                      <p:cBhvr additive="base">
+                                        <p:cTn id="26" dur="500" fill="hold"/>
+                                        <p:tgtEl>
+                                          <p:spTgt spid="3075">
+                                            <p:txEl>
+                                              <p:pRg st="3" end="3"/>
+                                            </p:txEl>
+                                          </p:spTgt>
+                                        </p:tgtEl>
+                                        <p:attrNameLst>
+                                          <p:attrName>ppt_y</p:attrName>
+                                        </p:attrNameLst>
+                                      </p:cBhvr>
+                                      <p:tavLst>
+                                        <p:tav tm="0">
+                                          <p:val>
+                                            <p:strVal val="1+#ppt_h/2"/>
+                                          </p:val>
+                                        </p:tav>
+                                        <p:tav tm="100000">
+                                          <p:val>
+                                            <p:strVal val="#ppt_y"/>
+                                          </p:val>
+                                        </p:tav>
+                                      </p:tavLst>
+                                    </p:anim>
+                                  </p:childTnLst>
+                                </p:cTn>
+                              </p:par>
+                            </p:childTnLst>
+                          </p:cTn>
+                        </p:par>
+                      </p:childTnLst>
+                    </p:cTn>
+                  </p:par>
+                  <p:par>
+                    <p:cTn id="27" fill="hold">
+                      <p:stCondLst>
+                        <p:cond delay="indefinite"/>
+                      </p:stCondLst>
+                      <p:childTnLst>
+                        <p:par>
+                          <p:cTn id="28" fill="hold">
+                            <p:stCondLst>
+                              <p:cond delay="0"/>
+                            </p:stCondLst>
+                            <p:childTnLst>
+                              <p:par>
+                                <p:cTn id="29" presetID="2" presetClass="entr" presetSubtype="4" fill="hold" nodeType="clickEffect">
+                                  <p:stCondLst>
+                                    <p:cond delay="0"/>
+                                  </p:stCondLst>
+                                  <p:childTnLst>
+                                    <p:set>
+                                      <p:cBhvr>
+                                        <p:cTn id="30" dur="1" fill="hold">
+                                          <p:stCondLst>
+                                            <p:cond delay="0"/>
+                                          </p:stCondLst>
+                                        </p:cTn>
+                                        <p:tgtEl>
+                                          <p:spTgt spid="3075">
+                                            <p:txEl>
+                                              <p:pRg st="4" end="4"/>
+                                            </p:txEl>
+                                          </p:spTgt>
+                                        </p:tgtEl>
+                                        <p:attrNameLst>
+                                          <p:attrName>style.visibility</p:attrName>
+                                        </p:attrNameLst>
+                                      </p:cBhvr>
+                                      <p:to>
+                                        <p:strVal val="visible"/>
+                                      </p:to>
+                                    </p:set>
+                                    <p:anim calcmode="lin" valueType="num">
+                                      <p:cBhvr additive="base">
+                                        <p:cTn id="31" dur="500" fill="hold"/>
+                                        <p:tgtEl>
+                                          <p:spTgt spid="3075">
+                                            <p:txEl>
+                                              <p:pRg st="4" end="4"/>
+                                            </p:txEl>
+                                          </p:spTgt>
+                                        </p:tgtEl>
+                                        <p:attrNameLst>
+                                          <p:attrName>ppt_x</p:attrName>
+                                        </p:attrNameLst>
+                                      </p:cBhvr>
+                                      <p:tavLst>
+                                        <p:tav tm="0">
+                                          <p:val>
+                                            <p:strVal val="#ppt_x"/>
+                                          </p:val>
+                                        </p:tav>
+                                        <p:tav tm="100000">
+                                          <p:val>
+                                            <p:strVal val="#ppt_x"/>
+                                          </p:val>
+                                        </p:tav>
+                                      </p:tavLst>
+                                    </p:anim>
+                                    <p:anim calcmode="lin" valueType="num">
+                                      <p:cBhvr additive="base">
+                                        <p:cTn id="32" dur="500" fill="hold"/>
+                                        <p:tgtEl>
+                                          <p:spTgt spid="3075">
+                                            <p:txEl>
+                                              <p:pRg st="4" end="4"/>
+                                            </p:txEl>
+                                          </p:spTgt>
+                                        </p:tgtEl>
+                                        <p:attrNameLst>
+                                          <p:attrName>ppt_y</p:attrName>
+                                        </p:attrNameLst>
+                                      </p:cBhvr>
+                                      <p:tavLst>
+                                        <p:tav tm="0">
+                                          <p:val>
+                                            <p:strVal val="1+#ppt_h/2"/>
+                                          </p:val>
+                                        </p:tav>
+                                        <p:tav tm="100000">
+                                          <p:val>
+                                            <p:strVal val="#ppt_y"/>
+                                          </p:val>
+                                        </p:tav>
+                                      </p:tavLst>
+                                    </p:anim>
+                                  </p:childTnLst>
+                                </p:cTn>
+                              </p:par>
+                              <p:par>
+                                <p:cTn id="33" presetID="2" presetClass="entr" presetSubtype="4" fill="hold" nodeType="withEffect">
+                                  <p:stCondLst>
+                                    <p:cond delay="0"/>
+                                  </p:stCondLst>
+                                  <p:childTnLst>
+                                    <p:set>
+                                      <p:cBhvr>
+                                        <p:cTn id="34" dur="1" fill="hold">
+                                          <p:stCondLst>
+                                            <p:cond delay="0"/>
+                                          </p:stCondLst>
+                                        </p:cTn>
+                                        <p:tgtEl>
+                                          <p:spTgt spid="3075">
+                                            <p:txEl>
+                                              <p:pRg st="7" end="7"/>
+                                            </p:txEl>
+                                          </p:spTgt>
+                                        </p:tgtEl>
+                                        <p:attrNameLst>
+                                          <p:attrName>style.visibility</p:attrName>
+                                        </p:attrNameLst>
+                                      </p:cBhvr>
+                                      <p:to>
+                                        <p:strVal val="visible"/>
+                                      </p:to>
+                                    </p:set>
+                                    <p:anim calcmode="lin" valueType="num">
+                                      <p:cBhvr additive="base">
+                                        <p:cTn id="35" dur="500" fill="hold"/>
+                                        <p:tgtEl>
+                                          <p:spTgt spid="3075">
+                                            <p:txEl>
+                                              <p:pRg st="7" end="7"/>
+                                            </p:txEl>
+                                          </p:spTgt>
+                                        </p:tgtEl>
+                                        <p:attrNameLst>
+                                          <p:attrName>ppt_x</p:attrName>
+                                        </p:attrNameLst>
+                                      </p:cBhvr>
+                                      <p:tavLst>
+                                        <p:tav tm="0">
+                                          <p:val>
+                                            <p:strVal val="#ppt_x"/>
+                                          </p:val>
+                                        </p:tav>
+                                        <p:tav tm="100000">
+                                          <p:val>
+                                            <p:strVal val="#ppt_x"/>
+                                          </p:val>
+                                        </p:tav>
+                                      </p:tavLst>
+                                    </p:anim>
+                                    <p:anim calcmode="lin" valueType="num">
+                                      <p:cBhvr additive="base">
+                                        <p:cTn id="36" dur="500" fill="hold"/>
+                                        <p:tgtEl>
+                                          <p:spTgt spid="3075">
+                                            <p:txEl>
+                                              <p:pRg st="7" end="7"/>
+                                            </p:txEl>
+                                          </p:spTgt>
+                                        </p:tgtEl>
+                                        <p:attrNameLst>
+                                          <p:attrName>ppt_y</p:attrName>
+                                        </p:attrNameLst>
+                                      </p:cBhvr>
+                                      <p:tavLst>
+                                        <p:tav tm="0">
+                                          <p:val>
+                                            <p:strVal val="1+#ppt_h/2"/>
+                                          </p:val>
+                                        </p:tav>
+                                        <p:tav tm="100000">
+                                          <p:val>
+                                            <p:strVal val="#ppt_y"/>
+                                          </p:val>
+                                        </p:tav>
+                                      </p:tavLst>
+                                    </p:anim>
+                                  </p:childTnLst>
+                                </p:cTn>
+                              </p:par>
+                              <p:par>
+                                <p:cTn id="37" presetID="2" presetClass="entr" presetSubtype="4" fill="hold" nodeType="withEffect">
+                                  <p:stCondLst>
+                                    <p:cond delay="0"/>
+                                  </p:stCondLst>
+                                  <p:childTnLst>
+                                    <p:set>
+                                      <p:cBhvr>
+                                        <p:cTn id="38" dur="1" fill="hold">
+                                          <p:stCondLst>
+                                            <p:cond delay="0"/>
+                                          </p:stCondLst>
+                                        </p:cTn>
+                                        <p:tgtEl>
+                                          <p:spTgt spid="3075">
+                                            <p:txEl>
+                                              <p:pRg st="8" end="8"/>
+                                            </p:txEl>
+                                          </p:spTgt>
+                                        </p:tgtEl>
+                                        <p:attrNameLst>
+                                          <p:attrName>style.visibility</p:attrName>
+                                        </p:attrNameLst>
+                                      </p:cBhvr>
+                                      <p:to>
+                                        <p:strVal val="visible"/>
+                                      </p:to>
+                                    </p:set>
+                                    <p:anim calcmode="lin" valueType="num">
+                                      <p:cBhvr additive="base">
+                                        <p:cTn id="39" dur="500" fill="hold"/>
+                                        <p:tgtEl>
+                                          <p:spTgt spid="3075">
+                                            <p:txEl>
+                                              <p:pRg st="8" end="8"/>
+                                            </p:txEl>
+                                          </p:spTgt>
+                                        </p:tgtEl>
+                                        <p:attrNameLst>
+                                          <p:attrName>ppt_x</p:attrName>
+                                        </p:attrNameLst>
+                                      </p:cBhvr>
+                                      <p:tavLst>
+                                        <p:tav tm="0">
+                                          <p:val>
+                                            <p:strVal val="#ppt_x"/>
+                                          </p:val>
+                                        </p:tav>
+                                        <p:tav tm="100000">
+                                          <p:val>
+                                            <p:strVal val="#ppt_x"/>
+                                          </p:val>
+                                        </p:tav>
+                                      </p:tavLst>
+                                    </p:anim>
+                                    <p:anim calcmode="lin" valueType="num">
+                                      <p:cBhvr additive="base">
+                                        <p:cTn id="40" dur="500" fill="hold"/>
+                                        <p:tgtEl>
+                                          <p:spTgt spid="3075">
+                                            <p:txEl>
+                                              <p:pRg st="8" end="8"/>
+                                            </p:txEl>
+                                          </p:spTgt>
+                                        </p:tgtEl>
+                                        <p:attrNameLst>
+                                          <p:attrName>ppt_y</p:attrName>
+                                        </p:attrNameLst>
+                                      </p:cBhvr>
+                                      <p:tavLst>
+                                        <p:tav tm="0">
+                                          <p:val>
+                                            <p:strVal val="1+#ppt_h/2"/>
+                                          </p:val>
+                                        </p:tav>
+                                        <p:tav tm="100000">
+                                          <p:val>
+                                            <p:strVal val="#ppt_y"/>
+                                          </p:val>
+                                        </p:tav>
+                                      </p:tavLst>
+                                    </p:anim>
+                                  </p:childTnLst>
+                                </p:cTn>
+                              </p:par>
+                              <p:par>
+                                <p:cTn id="41" presetID="2" presetClass="entr" presetSubtype="4" fill="hold" nodeType="withEffect">
+                                  <p:stCondLst>
+                                    <p:cond delay="0"/>
+                                  </p:stCondLst>
+                                  <p:childTnLst>
+                                    <p:set>
+                                      <p:cBhvr>
+                                        <p:cTn id="42" dur="1" fill="hold">
+                                          <p:stCondLst>
+                                            <p:cond delay="0"/>
+                                          </p:stCondLst>
+                                        </p:cTn>
+                                        <p:tgtEl>
+                                          <p:spTgt spid="3075">
+                                            <p:txEl>
+                                              <p:pRg st="9" end="9"/>
+                                            </p:txEl>
+                                          </p:spTgt>
+                                        </p:tgtEl>
+                                        <p:attrNameLst>
+                                          <p:attrName>style.visibility</p:attrName>
+                                        </p:attrNameLst>
+                                      </p:cBhvr>
+                                      <p:to>
+                                        <p:strVal val="visible"/>
+                                      </p:to>
+                                    </p:set>
+                                    <p:anim calcmode="lin" valueType="num">
+                                      <p:cBhvr additive="base">
+                                        <p:cTn id="43" dur="500" fill="hold"/>
+                                        <p:tgtEl>
+                                          <p:spTgt spid="3075">
+                                            <p:txEl>
+                                              <p:pRg st="9" end="9"/>
+                                            </p:txEl>
+                                          </p:spTgt>
+                                        </p:tgtEl>
+                                        <p:attrNameLst>
+                                          <p:attrName>ppt_x</p:attrName>
+                                        </p:attrNameLst>
+                                      </p:cBhvr>
+                                      <p:tavLst>
+                                        <p:tav tm="0">
+                                          <p:val>
+                                            <p:strVal val="#ppt_x"/>
+                                          </p:val>
+                                        </p:tav>
+                                        <p:tav tm="100000">
+                                          <p:val>
+                                            <p:strVal val="#ppt_x"/>
+                                          </p:val>
+                                        </p:tav>
+                                      </p:tavLst>
+                                    </p:anim>
+                                    <p:anim calcmode="lin" valueType="num">
+                                      <p:cBhvr additive="base">
+                                        <p:cTn id="44" dur="500" fill="hold"/>
+                                        <p:tgtEl>
+                                          <p:spTgt spid="3075">
+                                            <p:txEl>
+                                              <p:pRg st="9" end="9"/>
+                                            </p:txEl>
+                                          </p:spTgt>
+                                        </p:tgtEl>
+                                        <p:attrNameLst>
+                                          <p:attrName>ppt_y</p:attrName>
+                                        </p:attrNameLst>
+                                      </p:cBhvr>
+                                      <p:tavLst>
+                                        <p:tav tm="0">
+                                          <p:val>
+                                            <p:strVal val="1+#ppt_h/2"/>
+                                          </p:val>
+                                        </p:tav>
+                                        <p:tav tm="100000">
+                                          <p:val>
+                                            <p:strVal val="#ppt_y"/>
+                                          </p:val>
+                                        </p:tav>
+                                      </p:tavLst>
+                                    </p:anim>
+                                  </p:childTnLst>
+                                </p:cTn>
+                              </p:par>
+                              <p:par>
+                                <p:cTn id="45" presetID="2" presetClass="entr" presetSubtype="4" fill="hold" nodeType="withEffect">
+                                  <p:stCondLst>
+                                    <p:cond delay="0"/>
+                                  </p:stCondLst>
+                                  <p:childTnLst>
+                                    <p:set>
+                                      <p:cBhvr>
+                                        <p:cTn id="46" dur="1" fill="hold">
+                                          <p:stCondLst>
+                                            <p:cond delay="0"/>
+                                          </p:stCondLst>
+                                        </p:cTn>
+                                        <p:tgtEl>
+                                          <p:spTgt spid="3075">
+                                            <p:txEl>
+                                              <p:pRg st="11" end="11"/>
+                                            </p:txEl>
+                                          </p:spTgt>
+                                        </p:tgtEl>
+                                        <p:attrNameLst>
+                                          <p:attrName>style.visibility</p:attrName>
+                                        </p:attrNameLst>
+                                      </p:cBhvr>
+                                      <p:to>
+                                        <p:strVal val="visible"/>
+                                      </p:to>
+                                    </p:set>
+                                    <p:anim calcmode="lin" valueType="num">
+                                      <p:cBhvr additive="base">
+                                        <p:cTn id="47" dur="500" fill="hold"/>
+                                        <p:tgtEl>
+                                          <p:spTgt spid="3075">
+                                            <p:txEl>
+                                              <p:pRg st="11" end="11"/>
+                                            </p:txEl>
+                                          </p:spTgt>
+                                        </p:tgtEl>
+                                        <p:attrNameLst>
+                                          <p:attrName>ppt_x</p:attrName>
+                                        </p:attrNameLst>
+                                      </p:cBhvr>
+                                      <p:tavLst>
+                                        <p:tav tm="0">
+                                          <p:val>
+                                            <p:strVal val="#ppt_x"/>
+                                          </p:val>
+                                        </p:tav>
+                                        <p:tav tm="100000">
+                                          <p:val>
+                                            <p:strVal val="#ppt_x"/>
+                                          </p:val>
+                                        </p:tav>
+                                      </p:tavLst>
+                                    </p:anim>
+                                    <p:anim calcmode="lin" valueType="num">
+                                      <p:cBhvr additive="base">
+                                        <p:cTn id="48" dur="500" fill="hold"/>
+                                        <p:tgtEl>
+                                          <p:spTgt spid="3075">
+                                            <p:txEl>
+                                              <p:pRg st="11" end="11"/>
+                                            </p:txEl>
+                                          </p:spTgt>
+                                        </p:tgtEl>
+                                        <p:attrNameLst>
+                                          <p:attrName>ppt_y</p:attrName>
+                                        </p:attrNameLst>
+                                      </p:cBhvr>
+                                      <p:tavLst>
+                                        <p:tav tm="0">
+                                          <p:val>
+                                            <p:strVal val="1+#ppt_h/2"/>
+                                          </p:val>
+                                        </p:tav>
+                                        <p:tav tm="100000">
+                                          <p:val>
+                                            <p:strVal val="#ppt_y"/>
+                                          </p:val>
+                                        </p:tav>
+                                      </p:tavLst>
+                                    </p:anim>
+                                  </p:childTnLst>
+                                </p:cTn>
+                              </p:par>
+                            </p:childTnLst>
+                          </p:cTn>
+                        </p:par>
+                      </p:childTnLst>
+                    </p:cTn>
+                  </p:par>
+                </p:childTnLst>
+              </p:cTn>
+              <p:prevCondLst>
+                <p:cond evt="onPrev" delay="0">
+                  <p:tgtEl>
+                    <p:sldTgt/>
+                  </p:tgtEl>
+                </p:cond>
+              </p:prevCondLst>
+              <p:nextCondLst>
+                <p:cond evt="onNext" delay="0">
+                  <p:tgtEl>
+                    <p:sldTgt/>
+                  </p:tgtEl>
+                </p:cond>
+              </p:nextCondLst>
+            </p:seq>
+          </p:childTnLst>
+        </p:cTn>
       </p:par>
     </p:tnLst>
   </p:timing>
@@ -8348,85 +7940,22 @@
               <a:buNone/>
             </a:pPr>
             <a:r>
-              <a:rPr lang="en-US" sz="2000" dirty="0" smtClean="0"/>
-              <a:t>1.	Failure to express ourselves in code</a:t>
-            </a:r>
-          </a:p>
-          <a:p>
-            <a:pPr marL="457200" indent="-457200">
-              <a:buAutoNum type="arabicPeriod" startAt="2"/>
-            </a:pPr>
-            <a:r>
-              <a:rPr lang="en-US" sz="2000" dirty="0" smtClean="0"/>
-              <a:t>Comments Lie</a:t>
-            </a:r>
-          </a:p>
-          <a:p>
-            <a:pPr marL="457200" indent="-457200">
-              <a:buAutoNum type="arabicPeriod" startAt="2"/>
-            </a:pPr>
-            <a:r>
-              <a:rPr lang="en-US" sz="2000" dirty="0" smtClean="0"/>
-              <a:t>Comments are hard to maintain</a:t>
-            </a:r>
-          </a:p>
-          <a:p>
-            <a:pPr marL="457200" indent="-457200">
-              <a:buAutoNum type="arabicPeriod" startAt="2"/>
-            </a:pPr>
-            <a:r>
-              <a:rPr lang="en-US" sz="2000" dirty="0" smtClean="0"/>
-              <a:t>The real truth is in the code</a:t>
-            </a:r>
-          </a:p>
-          <a:p>
-            <a:pPr marL="457200" indent="-457200">
-              <a:buAutoNum type="arabicPeriod" startAt="2"/>
-            </a:pPr>
-            <a:r>
-              <a:rPr lang="en-US" sz="2000" dirty="0" smtClean="0"/>
-              <a:t>Don’t comment -  Clean your code instead</a:t>
+              <a:rPr lang="en-US" sz="1600" b="1" dirty="0" smtClean="0">
+                <a:solidFill>
+                  <a:srgbClr val="67BE3C"/>
+                </a:solidFill>
+                <a:latin typeface="Courier New" pitchFamily="49" charset="0"/>
+                <a:cs typeface="Courier New" pitchFamily="49" charset="0"/>
+              </a:rPr>
+              <a:t>// if return code is … explain what this is doing</a:t>
             </a:r>
           </a:p>
           <a:p>
             <a:pPr marL="457200" indent="-457200">
               <a:buNone/>
             </a:pPr>
-            <a:endParaRPr lang="en-US" sz="2000" dirty="0" smtClean="0"/>
-          </a:p>
-          <a:p>
-            <a:pPr marL="457200" indent="-457200">
-              <a:buNone/>
-            </a:pPr>
-            <a:endParaRPr lang="en-US" sz="2000" b="1" dirty="0" smtClean="0">
-              <a:solidFill>
-                <a:srgbClr val="00B050"/>
-              </a:solidFill>
-              <a:latin typeface="Courier New" pitchFamily="49" charset="0"/>
-              <a:cs typeface="Courier New" pitchFamily="49" charset="0"/>
-            </a:endParaRPr>
-          </a:p>
-          <a:p>
-            <a:pPr marL="457200" indent="-457200">
-              <a:buNone/>
-            </a:pPr>
-            <a:r>
-              <a:rPr lang="en-US" sz="2000" b="1" dirty="0" smtClean="0">
-                <a:solidFill>
-                  <a:srgbClr val="00B050"/>
-                </a:solidFill>
-                <a:latin typeface="Courier New" pitchFamily="49" charset="0"/>
-                <a:cs typeface="Courier New" pitchFamily="49" charset="0"/>
-              </a:rPr>
-              <a:t>//Check to see if order qualifies for a discount</a:t>
-            </a:r>
-          </a:p>
-          <a:p>
-            <a:pPr marL="457200" indent="-457200">
-              <a:buNone/>
-            </a:pPr>
-            <a:r>
-              <a:rPr lang="en-US" sz="2000" b="1" dirty="0" smtClean="0">
+            <a:r>
+              <a:rPr lang="en-US" sz="1600" b="1" dirty="0" smtClean="0">
                 <a:solidFill>
                   <a:schemeClr val="tx2">
                     <a:lumMod val="60000"/>
@@ -8436,28 +7965,56 @@
                 <a:latin typeface="Courier New" pitchFamily="49" charset="0"/>
                 <a:cs typeface="Courier New" pitchFamily="49" charset="0"/>
               </a:rPr>
-              <a:t>If</a:t>
-            </a:r>
-            <a:r>
-              <a:rPr lang="en-US" sz="2000" b="1" dirty="0" smtClean="0">
+              <a:t>if</a:t>
+            </a:r>
+            <a:r>
+              <a:rPr lang="en-US" sz="1600" b="1" dirty="0" smtClean="0">
                 <a:latin typeface="Courier New" pitchFamily="49" charset="0"/>
                 <a:cs typeface="Courier New" pitchFamily="49" charset="0"/>
               </a:rPr>
-              <a:t>( </a:t>
-            </a:r>
-            <a:r>
-              <a:rPr lang="en-US" sz="2000" b="1" dirty="0" err="1" smtClean="0">
+              <a:t> (_</a:t>
+            </a:r>
+            <a:r>
+              <a:rPr lang="en-US" sz="1600" b="1" dirty="0" err="1" smtClean="0">
                 <a:latin typeface="Courier New" pitchFamily="49" charset="0"/>
                 <a:cs typeface="Courier New" pitchFamily="49" charset="0"/>
               </a:rPr>
-              <a:t>Order.Code</a:t>
-            </a:r>
-            <a:r>
-              <a:rPr lang="en-US" sz="2000" b="1" dirty="0" smtClean="0">
+              <a:t>RtCde</a:t>
+            </a:r>
+            <a:r>
+              <a:rPr lang="en-US" sz="1600" b="1" dirty="0" smtClean="0">
                 <a:latin typeface="Courier New" pitchFamily="49" charset="0"/>
                 <a:cs typeface="Courier New" pitchFamily="49" charset="0"/>
               </a:rPr>
-              <a:t> == DISCOUNT_ITEM &amp;&amp; </a:t>
+              <a:t> == “F” || _</a:t>
+            </a:r>
+            <a:r>
+              <a:rPr lang="en-US" sz="1600" b="1" dirty="0" err="1" smtClean="0">
+                <a:latin typeface="Courier New" pitchFamily="49" charset="0"/>
+                <a:cs typeface="Courier New" pitchFamily="49" charset="0"/>
+              </a:rPr>
+              <a:t>RtCde</a:t>
+            </a:r>
+            <a:r>
+              <a:rPr lang="en-US" sz="1600" b="1" dirty="0" smtClean="0">
+                <a:latin typeface="Courier New" pitchFamily="49" charset="0"/>
+                <a:cs typeface="Courier New" pitchFamily="49" charset="0"/>
+              </a:rPr>
+              <a:t> == “P” || _</a:t>
+            </a:r>
+            <a:r>
+              <a:rPr lang="en-US" sz="1600" b="1" dirty="0" err="1" smtClean="0">
+                <a:latin typeface="Courier New" pitchFamily="49" charset="0"/>
+                <a:cs typeface="Courier New" pitchFamily="49" charset="0"/>
+              </a:rPr>
+              <a:t>RtCde</a:t>
+            </a:r>
+            <a:r>
+              <a:rPr lang="en-US" sz="1600" b="1" dirty="0" smtClean="0">
+                <a:latin typeface="Courier New" pitchFamily="49" charset="0"/>
+                <a:cs typeface="Courier New" pitchFamily="49" charset="0"/>
+              </a:rPr>
+              <a:t> == “N”)</a:t>
             </a:r>
           </a:p>
           <a:p>
@@ -8465,32 +8022,42 @@
               <a:buNone/>
             </a:pPr>
             <a:r>
-              <a:rPr lang="en-US" sz="2000" b="1" dirty="0" smtClean="0">
+              <a:rPr lang="en-US" sz="1600" b="1" dirty="0" smtClean="0">
                 <a:latin typeface="Courier New" pitchFamily="49" charset="0"/>
                 <a:cs typeface="Courier New" pitchFamily="49" charset="0"/>
               </a:rPr>
-              <a:t>     </a:t>
-            </a:r>
-            <a:r>
-              <a:rPr lang="en-US" sz="2000" b="1" dirty="0" err="1" smtClean="0">
-                <a:latin typeface="Courier New" pitchFamily="49" charset="0"/>
-                <a:cs typeface="Courier New" pitchFamily="49" charset="0"/>
-              </a:rPr>
-              <a:t>Order.CustomerType</a:t>
-            </a:r>
-            <a:r>
-              <a:rPr lang="en-US" sz="2000" b="1" dirty="0" smtClean="0">
-                <a:latin typeface="Courier New" pitchFamily="49" charset="0"/>
-                <a:cs typeface="Courier New" pitchFamily="49" charset="0"/>
-              </a:rPr>
-              <a:t> == PREFERRED_CUSTOMER)</a:t>
+              <a:t>{</a:t>
             </a:r>
           </a:p>
           <a:p>
             <a:pPr marL="457200" indent="-457200">
               <a:buNone/>
             </a:pPr>
-            <a:endParaRPr lang="en-US" sz="2000" b="1" dirty="0" smtClean="0">
+            <a:r>
+              <a:rPr lang="en-US" sz="1600" b="1" dirty="0" smtClean="0">
+                <a:latin typeface="Courier New" pitchFamily="49" charset="0"/>
+                <a:cs typeface="Courier New" pitchFamily="49" charset="0"/>
+              </a:rPr>
+              <a:t>    …Do something</a:t>
+            </a:r>
+          </a:p>
+          <a:p>
+            <a:pPr marL="457200" indent="-457200">
+              <a:buNone/>
+            </a:pPr>
+            <a:r>
+              <a:rPr lang="en-US" sz="1600" b="1" dirty="0" smtClean="0">
+                <a:latin typeface="Courier New" pitchFamily="49" charset="0"/>
+                <a:cs typeface="Courier New" pitchFamily="49" charset="0"/>
+              </a:rPr>
+              <a:t>}</a:t>
+            </a:r>
+          </a:p>
+          <a:p>
+            <a:pPr marL="457200" indent="-457200">
+              <a:buNone/>
+            </a:pPr>
+            <a:endParaRPr lang="en-US" sz="1600" b="1" dirty="0" smtClean="0">
               <a:latin typeface="Courier New" pitchFamily="49" charset="0"/>
               <a:cs typeface="Courier New" pitchFamily="49" charset="0"/>
             </a:endParaRPr>
@@ -8500,7 +8067,57 @@
               <a:buNone/>
             </a:pPr>
             <a:r>
-              <a:rPr lang="en-US" sz="2000" b="1" dirty="0" smtClean="0">
+              <a:rPr lang="en-US" sz="1600" b="1" dirty="0" smtClean="0">
+                <a:solidFill>
+                  <a:srgbClr val="67BE3C"/>
+                </a:solidFill>
+                <a:latin typeface="Courier New" pitchFamily="49" charset="0"/>
+                <a:cs typeface="Courier New" pitchFamily="49" charset="0"/>
+              </a:rPr>
+              <a:t>//The function name is more expressive … using domain language</a:t>
+            </a:r>
+          </a:p>
+          <a:p>
+            <a:pPr marL="457200" indent="-457200">
+              <a:buNone/>
+            </a:pPr>
+            <a:r>
+              <a:rPr lang="en-US" sz="1600" b="1" dirty="0" smtClean="0">
+                <a:solidFill>
+                  <a:srgbClr val="67BE3C"/>
+                </a:solidFill>
+                <a:latin typeface="Courier New" pitchFamily="49" charset="0"/>
+                <a:cs typeface="Courier New" pitchFamily="49" charset="0"/>
+              </a:rPr>
+              <a:t>//Makes </a:t>
+            </a:r>
+            <a:r>
+              <a:rPr lang="en-US" sz="1600" b="1" dirty="0" err="1" smtClean="0">
+                <a:solidFill>
+                  <a:srgbClr val="67BE3C"/>
+                </a:solidFill>
+                <a:latin typeface="Courier New" pitchFamily="49" charset="0"/>
+                <a:cs typeface="Courier New" pitchFamily="49" charset="0"/>
+              </a:rPr>
+              <a:t>ReturnableItem</a:t>
+            </a:r>
+            <a:r>
+              <a:rPr lang="en-US" sz="1600" b="1" dirty="0" smtClean="0">
+                <a:solidFill>
+                  <a:srgbClr val="67BE3C"/>
+                </a:solidFill>
+                <a:latin typeface="Courier New" pitchFamily="49" charset="0"/>
+                <a:cs typeface="Courier New" pitchFamily="49" charset="0"/>
+              </a:rPr>
+              <a:t> searchable also</a:t>
+            </a:r>
+          </a:p>
+          <a:p>
+            <a:pPr marL="457200" indent="-457200">
+              <a:buNone/>
+            </a:pPr>
+            <a:r>
+              <a:rPr lang="en-US" sz="1600" b="1" dirty="0" smtClean="0">
                 <a:solidFill>
                   <a:schemeClr val="tx2">
                     <a:lumMod val="60000"/>
@@ -8510,24 +8127,24 @@
                 <a:latin typeface="Courier New" pitchFamily="49" charset="0"/>
                 <a:cs typeface="Courier New" pitchFamily="49" charset="0"/>
               </a:rPr>
-              <a:t>If</a:t>
-            </a:r>
-            <a:r>
-              <a:rPr lang="en-US" sz="2000" b="1" dirty="0" smtClean="0">
+              <a:t>if </a:t>
+            </a:r>
+            <a:r>
+              <a:rPr lang="en-US" sz="1600" b="1" dirty="0" smtClean="0">
                 <a:latin typeface="Courier New" pitchFamily="49" charset="0"/>
                 <a:cs typeface="Courier New" pitchFamily="49" charset="0"/>
               </a:rPr>
               <a:t>(</a:t>
             </a:r>
             <a:r>
-              <a:rPr lang="en-US" sz="2000" b="1" dirty="0" err="1" smtClean="0">
+              <a:rPr lang="en-US" sz="1600" b="1" dirty="0" err="1" smtClean="0">
                 <a:latin typeface="Courier New" pitchFamily="49" charset="0"/>
                 <a:cs typeface="Courier New" pitchFamily="49" charset="0"/>
               </a:rPr>
-              <a:t>Order.QualifiesForDiscount</a:t>
-            </a:r>
-            <a:r>
-              <a:rPr lang="en-US" sz="2000" b="1" dirty="0" smtClean="0">
+              <a:t>IsReturnableItem</a:t>
+            </a:r>
+            <a:r>
+              <a:rPr lang="en-US" sz="1600" b="1" dirty="0" smtClean="0">
                 <a:latin typeface="Courier New" pitchFamily="49" charset="0"/>
                 <a:cs typeface="Courier New" pitchFamily="49" charset="0"/>
               </a:rPr>
@@ -8538,7 +8155,43 @@
             <a:pPr marL="457200" indent="-457200">
               <a:buNone/>
             </a:pPr>
-            <a:endParaRPr lang="en-US" sz="2000" i="1" dirty="0" smtClean="0"/>
+            <a:r>
+              <a:rPr lang="en-US" sz="1600" b="1" dirty="0" smtClean="0">
+                <a:latin typeface="Courier New" pitchFamily="49" charset="0"/>
+                <a:cs typeface="Courier New" pitchFamily="49" charset="0"/>
+              </a:rPr>
+              <a:t>{</a:t>
+            </a:r>
+          </a:p>
+          <a:p>
+            <a:pPr marL="457200" indent="-457200">
+              <a:buNone/>
+            </a:pPr>
+            <a:r>
+              <a:rPr lang="en-US" sz="1600" b="1" dirty="0" smtClean="0">
+                <a:latin typeface="Courier New" pitchFamily="49" charset="0"/>
+                <a:cs typeface="Courier New" pitchFamily="49" charset="0"/>
+              </a:rPr>
+              <a:t>      …Do Something</a:t>
+            </a:r>
+          </a:p>
+          <a:p>
+            <a:pPr marL="457200" indent="-457200">
+              <a:buNone/>
+            </a:pPr>
+            <a:r>
+              <a:rPr lang="en-US" sz="1600" b="1" dirty="0" smtClean="0">
+                <a:latin typeface="Courier New" pitchFamily="49" charset="0"/>
+                <a:cs typeface="Courier New" pitchFamily="49" charset="0"/>
+              </a:rPr>
+              <a:t>}</a:t>
+            </a:r>
+          </a:p>
+          <a:p>
+            <a:pPr marL="457200" indent="-457200">
+              <a:buNone/>
+            </a:pPr>
+            <a:endParaRPr lang="en-US" sz="2000" dirty="0" smtClean="0"/>
           </a:p>
         </p:txBody>
       </p:sp>
@@ -8803,33 +8456,15 @@
                                   </p:childTnLst>
                                 </p:cTn>
                               </p:par>
-                            </p:childTnLst>
-                          </p:cTn>
-                        </p:par>
-                      </p:childTnLst>
-                    </p:cTn>
-                  </p:par>
-                  <p:par>
-                    <p:cTn id="15" fill="hold">
-                      <p:stCondLst>
-                        <p:cond delay="indefinite"/>
-                      </p:stCondLst>
-                      <p:childTnLst>
-                        <p:par>
-                          <p:cTn id="16" fill="hold">
-                            <p:stCondLst>
-                              <p:cond delay="0"/>
-                            </p:stCondLst>
-                            <p:childTnLst>
                               <p:par>
-                                <p:cTn id="17" presetID="2" presetClass="entr" presetSubtype="4" fill="hold" nodeType="clickEffect">
+                                <p:cTn id="15" presetID="2" presetClass="entr" presetSubtype="4" fill="hold" nodeType="withEffect">
                                   <p:stCondLst>
                                     <p:cond delay="0"/>
                                   </p:stCondLst>
                                   <p:childTnLst>
                                     <p:set>
                                       <p:cBhvr>
-                                        <p:cTn id="18" dur="1" fill="hold">
+                                        <p:cTn id="16" dur="1" fill="hold">
                                           <p:stCondLst>
                                             <p:cond delay="0"/>
                                           </p:stCondLst>
@@ -8851,7 +8486,7 @@
                                     </p:set>
                                     <p:anim calcmode="lin" valueType="num">
                                       <p:cBhvr additive="base">
-                                        <p:cTn id="19" dur="500" fill="hold"/>
+                                        <p:cTn id="17" dur="500" fill="hold"/>
                                         <p:tgtEl>
                                           <p:spTgt spid="3075">
                                             <p:txEl>
@@ -8878,7 +8513,7 @@
                                     </p:anim>
                                     <p:anim calcmode="lin" valueType="num">
                                       <p:cBhvr additive="base">
-                                        <p:cTn id="20" dur="500" fill="hold"/>
+                                        <p:cTn id="18" dur="500" fill="hold"/>
                                         <p:tgtEl>
                                           <p:spTgt spid="3075">
                                             <p:txEl>
@@ -8906,26 +8541,93 @@
                                   </p:childTnLst>
                                 </p:cTn>
                               </p:par>
-                            </p:childTnLst>
-                          </p:cTn>
-                        </p:par>
-                      </p:childTnLst>
-                    </p:cTn>
-                  </p:par>
-                  <p:par>
-                    <p:cTn id="21" fill="hold">
-                      <p:stCondLst>
-                        <p:cond delay="indefinite"/>
-                      </p:stCondLst>
-                      <p:childTnLst>
-                        <p:par>
-                          <p:cTn id="22" fill="hold">
-                            <p:stCondLst>
-                              <p:cond delay="0"/>
-                            </p:stCondLst>
-                            <p:childTnLst>
                               <p:par>
-                                <p:cTn id="23" presetID="2" presetClass="entr" presetSubtype="4" fill="hold" nodeType="clickEffect">
+                                <p:cTn id="19" presetID="2" presetClass="entr" presetSubtype="4" fill="hold" nodeType="withEffect">
+                                  <p:stCondLst>
+                                    <p:cond delay="0"/>
+                                  </p:stCondLst>
+                                  <p:childTnLst>
+                                    <p:set>
+                                      <p:cBhvr>
+                                        <p:cTn id="20" dur="1" fill="hold">
+                                          <p:stCondLst>
+                                            <p:cond delay="0"/>
+                                          </p:stCondLst>
+                                        </p:cTn>
+                                        <p:tgtEl>
+                                          <p:spTgt spid="3075">
+                                            <p:txEl>
+                                              <p:pRg st="3" end="3"/>
+                                            </p:txEl>
+                                          </p:spTgt>
+                                        </p:tgtEl>
+                                        <p:attrNameLst>
+                                          <p:attrName>style.visibility</p:attrName>
+                                        </p:attrNameLst>
+                                      </p:cBhvr>
+                                      <p:to>
+                                        <p:strVal val="visible"/>
+                                      </p:to>
+                                    </p:set>
+                                    <p:anim calcmode="lin" valueType="num">
+                                      <p:cBhvr additive="base">
+                                        <p:cTn id="21" dur="500" fill="hold"/>
+                                        <p:tgtEl>
+                                          <p:spTgt spid="3075">
+                                            <p:txEl>
+                                              <p:pRg st="3" end="3"/>
+                                            </p:txEl>
+                                          </p:spTgt>
+                                        </p:tgtEl>
+                                        <p:attrNameLst>
+                                          <p:attrName>ppt_x</p:attrName>
+                                        </p:attrNameLst>
+                                      </p:cBhvr>
+                                      <p:tavLst>
+                                        <p:tav tm="0">
+                                          <p:val>
+                                            <p:strVal val="#ppt_x"/>
+                                          </p:val>
+                                        </p:tav>
+                                        <p:tav tm="100000">
+                                          <p:val>
+                                            <p:strVal val="#ppt_x"/>
+                                          </p:val>
+                                        </p:tav>
+                                      </p:tavLst>
+                                    </p:anim>
+                                    <p:anim calcmode="lin" valueType="num">
+                                      <p:cBhvr additive="base">
+                                        <p:cTn id="22" dur="500" fill="hold"/>
+                                        <p:tgtEl>
+                                          <p:spTgt spid="3075">
+                                            <p:txEl>
+                                              <p:pRg st="3" end="3"/>
+                                            </p:txEl>
+                                          </p:spTgt>
+                                        </p:tgtEl>
+                                        <p:attrNameLst>
+                                          <p:attrName>ppt_y</p:attrName>
+                                        </p:attrNameLst>
+                                      </p:cBhvr>
+                                      <p:tavLst>
+                                        <p:tav tm="0">
+                                          <p:val>
+                                            <p:strVal val="1+#ppt_h/2"/>
+                                          </p:val>
+                                        </p:tav>
+                                        <p:tav tm="100000">
+                                          <p:val>
+                                            <p:strVal val="#ppt_y"/>
+                                          </p:val>
+                                        </p:tav>
+                                      </p:tavLst>
+                                    </p:anim>
+                                  </p:childTnLst>
+                                </p:cTn>
+                              </p:par>
+                              <p:par>
+                                <p:cTn id="23" presetID="2" presetClass="entr" presetSubtype="4" fill="hold" nodeType="withEffect">
                                   <p:stCondLst>
                                     <p:cond delay="0"/>
                                   </p:stCondLst>
@@ -8940,7 +8642,7 @@
                                         <p:tgtEl>
                                           <p:spTgt spid="3075">
                                             <p:txEl>
-                                              <p:pRg st="3" end="3"/>
+                                              <p:pRg st="4" end="4"/>
                                             </p:txEl>
                                           </p:spTgt>
                                         </p:tgtEl>
@@ -8958,7 +8660,7 @@
                                         <p:tgtEl>
                                           <p:spTgt spid="3075">
                                             <p:txEl>
-                                              <p:pRg st="3" end="3"/>
+                                              <p:pRg st="4" end="4"/>
                                             </p:txEl>
                                           </p:spTgt>
                                         </p:tgtEl>
@@ -8985,7 +8687,7 @@
                                         <p:tgtEl>
                                           <p:spTgt spid="3075">
                                             <p:txEl>
-                                              <p:pRg st="3" end="3"/>
+                                              <p:pRg st="4" end="4"/>
                                             </p:txEl>
                                           </p:spTgt>
                                         </p:tgtEl>
@@ -9043,7 +8745,7 @@
                                         <p:tgtEl>
                                           <p:spTgt spid="3075">
                                             <p:txEl>
-                                              <p:pRg st="4" end="4"/>
+                                              <p:pRg st="6" end="6"/>
                                             </p:txEl>
                                           </p:spTgt>
                                         </p:tgtEl>
@@ -9061,7 +8763,7 @@
                                         <p:tgtEl>
                                           <p:spTgt spid="3075">
                                             <p:txEl>
-                                              <p:pRg st="4" end="4"/>
+                                              <p:pRg st="6" end="6"/>
                                             </p:txEl>
                                           </p:spTgt>
                                         </p:tgtEl>
@@ -9088,7 +8790,7 @@
                                         <p:tgtEl>
                                           <p:spTgt spid="3075">
                                             <p:txEl>
-                                              <p:pRg st="4" end="4"/>
+                                              <p:pRg st="6" end="6"/>
                                             </p:txEl>
                                           </p:spTgt>
                                         </p:tgtEl>
@@ -9383,7 +9085,7 @@
                                         <p:tgtEl>
                                           <p:spTgt spid="3075">
                                             <p:txEl>
-                                              <p:pRg st="11" end="11"/>
+                                              <p:pRg st="10" end="10"/>
                                             </p:txEl>
                                           </p:spTgt>
                                         </p:tgtEl>
@@ -9401,7 +9103,7 @@
                                         <p:tgtEl>
                                           <p:spTgt spid="3075">
                                             <p:txEl>
-                                              <p:pRg st="11" end="11"/>
+                                              <p:pRg st="10" end="10"/>
                                             </p:txEl>
                                           </p:spTgt>
                                         </p:tgtEl>
@@ -9425,6 +9127,91 @@
                                     <p:anim calcmode="lin" valueType="num">
                                       <p:cBhvr additive="base">
                                         <p:cTn id="48" dur="500" fill="hold"/>
+                                        <p:tgtEl>
+                                          <p:spTgt spid="3075">
+                                            <p:txEl>
+                                              <p:pRg st="10" end="10"/>
+                                            </p:txEl>
+                                          </p:spTgt>
+                                        </p:tgtEl>
+                                        <p:attrNameLst>
+                                          <p:attrName>ppt_y</p:attrName>
+                                        </p:attrNameLst>
+                                      </p:cBhvr>
+                                      <p:tavLst>
+                                        <p:tav tm="0">
+                                          <p:val>
+                                            <p:strVal val="1+#ppt_h/2"/>
+                                          </p:val>
+                                        </p:tav>
+                                        <p:tav tm="100000">
+                                          <p:val>
+                                            <p:strVal val="#ppt_y"/>
+                                          </p:val>
+                                        </p:tav>
+                                      </p:tavLst>
+                                    </p:anim>
+                                  </p:childTnLst>
+                                </p:cTn>
+                              </p:par>
+                              <p:par>
+                                <p:cTn id="49" presetID="2" presetClass="entr" presetSubtype="4" fill="hold" nodeType="withEffect">
+                                  <p:stCondLst>
+                                    <p:cond delay="0"/>
+                                  </p:stCondLst>
+                                  <p:childTnLst>
+                                    <p:set>
+                                      <p:cBhvr>
+                                        <p:cTn id="50" dur="1" fill="hold">
+                                          <p:stCondLst>
+                                            <p:cond delay="0"/>
+                                          </p:stCondLst>
+                                        </p:cTn>
+                                        <p:tgtEl>
+                                          <p:spTgt spid="3075">
+                                            <p:txEl>
+                                              <p:pRg st="11" end="11"/>
+                                            </p:txEl>
+                                          </p:spTgt>
+                                        </p:tgtEl>
+                                        <p:attrNameLst>
+                                          <p:attrName>style.visibility</p:attrName>
+                                        </p:attrNameLst>
+                                      </p:cBhvr>
+                                      <p:to>
+                                        <p:strVal val="visible"/>
+                                      </p:to>
+                                    </p:set>
+                                    <p:anim calcmode="lin" valueType="num">
+                                      <p:cBhvr additive="base">
+                                        <p:cTn id="51" dur="500" fill="hold"/>
+                                        <p:tgtEl>
+                                          <p:spTgt spid="3075">
+                                            <p:txEl>
+                                              <p:pRg st="11" end="11"/>
+                                            </p:txEl>
+                                          </p:spTgt>
+                                        </p:tgtEl>
+                                        <p:attrNameLst>
+                                          <p:attrName>ppt_x</p:attrName>
+                                        </p:attrNameLst>
+                                      </p:cBhvr>
+                                      <p:tavLst>
+                                        <p:tav tm="0">
+                                          <p:val>
+                                            <p:strVal val="#ppt_x"/>
+                                          </p:val>
+                                        </p:tav>
+                                        <p:tav tm="100000">
+                                          <p:val>
+                                            <p:strVal val="#ppt_x"/>
+                                          </p:val>
+                                        </p:tav>
+                                      </p:tavLst>
+                                    </p:anim>
+                                    <p:anim calcmode="lin" valueType="num">
+                                      <p:cBhvr additive="base">
+                                        <p:cTn id="52" dur="500" fill="hold"/>
                                         <p:tgtEl>
                                           <p:spTgt spid="3075">
                                             <p:txEl>
@@ -9529,7 +9316,7 @@
             <a:pPr eaLnBrk="1" hangingPunct="1"/>
             <a:r>
               <a:rPr lang="en-US" dirty="0" smtClean="0"/>
-              <a:t>Comments</a:t>
+              <a:t>Acceptable Comments</a:t>
             </a:r>
           </a:p>
         </p:txBody>
@@ -9558,258 +9345,95 @@
               <a:buNone/>
             </a:pPr>
             <a:r>
-              <a:rPr lang="en-US" sz="1600" b="1" dirty="0" smtClean="0">
-                <a:solidFill>
-                  <a:srgbClr val="67BE3C"/>
-                </a:solidFill>
-                <a:latin typeface="Courier New" pitchFamily="49" charset="0"/>
-                <a:cs typeface="Courier New" pitchFamily="49" charset="0"/>
-              </a:rPr>
-              <a:t>// if return code is … explain what this is doing</a:t>
-            </a:r>
-          </a:p>
-          <a:p>
-            <a:pPr marL="457200" indent="-457200">
+              <a:rPr lang="en-US" sz="2000" dirty="0" smtClean="0"/>
+              <a:t>Acceptable Comments</a:t>
+            </a:r>
+          </a:p>
+          <a:p>
+            <a:pPr marL="857250" lvl="1" indent="-457200">
+              <a:buAutoNum type="arabicPeriod"/>
+            </a:pPr>
+            <a:r>
+              <a:rPr lang="en-US" sz="2000" dirty="0" smtClean="0"/>
+              <a:t>Legal Comments – Copyright, etc</a:t>
+            </a:r>
+          </a:p>
+          <a:p>
+            <a:pPr marL="857250" lvl="1" indent="-457200">
+              <a:buAutoNum type="arabicPeriod"/>
+            </a:pPr>
+            <a:r>
+              <a:rPr lang="en-US" sz="2000" dirty="0" smtClean="0"/>
+              <a:t>Informative Comments</a:t>
+            </a:r>
+          </a:p>
+          <a:p>
+            <a:pPr marL="857250" lvl="1" indent="-457200">
+              <a:buAutoNum type="arabicPeriod"/>
+            </a:pPr>
+            <a:r>
+              <a:rPr lang="en-US" sz="2000" dirty="0" smtClean="0"/>
+              <a:t>Explanation of intent</a:t>
+            </a:r>
+          </a:p>
+          <a:p>
+            <a:pPr marL="857250" lvl="1" indent="-457200">
+              <a:buAutoNum type="arabicPeriod"/>
+            </a:pPr>
+            <a:r>
+              <a:rPr lang="en-US" sz="2000" dirty="0" smtClean="0"/>
+              <a:t>Warning of consequences</a:t>
+            </a:r>
+          </a:p>
+          <a:p>
+            <a:pPr marL="857250" lvl="1" indent="-457200">
+              <a:buAutoNum type="arabicPeriod"/>
+            </a:pPr>
+            <a:r>
+              <a:rPr lang="en-US" sz="2000" dirty="0" smtClean="0"/>
+              <a:t>TODO</a:t>
+            </a:r>
+          </a:p>
+          <a:p>
+            <a:pPr marL="857250" lvl="1" indent="-457200">
+              <a:buAutoNum type="arabicPeriod"/>
+            </a:pPr>
+            <a:r>
+              <a:rPr lang="en-US" sz="2000" dirty="0" smtClean="0"/>
+              <a:t>Amplification</a:t>
+            </a:r>
+          </a:p>
+          <a:p>
+            <a:pPr marL="857250" lvl="1" indent="-457200">
+              <a:buAutoNum type="arabicPeriod"/>
+            </a:pPr>
+            <a:r>
+              <a:rPr lang="en-US" sz="2000" dirty="0" smtClean="0"/>
+              <a:t>Self Documentation – </a:t>
+            </a:r>
+            <a:r>
+              <a:rPr lang="en-US" sz="2000" dirty="0" err="1" smtClean="0"/>
+              <a:t>Javadocs</a:t>
+            </a:r>
+            <a:endParaRPr lang="en-US" sz="2000" dirty="0" smtClean="0"/>
+          </a:p>
+          <a:p>
+            <a:pPr marL="857250" lvl="1" indent="-457200">
               <a:buNone/>
             </a:pPr>
-            <a:r>
-              <a:rPr lang="en-US" sz="1600" b="1" dirty="0" smtClean="0">
-                <a:solidFill>
-                  <a:schemeClr val="tx2">
-                    <a:lumMod val="60000"/>
-                    <a:lumOff val="40000"/>
-                  </a:schemeClr>
-                </a:solidFill>
-                <a:latin typeface="Courier New" pitchFamily="49" charset="0"/>
-                <a:cs typeface="Courier New" pitchFamily="49" charset="0"/>
-              </a:rPr>
-              <a:t>if</a:t>
-            </a:r>
-            <a:r>
-              <a:rPr lang="en-US" sz="1600" b="1" dirty="0" smtClean="0">
-                <a:latin typeface="Courier New" pitchFamily="49" charset="0"/>
-                <a:cs typeface="Courier New" pitchFamily="49" charset="0"/>
-              </a:rPr>
-              <a:t> (_</a:t>
-            </a:r>
-            <a:r>
-              <a:rPr lang="en-US" sz="1600" b="1" dirty="0" err="1" smtClean="0">
-                <a:latin typeface="Courier New" pitchFamily="49" charset="0"/>
-                <a:cs typeface="Courier New" pitchFamily="49" charset="0"/>
-              </a:rPr>
-              <a:t>RtCde</a:t>
-            </a:r>
-            <a:r>
-              <a:rPr lang="en-US" sz="1600" b="1" dirty="0" smtClean="0">
-                <a:latin typeface="Courier New" pitchFamily="49" charset="0"/>
-                <a:cs typeface="Courier New" pitchFamily="49" charset="0"/>
-              </a:rPr>
-              <a:t> == “F” || _</a:t>
-            </a:r>
-            <a:r>
-              <a:rPr lang="en-US" sz="1600" b="1" dirty="0" err="1" smtClean="0">
-                <a:latin typeface="Courier New" pitchFamily="49" charset="0"/>
-                <a:cs typeface="Courier New" pitchFamily="49" charset="0"/>
-              </a:rPr>
-              <a:t>RtCde</a:t>
-            </a:r>
-            <a:r>
-              <a:rPr lang="en-US" sz="1600" b="1" dirty="0" smtClean="0">
-                <a:latin typeface="Courier New" pitchFamily="49" charset="0"/>
-                <a:cs typeface="Courier New" pitchFamily="49" charset="0"/>
-              </a:rPr>
-              <a:t> == “P” || _</a:t>
-            </a:r>
-            <a:r>
-              <a:rPr lang="en-US" sz="1600" b="1" dirty="0" err="1" smtClean="0">
-                <a:latin typeface="Courier New" pitchFamily="49" charset="0"/>
-                <a:cs typeface="Courier New" pitchFamily="49" charset="0"/>
-              </a:rPr>
-              <a:t>RtCde</a:t>
-            </a:r>
-            <a:r>
-              <a:rPr lang="en-US" sz="1600" b="1" dirty="0" smtClean="0">
-                <a:latin typeface="Courier New" pitchFamily="49" charset="0"/>
-                <a:cs typeface="Courier New" pitchFamily="49" charset="0"/>
-              </a:rPr>
-              <a:t> == “N”)</a:t>
-            </a:r>
-          </a:p>
-          <a:p>
-            <a:pPr marL="457200" indent="-457200">
-              <a:buNone/>
-            </a:pPr>
-            <a:r>
-              <a:rPr lang="en-US" sz="1600" b="1" dirty="0" smtClean="0">
-                <a:latin typeface="Courier New" pitchFamily="49" charset="0"/>
-                <a:cs typeface="Courier New" pitchFamily="49" charset="0"/>
-              </a:rPr>
-              <a:t>{</a:t>
-            </a:r>
-          </a:p>
-          <a:p>
-            <a:pPr marL="457200" indent="-457200">
-              <a:buNone/>
-            </a:pPr>
-            <a:r>
-              <a:rPr lang="en-US" sz="1600" b="1" dirty="0" smtClean="0">
-                <a:latin typeface="Courier New" pitchFamily="49" charset="0"/>
-                <a:cs typeface="Courier New" pitchFamily="49" charset="0"/>
-              </a:rPr>
-              <a:t>    …Do something</a:t>
-            </a:r>
-          </a:p>
-          <a:p>
-            <a:pPr marL="457200" indent="-457200">
-              <a:buNone/>
-            </a:pPr>
-            <a:r>
-              <a:rPr lang="en-US" sz="1600" b="1" dirty="0" smtClean="0">
-                <a:latin typeface="Courier New" pitchFamily="49" charset="0"/>
-                <a:cs typeface="Courier New" pitchFamily="49" charset="0"/>
-              </a:rPr>
-              <a:t>}</a:t>
-            </a:r>
-          </a:p>
-          <a:p>
-            <a:pPr marL="457200" indent="-457200">
-              <a:buNone/>
-            </a:pPr>
-            <a:endParaRPr lang="en-US" sz="1600" b="1" dirty="0" smtClean="0">
-              <a:latin typeface="Courier New" pitchFamily="49" charset="0"/>
-              <a:cs typeface="Courier New" pitchFamily="49" charset="0"/>
-            </a:endParaRPr>
-          </a:p>
-          <a:p>
-            <a:pPr marL="457200" indent="-457200">
-              <a:buNone/>
-            </a:pPr>
-            <a:r>
-              <a:rPr lang="en-US" sz="1600" b="1" dirty="0" smtClean="0">
-                <a:solidFill>
-                  <a:srgbClr val="67BE3C"/>
-                </a:solidFill>
-                <a:latin typeface="Courier New" pitchFamily="49" charset="0"/>
-                <a:cs typeface="Courier New" pitchFamily="49" charset="0"/>
-              </a:rPr>
-              <a:t>//The function name is more expressive … using domain language</a:t>
-            </a:r>
-          </a:p>
-          <a:p>
-            <a:pPr marL="457200" indent="-457200">
-              <a:buNone/>
-            </a:pPr>
-            <a:r>
-              <a:rPr lang="en-US" sz="1600" b="1" dirty="0" smtClean="0">
-                <a:solidFill>
-                  <a:srgbClr val="67BE3C"/>
-                </a:solidFill>
-                <a:latin typeface="Courier New" pitchFamily="49" charset="0"/>
-                <a:cs typeface="Courier New" pitchFamily="49" charset="0"/>
-              </a:rPr>
-              <a:t>//Makes </a:t>
-            </a:r>
-            <a:r>
-              <a:rPr lang="en-US" sz="1600" b="1" dirty="0" err="1" smtClean="0">
-                <a:solidFill>
-                  <a:srgbClr val="67BE3C"/>
-                </a:solidFill>
-                <a:latin typeface="Courier New" pitchFamily="49" charset="0"/>
-                <a:cs typeface="Courier New" pitchFamily="49" charset="0"/>
-              </a:rPr>
-              <a:t>ReturnableItem</a:t>
-            </a:r>
-            <a:r>
-              <a:rPr lang="en-US" sz="1600" b="1" dirty="0" smtClean="0">
-                <a:solidFill>
-                  <a:srgbClr val="67BE3C"/>
-                </a:solidFill>
-                <a:latin typeface="Courier New" pitchFamily="49" charset="0"/>
-                <a:cs typeface="Courier New" pitchFamily="49" charset="0"/>
-              </a:rPr>
-              <a:t> searchable also</a:t>
-            </a:r>
-          </a:p>
-          <a:p>
-            <a:pPr marL="457200" indent="-457200">
-              <a:buNone/>
-            </a:pPr>
-            <a:r>
-              <a:rPr lang="en-US" sz="1600" b="1" dirty="0" smtClean="0">
-                <a:solidFill>
-                  <a:schemeClr val="tx2">
-                    <a:lumMod val="60000"/>
-                    <a:lumOff val="40000"/>
-                  </a:schemeClr>
-                </a:solidFill>
-                <a:latin typeface="Courier New" pitchFamily="49" charset="0"/>
-                <a:cs typeface="Courier New" pitchFamily="49" charset="0"/>
-              </a:rPr>
-              <a:t>if </a:t>
-            </a:r>
-            <a:r>
-              <a:rPr lang="en-US" sz="1600" b="1" dirty="0" smtClean="0">
-                <a:latin typeface="Courier New" pitchFamily="49" charset="0"/>
-                <a:cs typeface="Courier New" pitchFamily="49" charset="0"/>
-              </a:rPr>
-              <a:t>(</a:t>
-            </a:r>
-            <a:r>
-              <a:rPr lang="en-US" sz="1600" b="1" dirty="0" err="1" smtClean="0">
-                <a:latin typeface="Courier New" pitchFamily="49" charset="0"/>
-                <a:cs typeface="Courier New" pitchFamily="49" charset="0"/>
-              </a:rPr>
-              <a:t>IsReturnableItem</a:t>
-            </a:r>
-            <a:r>
-              <a:rPr lang="en-US" sz="1600" b="1" dirty="0" smtClean="0">
-                <a:latin typeface="Courier New" pitchFamily="49" charset="0"/>
-                <a:cs typeface="Courier New" pitchFamily="49" charset="0"/>
-              </a:rPr>
-              <a:t>())</a:t>
-            </a:r>
-          </a:p>
-          <a:p>
-            <a:pPr marL="457200" indent="-457200">
-              <a:buNone/>
-            </a:pPr>
-            <a:r>
-              <a:rPr lang="en-US" sz="1600" b="1" dirty="0" smtClean="0">
-                <a:latin typeface="Courier New" pitchFamily="49" charset="0"/>
-                <a:cs typeface="Courier New" pitchFamily="49" charset="0"/>
-              </a:rPr>
-              <a:t>{</a:t>
-            </a:r>
-          </a:p>
-          <a:p>
-            <a:pPr marL="457200" indent="-457200">
-              <a:buNone/>
-            </a:pPr>
-            <a:r>
-              <a:rPr lang="en-US" sz="1600" b="1" dirty="0" smtClean="0">
-                <a:latin typeface="Courier New" pitchFamily="49" charset="0"/>
-                <a:cs typeface="Courier New" pitchFamily="49" charset="0"/>
-              </a:rPr>
-              <a:t>      …Do Something</a:t>
-            </a:r>
-          </a:p>
-          <a:p>
-            <a:pPr marL="457200" indent="-457200">
-              <a:buNone/>
-            </a:pPr>
-            <a:r>
-              <a:rPr lang="en-US" sz="1600" b="1" dirty="0" smtClean="0">
-                <a:latin typeface="Courier New" pitchFamily="49" charset="0"/>
-                <a:cs typeface="Courier New" pitchFamily="49" charset="0"/>
-              </a:rPr>
-              <a:t>}</a:t>
-            </a:r>
+            <a:endParaRPr lang="en-US" sz="2000" dirty="0" smtClean="0"/>
           </a:p>
           <a:p>
             <a:pPr marL="457200" indent="-457200">
               <a:buNone/>
             </a:pPr>
             <a:endParaRPr lang="en-US" sz="2000" dirty="0" smtClean="0"/>
+          </a:p>
+          <a:p>
+            <a:pPr marL="457200" indent="-457200">
+              <a:buNone/>
+            </a:pPr>
+            <a:endParaRPr lang="en-US" sz="2000" i="1" dirty="0" smtClean="0"/>
           </a:p>
         </p:txBody>
       </p:sp>
@@ -9902,7 +9526,7 @@
                                         <p:tgtEl>
                                           <p:spTgt spid="3075">
                                             <p:txEl>
-                                              <p:pRg st="0" end="0"/>
+                                              <p:pRg st="1" end="1"/>
                                             </p:txEl>
                                           </p:spTgt>
                                         </p:tgtEl>
@@ -9920,7 +9544,7 @@
                                         <p:tgtEl>
                                           <p:spTgt spid="3075">
                                             <p:txEl>
-                                              <p:pRg st="0" end="0"/>
+                                              <p:pRg st="1" end="1"/>
                                             </p:txEl>
                                           </p:spTgt>
                                         </p:tgtEl>
@@ -9947,7 +9571,7 @@
                                         <p:tgtEl>
                                           <p:spTgt spid="3075">
                                             <p:txEl>
-                                              <p:pRg st="0" end="0"/>
+                                              <p:pRg st="1" end="1"/>
                                             </p:txEl>
                                           </p:spTgt>
                                         </p:tgtEl>
@@ -10005,7 +9629,7 @@
                                         <p:tgtEl>
                                           <p:spTgt spid="3075">
                                             <p:txEl>
-                                              <p:pRg st="1" end="1"/>
+                                              <p:pRg st="2" end="2"/>
                                             </p:txEl>
                                           </p:spTgt>
                                         </p:tgtEl>
@@ -10023,7 +9647,7 @@
                                         <p:tgtEl>
                                           <p:spTgt spid="3075">
                                             <p:txEl>
-                                              <p:pRg st="1" end="1"/>
+                                              <p:pRg st="2" end="2"/>
                                             </p:txEl>
                                           </p:spTgt>
                                         </p:tgtEl>
@@ -10050,7 +9674,7 @@
                                         <p:tgtEl>
                                           <p:spTgt spid="3075">
                                             <p:txEl>
-                                              <p:pRg st="1" end="1"/>
+                                              <p:pRg st="2" end="2"/>
                                             </p:txEl>
                                           </p:spTgt>
                                         </p:tgtEl>
@@ -10074,15 +9698,33 @@
                                   </p:childTnLst>
                                 </p:cTn>
                               </p:par>
+                            </p:childTnLst>
+                          </p:cTn>
+                        </p:par>
+                      </p:childTnLst>
+                    </p:cTn>
+                  </p:par>
+                  <p:par>
+                    <p:cTn id="15" fill="hold">
+                      <p:stCondLst>
+                        <p:cond delay="indefinite"/>
+                      </p:stCondLst>
+                      <p:childTnLst>
+                        <p:par>
+                          <p:cTn id="16" fill="hold">
+                            <p:stCondLst>
+                              <p:cond delay="0"/>
+                            </p:stCondLst>
+                            <p:childTnLst>
                               <p:par>
-                                <p:cTn id="15" presetID="2" presetClass="entr" presetSubtype="4" fill="hold" nodeType="withEffect">
+                                <p:cTn id="17" presetID="2" presetClass="entr" presetSubtype="4" fill="hold" nodeType="clickEffect">
                                   <p:stCondLst>
                                     <p:cond delay="0"/>
                                   </p:stCondLst>
                                   <p:childTnLst>
                                     <p:set>
                                       <p:cBhvr>
-                                        <p:cTn id="16" dur="1" fill="hold">
+                                        <p:cTn id="18" dur="1" fill="hold">
                                           <p:stCondLst>
                                             <p:cond delay="0"/>
                                           </p:stCondLst>
@@ -10090,7 +9732,7 @@
                                         <p:tgtEl>
                                           <p:spTgt spid="3075">
                                             <p:txEl>
-                                              <p:pRg st="2" end="2"/>
+                                              <p:pRg st="3" end="3"/>
                                             </p:txEl>
                                           </p:spTgt>
                                         </p:tgtEl>
@@ -10104,11 +9746,11 @@
                                     </p:set>
                                     <p:anim calcmode="lin" valueType="num">
                                       <p:cBhvr additive="base">
-                                        <p:cTn id="17" dur="500" fill="hold"/>
-                                        <p:tgtEl>
-                                          <p:spTgt spid="3075">
-                                            <p:txEl>
-                                              <p:pRg st="2" end="2"/>
+                                        <p:cTn id="19" dur="500" fill="hold"/>
+                                        <p:tgtEl>
+                                          <p:spTgt spid="3075">
+                                            <p:txEl>
+                                              <p:pRg st="3" end="3"/>
                                             </p:txEl>
                                           </p:spTgt>
                                         </p:tgtEl>
@@ -10131,11 +9773,11 @@
                                     </p:anim>
                                     <p:anim calcmode="lin" valueType="num">
                                       <p:cBhvr additive="base">
-                                        <p:cTn id="18" dur="500" fill="hold"/>
-                                        <p:tgtEl>
-                                          <p:spTgt spid="3075">
-                                            <p:txEl>
-                                              <p:pRg st="2" end="2"/>
+                                        <p:cTn id="20" dur="500" fill="hold"/>
+                                        <p:tgtEl>
+                                          <p:spTgt spid="3075">
+                                            <p:txEl>
+                                              <p:pRg st="3" end="3"/>
                                             </p:txEl>
                                           </p:spTgt>
                                         </p:tgtEl>
@@ -10159,93 +9801,26 @@
                                   </p:childTnLst>
                                 </p:cTn>
                               </p:par>
+                            </p:childTnLst>
+                          </p:cTn>
+                        </p:par>
+                      </p:childTnLst>
+                    </p:cTn>
+                  </p:par>
+                  <p:par>
+                    <p:cTn id="21" fill="hold">
+                      <p:stCondLst>
+                        <p:cond delay="indefinite"/>
+                      </p:stCondLst>
+                      <p:childTnLst>
+                        <p:par>
+                          <p:cTn id="22" fill="hold">
+                            <p:stCondLst>
+                              <p:cond delay="0"/>
+                            </p:stCondLst>
+                            <p:childTnLst>
                               <p:par>
-                                <p:cTn id="19" presetID="2" presetClass="entr" presetSubtype="4" fill="hold" nodeType="withEffect">
-                                  <p:stCondLst>
-                                    <p:cond delay="0"/>
-                                  </p:stCondLst>
-                                  <p:childTnLst>
-                                    <p:set>
-                                      <p:cBhvr>
-                                        <p:cTn id="20" dur="1" fill="hold">
-                                          <p:stCondLst>
-                                            <p:cond delay="0"/>
-                                          </p:stCondLst>
-                                        </p:cTn>
-                                        <p:tgtEl>
-                                          <p:spTgt spid="3075">
-                                            <p:txEl>
-                                              <p:pRg st="3" end="3"/>
-                                            </p:txEl>
-                                          </p:spTgt>
-                                        </p:tgtEl>
-                                        <p:attrNameLst>
-                                          <p:attrName>style.visibility</p:attrName>
-                                        </p:attrNameLst>
-                                      </p:cBhvr>
-                                      <p:to>
-                                        <p:strVal val="visible"/>
-                                      </p:to>
-                                    </p:set>
-                                    <p:anim calcmode="lin" valueType="num">
-                                      <p:cBhvr additive="base">
-                                        <p:cTn id="21" dur="500" fill="hold"/>
-                                        <p:tgtEl>
-                                          <p:spTgt spid="3075">
-                                            <p:txEl>
-                                              <p:pRg st="3" end="3"/>
-                                            </p:txEl>
-                                          </p:spTgt>
-                                        </p:tgtEl>
-                                        <p:attrNameLst>
-                                          <p:attrName>ppt_x</p:attrName>
-                                        </p:attrNameLst>
-                                      </p:cBhvr>
-                                      <p:tavLst>
-                                        <p:tav tm="0">
-                                          <p:val>
-                                            <p:strVal val="#ppt_x"/>
-                                          </p:val>
-                                        </p:tav>
-                                        <p:tav tm="100000">
-                                          <p:val>
-                                            <p:strVal val="#ppt_x"/>
-                                          </p:val>
-                                        </p:tav>
-                                      </p:tavLst>
-                                    </p:anim>
-                                    <p:anim calcmode="lin" valueType="num">
-                                      <p:cBhvr additive="base">
-                                        <p:cTn id="22" dur="500" fill="hold"/>
-                                        <p:tgtEl>
-                                          <p:spTgt spid="3075">
-                                            <p:txEl>
-                                              <p:pRg st="3" end="3"/>
-                                            </p:txEl>
-                                          </p:spTgt>
-                                        </p:tgtEl>
-                                        <p:attrNameLst>
-                                          <p:attrName>ppt_y</p:attrName>
-                                        </p:attrNameLst>
-                                      </p:cBhvr>
-                                      <p:tavLst>
-                                        <p:tav tm="0">
-                                          <p:val>
-                                            <p:strVal val="1+#ppt_h/2"/>
-                                          </p:val>
-                                        </p:tav>
-                                        <p:tav tm="100000">
-                                          <p:val>
-                                            <p:strVal val="#ppt_y"/>
-                                          </p:val>
-                                        </p:tav>
-                                      </p:tavLst>
-                                    </p:anim>
-                                  </p:childTnLst>
-                                </p:cTn>
-                              </p:par>
-                              <p:par>
-                                <p:cTn id="23" presetID="2" presetClass="entr" presetSubtype="4" fill="hold" nodeType="withEffect">
+                                <p:cTn id="23" presetID="2" presetClass="entr" presetSubtype="4" fill="hold" nodeType="clickEffect">
                                   <p:stCondLst>
                                     <p:cond delay="0"/>
                                   </p:stCondLst>
@@ -10363,7 +9938,7 @@
                                         <p:tgtEl>
                                           <p:spTgt spid="3075">
                                             <p:txEl>
-                                              <p:pRg st="6" end="6"/>
+                                              <p:pRg st="5" end="5"/>
                                             </p:txEl>
                                           </p:spTgt>
                                         </p:tgtEl>
@@ -10381,7 +9956,7 @@
                                         <p:tgtEl>
                                           <p:spTgt spid="3075">
                                             <p:txEl>
-                                              <p:pRg st="6" end="6"/>
+                                              <p:pRg st="5" end="5"/>
                                             </p:txEl>
                                           </p:spTgt>
                                         </p:tgtEl>
@@ -10408,7 +9983,7 @@
                                         <p:tgtEl>
                                           <p:spTgt spid="3075">
                                             <p:txEl>
-                                              <p:pRg st="6" end="6"/>
+                                              <p:pRg st="5" end="5"/>
                                             </p:txEl>
                                           </p:spTgt>
                                         </p:tgtEl>
@@ -10432,15 +10007,33 @@
                                   </p:childTnLst>
                                 </p:cTn>
                               </p:par>
+                            </p:childTnLst>
+                          </p:cTn>
+                        </p:par>
+                      </p:childTnLst>
+                    </p:cTn>
+                  </p:par>
+                  <p:par>
+                    <p:cTn id="33" fill="hold">
+                      <p:stCondLst>
+                        <p:cond delay="indefinite"/>
+                      </p:stCondLst>
+                      <p:childTnLst>
+                        <p:par>
+                          <p:cTn id="34" fill="hold">
+                            <p:stCondLst>
+                              <p:cond delay="0"/>
+                            </p:stCondLst>
+                            <p:childTnLst>
                               <p:par>
-                                <p:cTn id="33" presetID="2" presetClass="entr" presetSubtype="4" fill="hold" nodeType="withEffect">
+                                <p:cTn id="35" presetID="2" presetClass="entr" presetSubtype="4" fill="hold" nodeType="clickEffect">
                                   <p:stCondLst>
                                     <p:cond delay="0"/>
                                   </p:stCondLst>
                                   <p:childTnLst>
                                     <p:set>
                                       <p:cBhvr>
-                                        <p:cTn id="34" dur="1" fill="hold">
+                                        <p:cTn id="36" dur="1" fill="hold">
                                           <p:stCondLst>
                                             <p:cond delay="0"/>
                                           </p:stCondLst>
@@ -10448,7 +10041,7 @@
                                         <p:tgtEl>
                                           <p:spTgt spid="3075">
                                             <p:txEl>
-                                              <p:pRg st="7" end="7"/>
+                                              <p:pRg st="6" end="6"/>
                                             </p:txEl>
                                           </p:spTgt>
                                         </p:tgtEl>
@@ -10462,11 +10055,11 @@
                                     </p:set>
                                     <p:anim calcmode="lin" valueType="num">
                                       <p:cBhvr additive="base">
-                                        <p:cTn id="35" dur="500" fill="hold"/>
-                                        <p:tgtEl>
-                                          <p:spTgt spid="3075">
-                                            <p:txEl>
-                                              <p:pRg st="7" end="7"/>
+                                        <p:cTn id="37" dur="500" fill="hold"/>
+                                        <p:tgtEl>
+                                          <p:spTgt spid="3075">
+                                            <p:txEl>
+                                              <p:pRg st="6" end="6"/>
                                             </p:txEl>
                                           </p:spTgt>
                                         </p:tgtEl>
@@ -10489,11 +10082,11 @@
                                     </p:anim>
                                     <p:anim calcmode="lin" valueType="num">
                                       <p:cBhvr additive="base">
-                                        <p:cTn id="36" dur="500" fill="hold"/>
-                                        <p:tgtEl>
-                                          <p:spTgt spid="3075">
-                                            <p:txEl>
-                                              <p:pRg st="7" end="7"/>
+                                        <p:cTn id="38" dur="500" fill="hold"/>
+                                        <p:tgtEl>
+                                          <p:spTgt spid="3075">
+                                            <p:txEl>
+                                              <p:pRg st="6" end="6"/>
                                             </p:txEl>
                                           </p:spTgt>
                                         </p:tgtEl>
@@ -10517,93 +10110,26 @@
                                   </p:childTnLst>
                                 </p:cTn>
                               </p:par>
+                            </p:childTnLst>
+                          </p:cTn>
+                        </p:par>
+                      </p:childTnLst>
+                    </p:cTn>
+                  </p:par>
+                  <p:par>
+                    <p:cTn id="39" fill="hold">
+                      <p:stCondLst>
+                        <p:cond delay="indefinite"/>
+                      </p:stCondLst>
+                      <p:childTnLst>
+                        <p:par>
+                          <p:cTn id="40" fill="hold">
+                            <p:stCondLst>
+                              <p:cond delay="0"/>
+                            </p:stCondLst>
+                            <p:childTnLst>
                               <p:par>
-                                <p:cTn id="37" presetID="2" presetClass="entr" presetSubtype="4" fill="hold" nodeType="withEffect">
-                                  <p:stCondLst>
-                                    <p:cond delay="0"/>
-                                  </p:stCondLst>
-                                  <p:childTnLst>
-                                    <p:set>
-                                      <p:cBhvr>
-                                        <p:cTn id="38" dur="1" fill="hold">
-                                          <p:stCondLst>
-                                            <p:cond delay="0"/>
-                                          </p:stCondLst>
-                                        </p:cTn>
-                                        <p:tgtEl>
-                                          <p:spTgt spid="3075">
-                                            <p:txEl>
-                                              <p:pRg st="8" end="8"/>
-                                            </p:txEl>
-                                          </p:spTgt>
-                                        </p:tgtEl>
-                                        <p:attrNameLst>
-                                          <p:attrName>style.visibility</p:attrName>
-                                        </p:attrNameLst>
-                                      </p:cBhvr>
-                                      <p:to>
-                                        <p:strVal val="visible"/>
-                                      </p:to>
-                                    </p:set>
-                                    <p:anim calcmode="lin" valueType="num">
-                                      <p:cBhvr additive="base">
-                                        <p:cTn id="39" dur="500" fill="hold"/>
-                                        <p:tgtEl>
-                                          <p:spTgt spid="3075">
-                                            <p:txEl>
-                                              <p:pRg st="8" end="8"/>
-                                            </p:txEl>
-                                          </p:spTgt>
-                                        </p:tgtEl>
-                                        <p:attrNameLst>
-                                          <p:attrName>ppt_x</p:attrName>
-                                        </p:attrNameLst>
-                                      </p:cBhvr>
-                                      <p:tavLst>
-                                        <p:tav tm="0">
-                                          <p:val>
-                                            <p:strVal val="#ppt_x"/>
-                                          </p:val>
-                                        </p:tav>
-                                        <p:tav tm="100000">
-                                          <p:val>
-                                            <p:strVal val="#ppt_x"/>
-                                          </p:val>
-                                        </p:tav>
-                                      </p:tavLst>
-                                    </p:anim>
-                                    <p:anim calcmode="lin" valueType="num">
-                                      <p:cBhvr additive="base">
-                                        <p:cTn id="40" dur="500" fill="hold"/>
-                                        <p:tgtEl>
-                                          <p:spTgt spid="3075">
-                                            <p:txEl>
-                                              <p:pRg st="8" end="8"/>
-                                            </p:txEl>
-                                          </p:spTgt>
-                                        </p:tgtEl>
-                                        <p:attrNameLst>
-                                          <p:attrName>ppt_y</p:attrName>
-                                        </p:attrNameLst>
-                                      </p:cBhvr>
-                                      <p:tavLst>
-                                        <p:tav tm="0">
-                                          <p:val>
-                                            <p:strVal val="1+#ppt_h/2"/>
-                                          </p:val>
-                                        </p:tav>
-                                        <p:tav tm="100000">
-                                          <p:val>
-                                            <p:strVal val="#ppt_y"/>
-                                          </p:val>
-                                        </p:tav>
-                                      </p:tavLst>
-                                    </p:anim>
-                                  </p:childTnLst>
-                                </p:cTn>
-                              </p:par>
-                              <p:par>
-                                <p:cTn id="41" presetID="2" presetClass="entr" presetSubtype="4" fill="hold" nodeType="withEffect">
+                                <p:cTn id="41" presetID="2" presetClass="entr" presetSubtype="4" fill="hold" nodeType="clickEffect">
                                   <p:stCondLst>
                                     <p:cond delay="0"/>
                                   </p:stCondLst>
@@ -10618,7 +10144,7 @@
                                         <p:tgtEl>
                                           <p:spTgt spid="3075">
                                             <p:txEl>
-                                              <p:pRg st="9" end="9"/>
+                                              <p:pRg st="7" end="7"/>
                                             </p:txEl>
                                           </p:spTgt>
                                         </p:tgtEl>
@@ -10636,7 +10162,7 @@
                                         <p:tgtEl>
                                           <p:spTgt spid="3075">
                                             <p:txEl>
-                                              <p:pRg st="9" end="9"/>
+                                              <p:pRg st="7" end="7"/>
                                             </p:txEl>
                                           </p:spTgt>
                                         </p:tgtEl>
@@ -10663,177 +10189,7 @@
                                         <p:tgtEl>
                                           <p:spTgt spid="3075">
                                             <p:txEl>
-                                              <p:pRg st="9" end="9"/>
-                                            </p:txEl>
-                                          </p:spTgt>
-                                        </p:tgtEl>
-                                        <p:attrNameLst>
-                                          <p:attrName>ppt_y</p:attrName>
-                                        </p:attrNameLst>
-                                      </p:cBhvr>
-                                      <p:tavLst>
-                                        <p:tav tm="0">
-                                          <p:val>
-                                            <p:strVal val="1+#ppt_h/2"/>
-                                          </p:val>
-                                        </p:tav>
-                                        <p:tav tm="100000">
-                                          <p:val>
-                                            <p:strVal val="#ppt_y"/>
-                                          </p:val>
-                                        </p:tav>
-                                      </p:tavLst>
-                                    </p:anim>
-                                  </p:childTnLst>
-                                </p:cTn>
-                              </p:par>
-                              <p:par>
-                                <p:cTn id="45" presetID="2" presetClass="entr" presetSubtype="4" fill="hold" nodeType="withEffect">
-                                  <p:stCondLst>
-                                    <p:cond delay="0"/>
-                                  </p:stCondLst>
-                                  <p:childTnLst>
-                                    <p:set>
-                                      <p:cBhvr>
-                                        <p:cTn id="46" dur="1" fill="hold">
-                                          <p:stCondLst>
-                                            <p:cond delay="0"/>
-                                          </p:stCondLst>
-                                        </p:cTn>
-                                        <p:tgtEl>
-                                          <p:spTgt spid="3075">
-                                            <p:txEl>
-                                              <p:pRg st="10" end="10"/>
-                                            </p:txEl>
-                                          </p:spTgt>
-                                        </p:tgtEl>
-                                        <p:attrNameLst>
-                                          <p:attrName>style.visibility</p:attrName>
-                                        </p:attrNameLst>
-                                      </p:cBhvr>
-                                      <p:to>
-                                        <p:strVal val="visible"/>
-                                      </p:to>
-                                    </p:set>
-                                    <p:anim calcmode="lin" valueType="num">
-                                      <p:cBhvr additive="base">
-                                        <p:cTn id="47" dur="500" fill="hold"/>
-                                        <p:tgtEl>
-                                          <p:spTgt spid="3075">
-                                            <p:txEl>
-                                              <p:pRg st="10" end="10"/>
-                                            </p:txEl>
-                                          </p:spTgt>
-                                        </p:tgtEl>
-                                        <p:attrNameLst>
-                                          <p:attrName>ppt_x</p:attrName>
-                                        </p:attrNameLst>
-                                      </p:cBhvr>
-                                      <p:tavLst>
-                                        <p:tav tm="0">
-                                          <p:val>
-                                            <p:strVal val="#ppt_x"/>
-                                          </p:val>
-                                        </p:tav>
-                                        <p:tav tm="100000">
-                                          <p:val>
-                                            <p:strVal val="#ppt_x"/>
-                                          </p:val>
-                                        </p:tav>
-                                      </p:tavLst>
-                                    </p:anim>
-                                    <p:anim calcmode="lin" valueType="num">
-                                      <p:cBhvr additive="base">
-                                        <p:cTn id="48" dur="500" fill="hold"/>
-                                        <p:tgtEl>
-                                          <p:spTgt spid="3075">
-                                            <p:txEl>
-                                              <p:pRg st="10" end="10"/>
-                                            </p:txEl>
-                                          </p:spTgt>
-                                        </p:tgtEl>
-                                        <p:attrNameLst>
-                                          <p:attrName>ppt_y</p:attrName>
-                                        </p:attrNameLst>
-                                      </p:cBhvr>
-                                      <p:tavLst>
-                                        <p:tav tm="0">
-                                          <p:val>
-                                            <p:strVal val="1+#ppt_h/2"/>
-                                          </p:val>
-                                        </p:tav>
-                                        <p:tav tm="100000">
-                                          <p:val>
-                                            <p:strVal val="#ppt_y"/>
-                                          </p:val>
-                                        </p:tav>
-                                      </p:tavLst>
-                                    </p:anim>
-                                  </p:childTnLst>
-                                </p:cTn>
-                              </p:par>
-                              <p:par>
-                                <p:cTn id="49" presetID="2" presetClass="entr" presetSubtype="4" fill="hold" nodeType="withEffect">
-                                  <p:stCondLst>
-                                    <p:cond delay="0"/>
-                                  </p:stCondLst>
-                                  <p:childTnLst>
-                                    <p:set>
-                                      <p:cBhvr>
-                                        <p:cTn id="50" dur="1" fill="hold">
-                                          <p:stCondLst>
-                                            <p:cond delay="0"/>
-                                          </p:stCondLst>
-                                        </p:cTn>
-                                        <p:tgtEl>
-                                          <p:spTgt spid="3075">
-                                            <p:txEl>
-                                              <p:pRg st="11" end="11"/>
-                                            </p:txEl>
-                                          </p:spTgt>
-                                        </p:tgtEl>
-                                        <p:attrNameLst>
-                                          <p:attrName>style.visibility</p:attrName>
-                                        </p:attrNameLst>
-                                      </p:cBhvr>
-                                      <p:to>
-                                        <p:strVal val="visible"/>
-                                      </p:to>
-                                    </p:set>
-                                    <p:anim calcmode="lin" valueType="num">
-                                      <p:cBhvr additive="base">
-                                        <p:cTn id="51" dur="500" fill="hold"/>
-                                        <p:tgtEl>
-                                          <p:spTgt spid="3075">
-                                            <p:txEl>
-                                              <p:pRg st="11" end="11"/>
-                                            </p:txEl>
-                                          </p:spTgt>
-                                        </p:tgtEl>
-                                        <p:attrNameLst>
-                                          <p:attrName>ppt_x</p:attrName>
-                                        </p:attrNameLst>
-                                      </p:cBhvr>
-                                      <p:tavLst>
-                                        <p:tav tm="0">
-                                          <p:val>
-                                            <p:strVal val="#ppt_x"/>
-                                          </p:val>
-                                        </p:tav>
-                                        <p:tav tm="100000">
-                                          <p:val>
-                                            <p:strVal val="#ppt_x"/>
-                                          </p:val>
-                                        </p:tav>
-                                      </p:tavLst>
-                                    </p:anim>
-                                    <p:anim calcmode="lin" valueType="num">
-                                      <p:cBhvr additive="base">
-                                        <p:cTn id="52" dur="500" fill="hold"/>
-                                        <p:tgtEl>
-                                          <p:spTgt spid="3075">
-                                            <p:txEl>
-                                              <p:pRg st="11" end="11"/>
+                                              <p:pRg st="7" end="7"/>
                                             </p:txEl>
                                           </p:spTgt>
                                         </p:tgtEl>
@@ -11895,7 +11251,7 @@
             <a:pPr eaLnBrk="1" hangingPunct="1"/>
             <a:r>
               <a:rPr lang="en-US" dirty="0" smtClean="0"/>
-              <a:t>Acceptable Comments</a:t>
+              <a:t>Unacceptable Comments</a:t>
             </a:r>
           </a:p>
         </p:txBody>
@@ -11925,82 +11281,107 @@
             </a:pPr>
             <a:r>
               <a:rPr lang="en-US" sz="2000" dirty="0" smtClean="0"/>
-              <a:t>Acceptable Comments</a:t>
-            </a:r>
-          </a:p>
-          <a:p>
-            <a:pPr marL="857250" lvl="1" indent="-457200">
-              <a:buAutoNum type="arabicPeriod"/>
+              <a:t>1.	Mumbling</a:t>
+            </a:r>
+          </a:p>
+          <a:p>
+            <a:pPr marL="457200" indent="-457200">
+              <a:buAutoNum type="arabicPeriod" startAt="2"/>
             </a:pPr>
             <a:r>
               <a:rPr lang="en-US" sz="2000" dirty="0" smtClean="0"/>
-              <a:t>Legal Comments – Copyright, etc</a:t>
-            </a:r>
-          </a:p>
-          <a:p>
-            <a:pPr marL="857250" lvl="1" indent="-457200">
-              <a:buAutoNum type="arabicPeriod"/>
+              <a:t>Redundant</a:t>
+            </a:r>
+          </a:p>
+          <a:p>
+            <a:pPr marL="457200" indent="-457200">
+              <a:buAutoNum type="arabicPeriod" startAt="2"/>
             </a:pPr>
             <a:r>
               <a:rPr lang="en-US" sz="2000" dirty="0" smtClean="0"/>
-              <a:t>Informative Comments</a:t>
-            </a:r>
-          </a:p>
-          <a:p>
-            <a:pPr marL="857250" lvl="1" indent="-457200">
-              <a:buAutoNum type="arabicPeriod"/>
+              <a:t>Misleading Comments</a:t>
+            </a:r>
+          </a:p>
+          <a:p>
+            <a:pPr marL="457200" indent="-457200">
+              <a:buAutoNum type="arabicPeriod" startAt="2"/>
             </a:pPr>
             <a:r>
               <a:rPr lang="en-US" sz="2000" dirty="0" smtClean="0"/>
-              <a:t>Explanation of intent</a:t>
-            </a:r>
-          </a:p>
-          <a:p>
-            <a:pPr marL="857250" lvl="1" indent="-457200">
-              <a:buAutoNum type="arabicPeriod"/>
+              <a:t>Mandated Comments</a:t>
+            </a:r>
+          </a:p>
+          <a:p>
+            <a:pPr marL="457200" indent="-457200">
+              <a:buAutoNum type="arabicPeriod" startAt="2"/>
             </a:pPr>
             <a:r>
               <a:rPr lang="en-US" sz="2000" dirty="0" smtClean="0"/>
-              <a:t>Warning of consequences</a:t>
-            </a:r>
-          </a:p>
-          <a:p>
-            <a:pPr marL="857250" lvl="1" indent="-457200">
-              <a:buAutoNum type="arabicPeriod"/>
+              <a:t>Journal Comments – Not necessary with source control systems**</a:t>
+            </a:r>
+          </a:p>
+          <a:p>
+            <a:pPr marL="457200" indent="-457200">
+              <a:buAutoNum type="arabicPeriod" startAt="2"/>
             </a:pPr>
             <a:r>
               <a:rPr lang="en-US" sz="2000" dirty="0" smtClean="0"/>
-              <a:t>TODO</a:t>
-            </a:r>
-          </a:p>
-          <a:p>
-            <a:pPr marL="857250" lvl="1" indent="-457200">
-              <a:buAutoNum type="arabicPeriod"/>
+              <a:t>Noise Comments</a:t>
+            </a:r>
+          </a:p>
+          <a:p>
+            <a:pPr marL="457200" indent="-457200">
+              <a:buAutoNum type="arabicPeriod" startAt="2"/>
             </a:pPr>
             <a:r>
               <a:rPr lang="en-US" sz="2000" dirty="0" smtClean="0"/>
-              <a:t>Amplification</a:t>
-            </a:r>
-          </a:p>
-          <a:p>
-            <a:pPr marL="857250" lvl="1" indent="-457200">
-              <a:buAutoNum type="arabicPeriod"/>
+              <a:t>Position Markers</a:t>
+            </a:r>
+          </a:p>
+          <a:p>
+            <a:pPr marL="457200" indent="-457200">
+              <a:buAutoNum type="arabicPeriod" startAt="2"/>
             </a:pPr>
             <a:r>
               <a:rPr lang="en-US" sz="2000" dirty="0" smtClean="0"/>
-              <a:t>Self Documentation – </a:t>
-            </a:r>
-            <a:r>
-              <a:rPr lang="en-US" sz="2000" dirty="0" err="1" smtClean="0"/>
-              <a:t>Javadocs</a:t>
-            </a:r>
-            <a:endParaRPr lang="en-US" sz="2000" dirty="0" smtClean="0"/>
-          </a:p>
-          <a:p>
-            <a:pPr marL="857250" lvl="1" indent="-457200">
-              <a:buNone/>
+              <a:t>Closing Brace Comments – Shorter Functions Instead</a:t>
+            </a:r>
+          </a:p>
+          <a:p>
+            <a:pPr marL="457200" indent="-457200">
+              <a:buAutoNum type="arabicPeriod" startAt="2"/>
             </a:pPr>
-            <a:endParaRPr lang="en-US" sz="2000" dirty="0" smtClean="0"/>
+            <a:r>
+              <a:rPr lang="en-US" sz="2000" dirty="0" smtClean="0"/>
+              <a:t>Attributions by line – Use Source Control</a:t>
+            </a:r>
+          </a:p>
+          <a:p>
+            <a:pPr marL="457200" indent="-457200">
+              <a:buAutoNum type="arabicPeriod" startAt="2"/>
+            </a:pPr>
+            <a:r>
+              <a:rPr lang="en-US" sz="2000" dirty="0" smtClean="0"/>
+              <a:t>Commented out code</a:t>
+            </a:r>
+          </a:p>
+          <a:p>
+            <a:pPr marL="457200" indent="-457200">
+              <a:buAutoNum type="arabicPeriod" startAt="2"/>
+            </a:pPr>
+            <a:r>
+              <a:rPr lang="en-US" sz="2000" dirty="0" smtClean="0"/>
+              <a:t>Too Much Information</a:t>
+            </a:r>
+          </a:p>
+          <a:p>
+            <a:pPr marL="457200" indent="-457200">
+              <a:buAutoNum type="arabicPeriod" startAt="2"/>
+            </a:pPr>
+            <a:r>
+              <a:rPr lang="en-US" sz="2000" dirty="0" smtClean="0"/>
+              <a:t>…</a:t>
+            </a:r>
           </a:p>
           <a:p>
             <a:pPr marL="457200" indent="-457200">
@@ -12105,7 +11486,7 @@
                                         <p:tgtEl>
                                           <p:spTgt spid="3075">
                                             <p:txEl>
-                                              <p:pRg st="1" end="1"/>
+                                              <p:pRg st="0" end="0"/>
                                             </p:txEl>
                                           </p:spTgt>
                                         </p:tgtEl>
@@ -12123,7 +11504,7 @@
                                         <p:tgtEl>
                                           <p:spTgt spid="3075">
                                             <p:txEl>
-                                              <p:pRg st="1" end="1"/>
+                                              <p:pRg st="0" end="0"/>
                                             </p:txEl>
                                           </p:spTgt>
                                         </p:tgtEl>
@@ -12150,7 +11531,7 @@
                                         <p:tgtEl>
                                           <p:spTgt spid="3075">
                                             <p:txEl>
-                                              <p:pRg st="1" end="1"/>
+                                              <p:pRg st="0" end="0"/>
                                             </p:txEl>
                                           </p:spTgt>
                                         </p:tgtEl>
@@ -12208,7 +11589,7 @@
                                         <p:tgtEl>
                                           <p:spTgt spid="3075">
                                             <p:txEl>
-                                              <p:pRg st="2" end="2"/>
+                                              <p:pRg st="1" end="1"/>
                                             </p:txEl>
                                           </p:spTgt>
                                         </p:tgtEl>
@@ -12226,7 +11607,7 @@
                                         <p:tgtEl>
                                           <p:spTgt spid="3075">
                                             <p:txEl>
-                                              <p:pRg st="2" end="2"/>
+                                              <p:pRg st="1" end="1"/>
                                             </p:txEl>
                                           </p:spTgt>
                                         </p:tgtEl>
@@ -12253,7 +11634,7 @@
                                         <p:tgtEl>
                                           <p:spTgt spid="3075">
                                             <p:txEl>
-                                              <p:pRg st="2" end="2"/>
+                                              <p:pRg st="1" end="1"/>
                                             </p:txEl>
                                           </p:spTgt>
                                         </p:tgtEl>
@@ -12311,7 +11692,7 @@
                                         <p:tgtEl>
                                           <p:spTgt spid="3075">
                                             <p:txEl>
-                                              <p:pRg st="3" end="3"/>
+                                              <p:pRg st="2" end="2"/>
                                             </p:txEl>
                                           </p:spTgt>
                                         </p:tgtEl>
@@ -12329,7 +11710,7 @@
                                         <p:tgtEl>
                                           <p:spTgt spid="3075">
                                             <p:txEl>
-                                              <p:pRg st="3" end="3"/>
+                                              <p:pRg st="2" end="2"/>
                                             </p:txEl>
                                           </p:spTgt>
                                         </p:tgtEl>
@@ -12356,7 +11737,7 @@
                                         <p:tgtEl>
                                           <p:spTgt spid="3075">
                                             <p:txEl>
-                                              <p:pRg st="3" end="3"/>
+                                              <p:pRg st="2" end="2"/>
                                             </p:txEl>
                                           </p:spTgt>
                                         </p:tgtEl>
@@ -12414,7 +11795,7 @@
                                         <p:tgtEl>
                                           <p:spTgt spid="3075">
                                             <p:txEl>
-                                              <p:pRg st="4" end="4"/>
+                                              <p:pRg st="3" end="3"/>
                                             </p:txEl>
                                           </p:spTgt>
                                         </p:tgtEl>
@@ -12432,7 +11813,7 @@
                                         <p:tgtEl>
                                           <p:spTgt spid="3075">
                                             <p:txEl>
-                                              <p:pRg st="4" end="4"/>
+                                              <p:pRg st="3" end="3"/>
                                             </p:txEl>
                                           </p:spTgt>
                                         </p:tgtEl>
@@ -12459,7 +11840,7 @@
                                         <p:tgtEl>
                                           <p:spTgt spid="3075">
                                             <p:txEl>
-                                              <p:pRg st="4" end="4"/>
+                                              <p:pRg st="3" end="3"/>
                                             </p:txEl>
                                           </p:spTgt>
                                         </p:tgtEl>
@@ -12517,7 +11898,7 @@
                                         <p:tgtEl>
                                           <p:spTgt spid="3075">
                                             <p:txEl>
-                                              <p:pRg st="5" end="5"/>
+                                              <p:pRg st="4" end="4"/>
                                             </p:txEl>
                                           </p:spTgt>
                                         </p:tgtEl>
@@ -12535,7 +11916,7 @@
                                         <p:tgtEl>
                                           <p:spTgt spid="3075">
                                             <p:txEl>
-                                              <p:pRg st="5" end="5"/>
+                                              <p:pRg st="4" end="4"/>
                                             </p:txEl>
                                           </p:spTgt>
                                         </p:tgtEl>
@@ -12562,7 +11943,7 @@
                                         <p:tgtEl>
                                           <p:spTgt spid="3075">
                                             <p:txEl>
-                                              <p:pRg st="5" end="5"/>
+                                              <p:pRg st="4" end="4"/>
                                             </p:txEl>
                                           </p:spTgt>
                                         </p:tgtEl>
@@ -12620,7 +12001,7 @@
                                         <p:tgtEl>
                                           <p:spTgt spid="3075">
                                             <p:txEl>
-                                              <p:pRg st="6" end="6"/>
+                                              <p:pRg st="4" end="4"/>
                                             </p:txEl>
                                           </p:spTgt>
                                         </p:tgtEl>
@@ -12638,7 +12019,7 @@
                                         <p:tgtEl>
                                           <p:spTgt spid="3075">
                                             <p:txEl>
-                                              <p:pRg st="6" end="6"/>
+                                              <p:pRg st="4" end="4"/>
                                             </p:txEl>
                                           </p:spTgt>
                                         </p:tgtEl>
@@ -12665,7 +12046,7 @@
                                         <p:tgtEl>
                                           <p:spTgt spid="3075">
                                             <p:txEl>
-                                              <p:pRg st="6" end="6"/>
+                                              <p:pRg st="4" end="4"/>
                                             </p:txEl>
                                           </p:spTgt>
                                         </p:tgtEl>
@@ -12723,7 +12104,7 @@
                                         <p:tgtEl>
                                           <p:spTgt spid="3075">
                                             <p:txEl>
-                                              <p:pRg st="7" end="7"/>
+                                              <p:pRg st="5" end="5"/>
                                             </p:txEl>
                                           </p:spTgt>
                                         </p:tgtEl>
@@ -12741,7 +12122,7 @@
                                         <p:tgtEl>
                                           <p:spTgt spid="3075">
                                             <p:txEl>
-                                              <p:pRg st="7" end="7"/>
+                                              <p:pRg st="5" end="5"/>
                                             </p:txEl>
                                           </p:spTgt>
                                         </p:tgtEl>
@@ -12768,7 +12149,625 @@
                                         <p:tgtEl>
                                           <p:spTgt spid="3075">
                                             <p:txEl>
+                                              <p:pRg st="5" end="5"/>
+                                            </p:txEl>
+                                          </p:spTgt>
+                                        </p:tgtEl>
+                                        <p:attrNameLst>
+                                          <p:attrName>ppt_y</p:attrName>
+                                        </p:attrNameLst>
+                                      </p:cBhvr>
+                                      <p:tavLst>
+                                        <p:tav tm="0">
+                                          <p:val>
+                                            <p:strVal val="1+#ppt_h/2"/>
+                                          </p:val>
+                                        </p:tav>
+                                        <p:tav tm="100000">
+                                          <p:val>
+                                            <p:strVal val="#ppt_y"/>
+                                          </p:val>
+                                        </p:tav>
+                                      </p:tavLst>
+                                    </p:anim>
+                                  </p:childTnLst>
+                                </p:cTn>
+                              </p:par>
+                            </p:childTnLst>
+                          </p:cTn>
+                        </p:par>
+                      </p:childTnLst>
+                    </p:cTn>
+                  </p:par>
+                  <p:par>
+                    <p:cTn id="45" fill="hold">
+                      <p:stCondLst>
+                        <p:cond delay="indefinite"/>
+                      </p:stCondLst>
+                      <p:childTnLst>
+                        <p:par>
+                          <p:cTn id="46" fill="hold">
+                            <p:stCondLst>
+                              <p:cond delay="0"/>
+                            </p:stCondLst>
+                            <p:childTnLst>
+                              <p:par>
+                                <p:cTn id="47" presetID="2" presetClass="entr" presetSubtype="4" fill="hold" nodeType="clickEffect">
+                                  <p:stCondLst>
+                                    <p:cond delay="0"/>
+                                  </p:stCondLst>
+                                  <p:childTnLst>
+                                    <p:set>
+                                      <p:cBhvr>
+                                        <p:cTn id="48" dur="1" fill="hold">
+                                          <p:stCondLst>
+                                            <p:cond delay="0"/>
+                                          </p:stCondLst>
+                                        </p:cTn>
+                                        <p:tgtEl>
+                                          <p:spTgt spid="3075">
+                                            <p:txEl>
+                                              <p:pRg st="6" end="6"/>
+                                            </p:txEl>
+                                          </p:spTgt>
+                                        </p:tgtEl>
+                                        <p:attrNameLst>
+                                          <p:attrName>style.visibility</p:attrName>
+                                        </p:attrNameLst>
+                                      </p:cBhvr>
+                                      <p:to>
+                                        <p:strVal val="visible"/>
+                                      </p:to>
+                                    </p:set>
+                                    <p:anim calcmode="lin" valueType="num">
+                                      <p:cBhvr additive="base">
+                                        <p:cTn id="49" dur="500" fill="hold"/>
+                                        <p:tgtEl>
+                                          <p:spTgt spid="3075">
+                                            <p:txEl>
+                                              <p:pRg st="6" end="6"/>
+                                            </p:txEl>
+                                          </p:spTgt>
+                                        </p:tgtEl>
+                                        <p:attrNameLst>
+                                          <p:attrName>ppt_x</p:attrName>
+                                        </p:attrNameLst>
+                                      </p:cBhvr>
+                                      <p:tavLst>
+                                        <p:tav tm="0">
+                                          <p:val>
+                                            <p:strVal val="#ppt_x"/>
+                                          </p:val>
+                                        </p:tav>
+                                        <p:tav tm="100000">
+                                          <p:val>
+                                            <p:strVal val="#ppt_x"/>
+                                          </p:val>
+                                        </p:tav>
+                                      </p:tavLst>
+                                    </p:anim>
+                                    <p:anim calcmode="lin" valueType="num">
+                                      <p:cBhvr additive="base">
+                                        <p:cTn id="50" dur="500" fill="hold"/>
+                                        <p:tgtEl>
+                                          <p:spTgt spid="3075">
+                                            <p:txEl>
+                                              <p:pRg st="6" end="6"/>
+                                            </p:txEl>
+                                          </p:spTgt>
+                                        </p:tgtEl>
+                                        <p:attrNameLst>
+                                          <p:attrName>ppt_y</p:attrName>
+                                        </p:attrNameLst>
+                                      </p:cBhvr>
+                                      <p:tavLst>
+                                        <p:tav tm="0">
+                                          <p:val>
+                                            <p:strVal val="1+#ppt_h/2"/>
+                                          </p:val>
+                                        </p:tav>
+                                        <p:tav tm="100000">
+                                          <p:val>
+                                            <p:strVal val="#ppt_y"/>
+                                          </p:val>
+                                        </p:tav>
+                                      </p:tavLst>
+                                    </p:anim>
+                                  </p:childTnLst>
+                                </p:cTn>
+                              </p:par>
+                            </p:childTnLst>
+                          </p:cTn>
+                        </p:par>
+                      </p:childTnLst>
+                    </p:cTn>
+                  </p:par>
+                  <p:par>
+                    <p:cTn id="51" fill="hold">
+                      <p:stCondLst>
+                        <p:cond delay="indefinite"/>
+                      </p:stCondLst>
+                      <p:childTnLst>
+                        <p:par>
+                          <p:cTn id="52" fill="hold">
+                            <p:stCondLst>
+                              <p:cond delay="0"/>
+                            </p:stCondLst>
+                            <p:childTnLst>
+                              <p:par>
+                                <p:cTn id="53" presetID="2" presetClass="entr" presetSubtype="4" fill="hold" nodeType="clickEffect">
+                                  <p:stCondLst>
+                                    <p:cond delay="0"/>
+                                  </p:stCondLst>
+                                  <p:childTnLst>
+                                    <p:set>
+                                      <p:cBhvr>
+                                        <p:cTn id="54" dur="1" fill="hold">
+                                          <p:stCondLst>
+                                            <p:cond delay="0"/>
+                                          </p:stCondLst>
+                                        </p:cTn>
+                                        <p:tgtEl>
+                                          <p:spTgt spid="3075">
+                                            <p:txEl>
                                               <p:pRg st="7" end="7"/>
+                                            </p:txEl>
+                                          </p:spTgt>
+                                        </p:tgtEl>
+                                        <p:attrNameLst>
+                                          <p:attrName>style.visibility</p:attrName>
+                                        </p:attrNameLst>
+                                      </p:cBhvr>
+                                      <p:to>
+                                        <p:strVal val="visible"/>
+                                      </p:to>
+                                    </p:set>
+                                    <p:anim calcmode="lin" valueType="num">
+                                      <p:cBhvr additive="base">
+                                        <p:cTn id="55" dur="500" fill="hold"/>
+                                        <p:tgtEl>
+                                          <p:spTgt spid="3075">
+                                            <p:txEl>
+                                              <p:pRg st="7" end="7"/>
+                                            </p:txEl>
+                                          </p:spTgt>
+                                        </p:tgtEl>
+                                        <p:attrNameLst>
+                                          <p:attrName>ppt_x</p:attrName>
+                                        </p:attrNameLst>
+                                      </p:cBhvr>
+                                      <p:tavLst>
+                                        <p:tav tm="0">
+                                          <p:val>
+                                            <p:strVal val="#ppt_x"/>
+                                          </p:val>
+                                        </p:tav>
+                                        <p:tav tm="100000">
+                                          <p:val>
+                                            <p:strVal val="#ppt_x"/>
+                                          </p:val>
+                                        </p:tav>
+                                      </p:tavLst>
+                                    </p:anim>
+                                    <p:anim calcmode="lin" valueType="num">
+                                      <p:cBhvr additive="base">
+                                        <p:cTn id="56" dur="500" fill="hold"/>
+                                        <p:tgtEl>
+                                          <p:spTgt spid="3075">
+                                            <p:txEl>
+                                              <p:pRg st="7" end="7"/>
+                                            </p:txEl>
+                                          </p:spTgt>
+                                        </p:tgtEl>
+                                        <p:attrNameLst>
+                                          <p:attrName>ppt_y</p:attrName>
+                                        </p:attrNameLst>
+                                      </p:cBhvr>
+                                      <p:tavLst>
+                                        <p:tav tm="0">
+                                          <p:val>
+                                            <p:strVal val="1+#ppt_h/2"/>
+                                          </p:val>
+                                        </p:tav>
+                                        <p:tav tm="100000">
+                                          <p:val>
+                                            <p:strVal val="#ppt_y"/>
+                                          </p:val>
+                                        </p:tav>
+                                      </p:tavLst>
+                                    </p:anim>
+                                  </p:childTnLst>
+                                </p:cTn>
+                              </p:par>
+                            </p:childTnLst>
+                          </p:cTn>
+                        </p:par>
+                      </p:childTnLst>
+                    </p:cTn>
+                  </p:par>
+                  <p:par>
+                    <p:cTn id="57" fill="hold">
+                      <p:stCondLst>
+                        <p:cond delay="indefinite"/>
+                      </p:stCondLst>
+                      <p:childTnLst>
+                        <p:par>
+                          <p:cTn id="58" fill="hold">
+                            <p:stCondLst>
+                              <p:cond delay="0"/>
+                            </p:stCondLst>
+                            <p:childTnLst>
+                              <p:par>
+                                <p:cTn id="59" presetID="2" presetClass="entr" presetSubtype="4" fill="hold" nodeType="clickEffect">
+                                  <p:stCondLst>
+                                    <p:cond delay="0"/>
+                                  </p:stCondLst>
+                                  <p:childTnLst>
+                                    <p:set>
+                                      <p:cBhvr>
+                                        <p:cTn id="60" dur="1" fill="hold">
+                                          <p:stCondLst>
+                                            <p:cond delay="0"/>
+                                          </p:stCondLst>
+                                        </p:cTn>
+                                        <p:tgtEl>
+                                          <p:spTgt spid="3075">
+                                            <p:txEl>
+                                              <p:pRg st="8" end="8"/>
+                                            </p:txEl>
+                                          </p:spTgt>
+                                        </p:tgtEl>
+                                        <p:attrNameLst>
+                                          <p:attrName>style.visibility</p:attrName>
+                                        </p:attrNameLst>
+                                      </p:cBhvr>
+                                      <p:to>
+                                        <p:strVal val="visible"/>
+                                      </p:to>
+                                    </p:set>
+                                    <p:anim calcmode="lin" valueType="num">
+                                      <p:cBhvr additive="base">
+                                        <p:cTn id="61" dur="500" fill="hold"/>
+                                        <p:tgtEl>
+                                          <p:spTgt spid="3075">
+                                            <p:txEl>
+                                              <p:pRg st="8" end="8"/>
+                                            </p:txEl>
+                                          </p:spTgt>
+                                        </p:tgtEl>
+                                        <p:attrNameLst>
+                                          <p:attrName>ppt_x</p:attrName>
+                                        </p:attrNameLst>
+                                      </p:cBhvr>
+                                      <p:tavLst>
+                                        <p:tav tm="0">
+                                          <p:val>
+                                            <p:strVal val="#ppt_x"/>
+                                          </p:val>
+                                        </p:tav>
+                                        <p:tav tm="100000">
+                                          <p:val>
+                                            <p:strVal val="#ppt_x"/>
+                                          </p:val>
+                                        </p:tav>
+                                      </p:tavLst>
+                                    </p:anim>
+                                    <p:anim calcmode="lin" valueType="num">
+                                      <p:cBhvr additive="base">
+                                        <p:cTn id="62" dur="500" fill="hold"/>
+                                        <p:tgtEl>
+                                          <p:spTgt spid="3075">
+                                            <p:txEl>
+                                              <p:pRg st="8" end="8"/>
+                                            </p:txEl>
+                                          </p:spTgt>
+                                        </p:tgtEl>
+                                        <p:attrNameLst>
+                                          <p:attrName>ppt_y</p:attrName>
+                                        </p:attrNameLst>
+                                      </p:cBhvr>
+                                      <p:tavLst>
+                                        <p:tav tm="0">
+                                          <p:val>
+                                            <p:strVal val="1+#ppt_h/2"/>
+                                          </p:val>
+                                        </p:tav>
+                                        <p:tav tm="100000">
+                                          <p:val>
+                                            <p:strVal val="#ppt_y"/>
+                                          </p:val>
+                                        </p:tav>
+                                      </p:tavLst>
+                                    </p:anim>
+                                  </p:childTnLst>
+                                </p:cTn>
+                              </p:par>
+                            </p:childTnLst>
+                          </p:cTn>
+                        </p:par>
+                      </p:childTnLst>
+                    </p:cTn>
+                  </p:par>
+                  <p:par>
+                    <p:cTn id="63" fill="hold">
+                      <p:stCondLst>
+                        <p:cond delay="indefinite"/>
+                      </p:stCondLst>
+                      <p:childTnLst>
+                        <p:par>
+                          <p:cTn id="64" fill="hold">
+                            <p:stCondLst>
+                              <p:cond delay="0"/>
+                            </p:stCondLst>
+                            <p:childTnLst>
+                              <p:par>
+                                <p:cTn id="65" presetID="2" presetClass="entr" presetSubtype="4" fill="hold" nodeType="clickEffect">
+                                  <p:stCondLst>
+                                    <p:cond delay="0"/>
+                                  </p:stCondLst>
+                                  <p:childTnLst>
+                                    <p:set>
+                                      <p:cBhvr>
+                                        <p:cTn id="66" dur="1" fill="hold">
+                                          <p:stCondLst>
+                                            <p:cond delay="0"/>
+                                          </p:stCondLst>
+                                        </p:cTn>
+                                        <p:tgtEl>
+                                          <p:spTgt spid="3075">
+                                            <p:txEl>
+                                              <p:pRg st="9" end="9"/>
+                                            </p:txEl>
+                                          </p:spTgt>
+                                        </p:tgtEl>
+                                        <p:attrNameLst>
+                                          <p:attrName>style.visibility</p:attrName>
+                                        </p:attrNameLst>
+                                      </p:cBhvr>
+                                      <p:to>
+                                        <p:strVal val="visible"/>
+                                      </p:to>
+                                    </p:set>
+                                    <p:anim calcmode="lin" valueType="num">
+                                      <p:cBhvr additive="base">
+                                        <p:cTn id="67" dur="500" fill="hold"/>
+                                        <p:tgtEl>
+                                          <p:spTgt spid="3075">
+                                            <p:txEl>
+                                              <p:pRg st="9" end="9"/>
+                                            </p:txEl>
+                                          </p:spTgt>
+                                        </p:tgtEl>
+                                        <p:attrNameLst>
+                                          <p:attrName>ppt_x</p:attrName>
+                                        </p:attrNameLst>
+                                      </p:cBhvr>
+                                      <p:tavLst>
+                                        <p:tav tm="0">
+                                          <p:val>
+                                            <p:strVal val="#ppt_x"/>
+                                          </p:val>
+                                        </p:tav>
+                                        <p:tav tm="100000">
+                                          <p:val>
+                                            <p:strVal val="#ppt_x"/>
+                                          </p:val>
+                                        </p:tav>
+                                      </p:tavLst>
+                                    </p:anim>
+                                    <p:anim calcmode="lin" valueType="num">
+                                      <p:cBhvr additive="base">
+                                        <p:cTn id="68" dur="500" fill="hold"/>
+                                        <p:tgtEl>
+                                          <p:spTgt spid="3075">
+                                            <p:txEl>
+                                              <p:pRg st="9" end="9"/>
+                                            </p:txEl>
+                                          </p:spTgt>
+                                        </p:tgtEl>
+                                        <p:attrNameLst>
+                                          <p:attrName>ppt_y</p:attrName>
+                                        </p:attrNameLst>
+                                      </p:cBhvr>
+                                      <p:tavLst>
+                                        <p:tav tm="0">
+                                          <p:val>
+                                            <p:strVal val="1+#ppt_h/2"/>
+                                          </p:val>
+                                        </p:tav>
+                                        <p:tav tm="100000">
+                                          <p:val>
+                                            <p:strVal val="#ppt_y"/>
+                                          </p:val>
+                                        </p:tav>
+                                      </p:tavLst>
+                                    </p:anim>
+                                  </p:childTnLst>
+                                </p:cTn>
+                              </p:par>
+                            </p:childTnLst>
+                          </p:cTn>
+                        </p:par>
+                      </p:childTnLst>
+                    </p:cTn>
+                  </p:par>
+                  <p:par>
+                    <p:cTn id="69" fill="hold">
+                      <p:stCondLst>
+                        <p:cond delay="indefinite"/>
+                      </p:stCondLst>
+                      <p:childTnLst>
+                        <p:par>
+                          <p:cTn id="70" fill="hold">
+                            <p:stCondLst>
+                              <p:cond delay="0"/>
+                            </p:stCondLst>
+                            <p:childTnLst>
+                              <p:par>
+                                <p:cTn id="71" presetID="2" presetClass="entr" presetSubtype="4" fill="hold" nodeType="clickEffect">
+                                  <p:stCondLst>
+                                    <p:cond delay="0"/>
+                                  </p:stCondLst>
+                                  <p:childTnLst>
+                                    <p:set>
+                                      <p:cBhvr>
+                                        <p:cTn id="72" dur="1" fill="hold">
+                                          <p:stCondLst>
+                                            <p:cond delay="0"/>
+                                          </p:stCondLst>
+                                        </p:cTn>
+                                        <p:tgtEl>
+                                          <p:spTgt spid="3075">
+                                            <p:txEl>
+                                              <p:pRg st="10" end="10"/>
+                                            </p:txEl>
+                                          </p:spTgt>
+                                        </p:tgtEl>
+                                        <p:attrNameLst>
+                                          <p:attrName>style.visibility</p:attrName>
+                                        </p:attrNameLst>
+                                      </p:cBhvr>
+                                      <p:to>
+                                        <p:strVal val="visible"/>
+                                      </p:to>
+                                    </p:set>
+                                    <p:anim calcmode="lin" valueType="num">
+                                      <p:cBhvr additive="base">
+                                        <p:cTn id="73" dur="500" fill="hold"/>
+                                        <p:tgtEl>
+                                          <p:spTgt spid="3075">
+                                            <p:txEl>
+                                              <p:pRg st="10" end="10"/>
+                                            </p:txEl>
+                                          </p:spTgt>
+                                        </p:tgtEl>
+                                        <p:attrNameLst>
+                                          <p:attrName>ppt_x</p:attrName>
+                                        </p:attrNameLst>
+                                      </p:cBhvr>
+                                      <p:tavLst>
+                                        <p:tav tm="0">
+                                          <p:val>
+                                            <p:strVal val="#ppt_x"/>
+                                          </p:val>
+                                        </p:tav>
+                                        <p:tav tm="100000">
+                                          <p:val>
+                                            <p:strVal val="#ppt_x"/>
+                                          </p:val>
+                                        </p:tav>
+                                      </p:tavLst>
+                                    </p:anim>
+                                    <p:anim calcmode="lin" valueType="num">
+                                      <p:cBhvr additive="base">
+                                        <p:cTn id="74" dur="500" fill="hold"/>
+                                        <p:tgtEl>
+                                          <p:spTgt spid="3075">
+                                            <p:txEl>
+                                              <p:pRg st="10" end="10"/>
+                                            </p:txEl>
+                                          </p:spTgt>
+                                        </p:tgtEl>
+                                        <p:attrNameLst>
+                                          <p:attrName>ppt_y</p:attrName>
+                                        </p:attrNameLst>
+                                      </p:cBhvr>
+                                      <p:tavLst>
+                                        <p:tav tm="0">
+                                          <p:val>
+                                            <p:strVal val="1+#ppt_h/2"/>
+                                          </p:val>
+                                        </p:tav>
+                                        <p:tav tm="100000">
+                                          <p:val>
+                                            <p:strVal val="#ppt_y"/>
+                                          </p:val>
+                                        </p:tav>
+                                      </p:tavLst>
+                                    </p:anim>
+                                  </p:childTnLst>
+                                </p:cTn>
+                              </p:par>
+                            </p:childTnLst>
+                          </p:cTn>
+                        </p:par>
+                      </p:childTnLst>
+                    </p:cTn>
+                  </p:par>
+                  <p:par>
+                    <p:cTn id="75" fill="hold">
+                      <p:stCondLst>
+                        <p:cond delay="indefinite"/>
+                      </p:stCondLst>
+                      <p:childTnLst>
+                        <p:par>
+                          <p:cTn id="76" fill="hold">
+                            <p:stCondLst>
+                              <p:cond delay="0"/>
+                            </p:stCondLst>
+                            <p:childTnLst>
+                              <p:par>
+                                <p:cTn id="77" presetID="2" presetClass="entr" presetSubtype="4" fill="hold" nodeType="clickEffect">
+                                  <p:stCondLst>
+                                    <p:cond delay="0"/>
+                                  </p:stCondLst>
+                                  <p:childTnLst>
+                                    <p:set>
+                                      <p:cBhvr>
+                                        <p:cTn id="78" dur="1" fill="hold">
+                                          <p:stCondLst>
+                                            <p:cond delay="0"/>
+                                          </p:stCondLst>
+                                        </p:cTn>
+                                        <p:tgtEl>
+                                          <p:spTgt spid="3075">
+                                            <p:txEl>
+                                              <p:pRg st="11" end="11"/>
+                                            </p:txEl>
+                                          </p:spTgt>
+                                        </p:tgtEl>
+                                        <p:attrNameLst>
+                                          <p:attrName>style.visibility</p:attrName>
+                                        </p:attrNameLst>
+                                      </p:cBhvr>
+                                      <p:to>
+                                        <p:strVal val="visible"/>
+                                      </p:to>
+                                    </p:set>
+                                    <p:anim calcmode="lin" valueType="num">
+                                      <p:cBhvr additive="base">
+                                        <p:cTn id="79" dur="500" fill="hold"/>
+                                        <p:tgtEl>
+                                          <p:spTgt spid="3075">
+                                            <p:txEl>
+                                              <p:pRg st="11" end="11"/>
+                                            </p:txEl>
+                                          </p:spTgt>
+                                        </p:tgtEl>
+                                        <p:attrNameLst>
+                                          <p:attrName>ppt_x</p:attrName>
+                                        </p:attrNameLst>
+                                      </p:cBhvr>
+                                      <p:tavLst>
+                                        <p:tav tm="0">
+                                          <p:val>
+                                            <p:strVal val="#ppt_x"/>
+                                          </p:val>
+                                        </p:tav>
+                                        <p:tav tm="100000">
+                                          <p:val>
+                                            <p:strVal val="#ppt_x"/>
+                                          </p:val>
+                                        </p:tav>
+                                      </p:tavLst>
+                                    </p:anim>
+                                    <p:anim calcmode="lin" valueType="num">
+                                      <p:cBhvr additive="base">
+                                        <p:cTn id="80" dur="500" fill="hold"/>
+                                        <p:tgtEl>
+                                          <p:spTgt spid="3075">
+                                            <p:txEl>
+                                              <p:pRg st="11" end="11"/>
                                             </p:txEl>
                                           </p:spTgt>
                                         </p:tgtEl>
@@ -12869,8 +12868,9 @@
             <a:pPr eaLnBrk="1" hangingPunct="1"/>
             <a:r>
               <a:rPr lang="en-US" dirty="0" smtClean="0"/>
-              <a:t>Unacceptable Comments</a:t>
-            </a:r>
+              <a:t>For Further Reading	</a:t>
+            </a:r>
+            <a:endParaRPr lang="en-US" dirty="0" smtClean="0"/>
           </a:p>
         </p:txBody>
       </p:sp>
@@ -12895,115 +12895,80 @@
           <a:lstStyle/>
           <a:p>
             <a:pPr marL="457200" indent="-457200">
+              <a:buAutoNum type="arabicPeriod"/>
+            </a:pPr>
+            <a:r>
+              <a:rPr lang="en-US" sz="2000" dirty="0" smtClean="0"/>
+              <a:t>More melted ice with my beverage please!</a:t>
+            </a:r>
+          </a:p>
+          <a:p>
+            <a:pPr marL="457200" indent="-457200">
+              <a:buAutoNum type="arabicPeriod"/>
+            </a:pPr>
+            <a:r>
+              <a:rPr lang="en-US" sz="2000" dirty="0" smtClean="0"/>
+              <a:t>Formatting</a:t>
+            </a:r>
+          </a:p>
+          <a:p>
+            <a:pPr marL="457200" indent="-457200">
+              <a:buAutoNum type="arabicPeriod"/>
+            </a:pPr>
+            <a:r>
+              <a:rPr lang="en-US" sz="2000" dirty="0" err="1" smtClean="0"/>
+              <a:t>Objectst</a:t>
+            </a:r>
+            <a:r>
+              <a:rPr lang="en-US" sz="2000" dirty="0" smtClean="0"/>
+              <a:t> and Data Structures</a:t>
+            </a:r>
+          </a:p>
+          <a:p>
+            <a:pPr marL="457200" indent="-457200">
+              <a:buAutoNum type="arabicPeriod"/>
+            </a:pPr>
+            <a:r>
+              <a:rPr lang="en-US" sz="2000" dirty="0" smtClean="0"/>
+              <a:t>Error Handling</a:t>
+            </a:r>
+          </a:p>
+          <a:p>
+            <a:pPr marL="457200" indent="-457200">
+              <a:buAutoNum type="arabicPeriod"/>
+            </a:pPr>
+            <a:r>
+              <a:rPr lang="en-US" sz="2000" dirty="0" smtClean="0"/>
+              <a:t>Boundaries</a:t>
+            </a:r>
+          </a:p>
+          <a:p>
+            <a:pPr marL="457200" indent="-457200">
+              <a:buAutoNum type="arabicPeriod"/>
+            </a:pPr>
+            <a:r>
+              <a:rPr lang="en-US" sz="2000" dirty="0" smtClean="0"/>
+              <a:t>Unit Tests</a:t>
+            </a:r>
+          </a:p>
+          <a:p>
+            <a:pPr marL="457200" indent="-457200">
+              <a:buAutoNum type="arabicPeriod"/>
+            </a:pPr>
+            <a:r>
+              <a:rPr lang="en-US" sz="2000" dirty="0" smtClean="0"/>
+              <a:t>Etc…</a:t>
+            </a:r>
+          </a:p>
+          <a:p>
+            <a:pPr marL="457200" indent="-457200">
               <a:buNone/>
             </a:pPr>
-            <a:r>
-              <a:rPr lang="en-US" sz="2000" dirty="0" smtClean="0"/>
-              <a:t>1.	Mumbling</a:t>
-            </a:r>
+            <a:endParaRPr lang="en-US" sz="2000" dirty="0" smtClean="0"/>
           </a:p>
           <a:p>
             <a:pPr marL="457200" indent="-457200">
-              <a:buAutoNum type="arabicPeriod" startAt="2"/>
-            </a:pPr>
-            <a:r>
-              <a:rPr lang="en-US" sz="2000" dirty="0" smtClean="0"/>
-              <a:t>Redundant</a:t>
-            </a:r>
-          </a:p>
-          <a:p>
-            <a:pPr marL="457200" indent="-457200">
-              <a:buAutoNum type="arabicPeriod" startAt="2"/>
-            </a:pPr>
-            <a:r>
-              <a:rPr lang="en-US" sz="2000" dirty="0" smtClean="0"/>
-              <a:t>Misleading Comments</a:t>
-            </a:r>
-          </a:p>
-          <a:p>
-            <a:pPr marL="457200" indent="-457200">
-              <a:buAutoNum type="arabicPeriod" startAt="2"/>
-            </a:pPr>
-            <a:r>
-              <a:rPr lang="en-US" sz="2000" dirty="0" smtClean="0"/>
-              <a:t>Mandated Comments</a:t>
-            </a:r>
-          </a:p>
-          <a:p>
-            <a:pPr marL="457200" indent="-457200">
-              <a:buAutoNum type="arabicPeriod" startAt="2"/>
-            </a:pPr>
-            <a:r>
-              <a:rPr lang="en-US" sz="2000" dirty="0" smtClean="0"/>
-              <a:t>Journal Comments – Not necessary with source control systems**</a:t>
-            </a:r>
-          </a:p>
-          <a:p>
-            <a:pPr marL="457200" indent="-457200">
-              <a:buAutoNum type="arabicPeriod" startAt="2"/>
-            </a:pPr>
-            <a:r>
-              <a:rPr lang="en-US" sz="2000" dirty="0" smtClean="0"/>
-              <a:t>Noise Comments</a:t>
-            </a:r>
-          </a:p>
-          <a:p>
-            <a:pPr marL="457200" indent="-457200">
-              <a:buAutoNum type="arabicPeriod" startAt="2"/>
-            </a:pPr>
-            <a:r>
-              <a:rPr lang="en-US" sz="2000" dirty="0" smtClean="0"/>
-              <a:t>Position Markers</a:t>
-            </a:r>
-          </a:p>
-          <a:p>
-            <a:pPr marL="457200" indent="-457200">
-              <a:buAutoNum type="arabicPeriod" startAt="2"/>
-            </a:pPr>
-            <a:r>
-              <a:rPr lang="en-US" sz="2000" dirty="0" smtClean="0"/>
-              <a:t>Closing Brace Comments – Shorter Functions Instead</a:t>
-            </a:r>
-          </a:p>
-          <a:p>
-            <a:pPr marL="457200" indent="-457200">
-              <a:buAutoNum type="arabicPeriod" startAt="2"/>
-            </a:pPr>
-            <a:r>
-              <a:rPr lang="en-US" sz="2000" dirty="0" smtClean="0"/>
-              <a:t>Attributions by line – Use Source Control</a:t>
-            </a:r>
-          </a:p>
-          <a:p>
-            <a:pPr marL="457200" indent="-457200">
-              <a:buAutoNum type="arabicPeriod" startAt="2"/>
-            </a:pPr>
-            <a:r>
-              <a:rPr lang="en-US" sz="2000" dirty="0" smtClean="0"/>
-              <a:t>Commented out code</a:t>
-            </a:r>
-          </a:p>
-          <a:p>
-            <a:pPr marL="457200" indent="-457200">
-              <a:buAutoNum type="arabicPeriod" startAt="2"/>
-            </a:pPr>
-            <a:r>
-              <a:rPr lang="en-US" sz="2000" dirty="0" smtClean="0"/>
-              <a:t>Too Much Information</a:t>
-            </a:r>
-          </a:p>
-          <a:p>
-            <a:pPr marL="457200" indent="-457200">
-              <a:buAutoNum type="arabicPeriod" startAt="2"/>
-            </a:pPr>
-            <a:r>
-              <a:rPr lang="en-US" sz="2000" dirty="0" smtClean="0"/>
-              <a:t>…</a:t>
-            </a:r>
-          </a:p>
-          <a:p>
-            <a:pPr marL="457200" indent="-457200">
-              <a:buNone/>
+              <a:buAutoNum type="arabicPeriod"/>
             </a:pPr>
             <a:endParaRPr lang="en-US" sz="2000" dirty="0" smtClean="0"/>
           </a:p>
@@ -13619,7 +13584,7 @@
                                         <p:tgtEl>
                                           <p:spTgt spid="3075">
                                             <p:txEl>
-                                              <p:pRg st="4" end="4"/>
+                                              <p:pRg st="5" end="5"/>
                                             </p:txEl>
                                           </p:spTgt>
                                         </p:tgtEl>
@@ -13637,7 +13602,7 @@
                                         <p:tgtEl>
                                           <p:spTgt spid="3075">
                                             <p:txEl>
-                                              <p:pRg st="4" end="4"/>
+                                              <p:pRg st="5" end="5"/>
                                             </p:txEl>
                                           </p:spTgt>
                                         </p:tgtEl>
@@ -13664,7 +13629,7 @@
                                         <p:tgtEl>
                                           <p:spTgt spid="3075">
                                             <p:txEl>
-                                              <p:pRg st="4" end="4"/>
+                                              <p:pRg st="5" end="5"/>
                                             </p:txEl>
                                           </p:spTgt>
                                         </p:tgtEl>
@@ -13722,7 +13687,7 @@
                                         <p:tgtEl>
                                           <p:spTgt spid="3075">
                                             <p:txEl>
-                                              <p:pRg st="5" end="5"/>
+                                              <p:pRg st="6" end="6"/>
                                             </p:txEl>
                                           </p:spTgt>
                                         </p:tgtEl>
@@ -13740,7 +13705,7 @@
                                         <p:tgtEl>
                                           <p:spTgt spid="3075">
                                             <p:txEl>
-                                              <p:pRg st="5" end="5"/>
+                                              <p:pRg st="6" end="6"/>
                                             </p:txEl>
                                           </p:spTgt>
                                         </p:tgtEl>
@@ -13767,625 +13732,7 @@
                                         <p:tgtEl>
                                           <p:spTgt spid="3075">
                                             <p:txEl>
-                                              <p:pRg st="5" end="5"/>
-                                            </p:txEl>
-                                          </p:spTgt>
-                                        </p:tgtEl>
-                                        <p:attrNameLst>
-                                          <p:attrName>ppt_y</p:attrName>
-                                        </p:attrNameLst>
-                                      </p:cBhvr>
-                                      <p:tavLst>
-                                        <p:tav tm="0">
-                                          <p:val>
-                                            <p:strVal val="1+#ppt_h/2"/>
-                                          </p:val>
-                                        </p:tav>
-                                        <p:tav tm="100000">
-                                          <p:val>
-                                            <p:strVal val="#ppt_y"/>
-                                          </p:val>
-                                        </p:tav>
-                                      </p:tavLst>
-                                    </p:anim>
-                                  </p:childTnLst>
-                                </p:cTn>
-                              </p:par>
-                            </p:childTnLst>
-                          </p:cTn>
-                        </p:par>
-                      </p:childTnLst>
-                    </p:cTn>
-                  </p:par>
-                  <p:par>
-                    <p:cTn id="45" fill="hold">
-                      <p:stCondLst>
-                        <p:cond delay="indefinite"/>
-                      </p:stCondLst>
-                      <p:childTnLst>
-                        <p:par>
-                          <p:cTn id="46" fill="hold">
-                            <p:stCondLst>
-                              <p:cond delay="0"/>
-                            </p:stCondLst>
-                            <p:childTnLst>
-                              <p:par>
-                                <p:cTn id="47" presetID="2" presetClass="entr" presetSubtype="4" fill="hold" nodeType="clickEffect">
-                                  <p:stCondLst>
-                                    <p:cond delay="0"/>
-                                  </p:stCondLst>
-                                  <p:childTnLst>
-                                    <p:set>
-                                      <p:cBhvr>
-                                        <p:cTn id="48" dur="1" fill="hold">
-                                          <p:stCondLst>
-                                            <p:cond delay="0"/>
-                                          </p:stCondLst>
-                                        </p:cTn>
-                                        <p:tgtEl>
-                                          <p:spTgt spid="3075">
-                                            <p:txEl>
                                               <p:pRg st="6" end="6"/>
-                                            </p:txEl>
-                                          </p:spTgt>
-                                        </p:tgtEl>
-                                        <p:attrNameLst>
-                                          <p:attrName>style.visibility</p:attrName>
-                                        </p:attrNameLst>
-                                      </p:cBhvr>
-                                      <p:to>
-                                        <p:strVal val="visible"/>
-                                      </p:to>
-                                    </p:set>
-                                    <p:anim calcmode="lin" valueType="num">
-                                      <p:cBhvr additive="base">
-                                        <p:cTn id="49" dur="500" fill="hold"/>
-                                        <p:tgtEl>
-                                          <p:spTgt spid="3075">
-                                            <p:txEl>
-                                              <p:pRg st="6" end="6"/>
-                                            </p:txEl>
-                                          </p:spTgt>
-                                        </p:tgtEl>
-                                        <p:attrNameLst>
-                                          <p:attrName>ppt_x</p:attrName>
-                                        </p:attrNameLst>
-                                      </p:cBhvr>
-                                      <p:tavLst>
-                                        <p:tav tm="0">
-                                          <p:val>
-                                            <p:strVal val="#ppt_x"/>
-                                          </p:val>
-                                        </p:tav>
-                                        <p:tav tm="100000">
-                                          <p:val>
-                                            <p:strVal val="#ppt_x"/>
-                                          </p:val>
-                                        </p:tav>
-                                      </p:tavLst>
-                                    </p:anim>
-                                    <p:anim calcmode="lin" valueType="num">
-                                      <p:cBhvr additive="base">
-                                        <p:cTn id="50" dur="500" fill="hold"/>
-                                        <p:tgtEl>
-                                          <p:spTgt spid="3075">
-                                            <p:txEl>
-                                              <p:pRg st="6" end="6"/>
-                                            </p:txEl>
-                                          </p:spTgt>
-                                        </p:tgtEl>
-                                        <p:attrNameLst>
-                                          <p:attrName>ppt_y</p:attrName>
-                                        </p:attrNameLst>
-                                      </p:cBhvr>
-                                      <p:tavLst>
-                                        <p:tav tm="0">
-                                          <p:val>
-                                            <p:strVal val="1+#ppt_h/2"/>
-                                          </p:val>
-                                        </p:tav>
-                                        <p:tav tm="100000">
-                                          <p:val>
-                                            <p:strVal val="#ppt_y"/>
-                                          </p:val>
-                                        </p:tav>
-                                      </p:tavLst>
-                                    </p:anim>
-                                  </p:childTnLst>
-                                </p:cTn>
-                              </p:par>
-                            </p:childTnLst>
-                          </p:cTn>
-                        </p:par>
-                      </p:childTnLst>
-                    </p:cTn>
-                  </p:par>
-                  <p:par>
-                    <p:cTn id="51" fill="hold">
-                      <p:stCondLst>
-                        <p:cond delay="indefinite"/>
-                      </p:stCondLst>
-                      <p:childTnLst>
-                        <p:par>
-                          <p:cTn id="52" fill="hold">
-                            <p:stCondLst>
-                              <p:cond delay="0"/>
-                            </p:stCondLst>
-                            <p:childTnLst>
-                              <p:par>
-                                <p:cTn id="53" presetID="2" presetClass="entr" presetSubtype="4" fill="hold" nodeType="clickEffect">
-                                  <p:stCondLst>
-                                    <p:cond delay="0"/>
-                                  </p:stCondLst>
-                                  <p:childTnLst>
-                                    <p:set>
-                                      <p:cBhvr>
-                                        <p:cTn id="54" dur="1" fill="hold">
-                                          <p:stCondLst>
-                                            <p:cond delay="0"/>
-                                          </p:stCondLst>
-                                        </p:cTn>
-                                        <p:tgtEl>
-                                          <p:spTgt spid="3075">
-                                            <p:txEl>
-                                              <p:pRg st="7" end="7"/>
-                                            </p:txEl>
-                                          </p:spTgt>
-                                        </p:tgtEl>
-                                        <p:attrNameLst>
-                                          <p:attrName>style.visibility</p:attrName>
-                                        </p:attrNameLst>
-                                      </p:cBhvr>
-                                      <p:to>
-                                        <p:strVal val="visible"/>
-                                      </p:to>
-                                    </p:set>
-                                    <p:anim calcmode="lin" valueType="num">
-                                      <p:cBhvr additive="base">
-                                        <p:cTn id="55" dur="500" fill="hold"/>
-                                        <p:tgtEl>
-                                          <p:spTgt spid="3075">
-                                            <p:txEl>
-                                              <p:pRg st="7" end="7"/>
-                                            </p:txEl>
-                                          </p:spTgt>
-                                        </p:tgtEl>
-                                        <p:attrNameLst>
-                                          <p:attrName>ppt_x</p:attrName>
-                                        </p:attrNameLst>
-                                      </p:cBhvr>
-                                      <p:tavLst>
-                                        <p:tav tm="0">
-                                          <p:val>
-                                            <p:strVal val="#ppt_x"/>
-                                          </p:val>
-                                        </p:tav>
-                                        <p:tav tm="100000">
-                                          <p:val>
-                                            <p:strVal val="#ppt_x"/>
-                                          </p:val>
-                                        </p:tav>
-                                      </p:tavLst>
-                                    </p:anim>
-                                    <p:anim calcmode="lin" valueType="num">
-                                      <p:cBhvr additive="base">
-                                        <p:cTn id="56" dur="500" fill="hold"/>
-                                        <p:tgtEl>
-                                          <p:spTgt spid="3075">
-                                            <p:txEl>
-                                              <p:pRg st="7" end="7"/>
-                                            </p:txEl>
-                                          </p:spTgt>
-                                        </p:tgtEl>
-                                        <p:attrNameLst>
-                                          <p:attrName>ppt_y</p:attrName>
-                                        </p:attrNameLst>
-                                      </p:cBhvr>
-                                      <p:tavLst>
-                                        <p:tav tm="0">
-                                          <p:val>
-                                            <p:strVal val="1+#ppt_h/2"/>
-                                          </p:val>
-                                        </p:tav>
-                                        <p:tav tm="100000">
-                                          <p:val>
-                                            <p:strVal val="#ppt_y"/>
-                                          </p:val>
-                                        </p:tav>
-                                      </p:tavLst>
-                                    </p:anim>
-                                  </p:childTnLst>
-                                </p:cTn>
-                              </p:par>
-                            </p:childTnLst>
-                          </p:cTn>
-                        </p:par>
-                      </p:childTnLst>
-                    </p:cTn>
-                  </p:par>
-                  <p:par>
-                    <p:cTn id="57" fill="hold">
-                      <p:stCondLst>
-                        <p:cond delay="indefinite"/>
-                      </p:stCondLst>
-                      <p:childTnLst>
-                        <p:par>
-                          <p:cTn id="58" fill="hold">
-                            <p:stCondLst>
-                              <p:cond delay="0"/>
-                            </p:stCondLst>
-                            <p:childTnLst>
-                              <p:par>
-                                <p:cTn id="59" presetID="2" presetClass="entr" presetSubtype="4" fill="hold" nodeType="clickEffect">
-                                  <p:stCondLst>
-                                    <p:cond delay="0"/>
-                                  </p:stCondLst>
-                                  <p:childTnLst>
-                                    <p:set>
-                                      <p:cBhvr>
-                                        <p:cTn id="60" dur="1" fill="hold">
-                                          <p:stCondLst>
-                                            <p:cond delay="0"/>
-                                          </p:stCondLst>
-                                        </p:cTn>
-                                        <p:tgtEl>
-                                          <p:spTgt spid="3075">
-                                            <p:txEl>
-                                              <p:pRg st="8" end="8"/>
-                                            </p:txEl>
-                                          </p:spTgt>
-                                        </p:tgtEl>
-                                        <p:attrNameLst>
-                                          <p:attrName>style.visibility</p:attrName>
-                                        </p:attrNameLst>
-                                      </p:cBhvr>
-                                      <p:to>
-                                        <p:strVal val="visible"/>
-                                      </p:to>
-                                    </p:set>
-                                    <p:anim calcmode="lin" valueType="num">
-                                      <p:cBhvr additive="base">
-                                        <p:cTn id="61" dur="500" fill="hold"/>
-                                        <p:tgtEl>
-                                          <p:spTgt spid="3075">
-                                            <p:txEl>
-                                              <p:pRg st="8" end="8"/>
-                                            </p:txEl>
-                                          </p:spTgt>
-                                        </p:tgtEl>
-                                        <p:attrNameLst>
-                                          <p:attrName>ppt_x</p:attrName>
-                                        </p:attrNameLst>
-                                      </p:cBhvr>
-                                      <p:tavLst>
-                                        <p:tav tm="0">
-                                          <p:val>
-                                            <p:strVal val="#ppt_x"/>
-                                          </p:val>
-                                        </p:tav>
-                                        <p:tav tm="100000">
-                                          <p:val>
-                                            <p:strVal val="#ppt_x"/>
-                                          </p:val>
-                                        </p:tav>
-                                      </p:tavLst>
-                                    </p:anim>
-                                    <p:anim calcmode="lin" valueType="num">
-                                      <p:cBhvr additive="base">
-                                        <p:cTn id="62" dur="500" fill="hold"/>
-                                        <p:tgtEl>
-                                          <p:spTgt spid="3075">
-                                            <p:txEl>
-                                              <p:pRg st="8" end="8"/>
-                                            </p:txEl>
-                                          </p:spTgt>
-                                        </p:tgtEl>
-                                        <p:attrNameLst>
-                                          <p:attrName>ppt_y</p:attrName>
-                                        </p:attrNameLst>
-                                      </p:cBhvr>
-                                      <p:tavLst>
-                                        <p:tav tm="0">
-                                          <p:val>
-                                            <p:strVal val="1+#ppt_h/2"/>
-                                          </p:val>
-                                        </p:tav>
-                                        <p:tav tm="100000">
-                                          <p:val>
-                                            <p:strVal val="#ppt_y"/>
-                                          </p:val>
-                                        </p:tav>
-                                      </p:tavLst>
-                                    </p:anim>
-                                  </p:childTnLst>
-                                </p:cTn>
-                              </p:par>
-                            </p:childTnLst>
-                          </p:cTn>
-                        </p:par>
-                      </p:childTnLst>
-                    </p:cTn>
-                  </p:par>
-                  <p:par>
-                    <p:cTn id="63" fill="hold">
-                      <p:stCondLst>
-                        <p:cond delay="indefinite"/>
-                      </p:stCondLst>
-                      <p:childTnLst>
-                        <p:par>
-                          <p:cTn id="64" fill="hold">
-                            <p:stCondLst>
-                              <p:cond delay="0"/>
-                            </p:stCondLst>
-                            <p:childTnLst>
-                              <p:par>
-                                <p:cTn id="65" presetID="2" presetClass="entr" presetSubtype="4" fill="hold" nodeType="clickEffect">
-                                  <p:stCondLst>
-                                    <p:cond delay="0"/>
-                                  </p:stCondLst>
-                                  <p:childTnLst>
-                                    <p:set>
-                                      <p:cBhvr>
-                                        <p:cTn id="66" dur="1" fill="hold">
-                                          <p:stCondLst>
-                                            <p:cond delay="0"/>
-                                          </p:stCondLst>
-                                        </p:cTn>
-                                        <p:tgtEl>
-                                          <p:spTgt spid="3075">
-                                            <p:txEl>
-                                              <p:pRg st="9" end="9"/>
-                                            </p:txEl>
-                                          </p:spTgt>
-                                        </p:tgtEl>
-                                        <p:attrNameLst>
-                                          <p:attrName>style.visibility</p:attrName>
-                                        </p:attrNameLst>
-                                      </p:cBhvr>
-                                      <p:to>
-                                        <p:strVal val="visible"/>
-                                      </p:to>
-                                    </p:set>
-                                    <p:anim calcmode="lin" valueType="num">
-                                      <p:cBhvr additive="base">
-                                        <p:cTn id="67" dur="500" fill="hold"/>
-                                        <p:tgtEl>
-                                          <p:spTgt spid="3075">
-                                            <p:txEl>
-                                              <p:pRg st="9" end="9"/>
-                                            </p:txEl>
-                                          </p:spTgt>
-                                        </p:tgtEl>
-                                        <p:attrNameLst>
-                                          <p:attrName>ppt_x</p:attrName>
-                                        </p:attrNameLst>
-                                      </p:cBhvr>
-                                      <p:tavLst>
-                                        <p:tav tm="0">
-                                          <p:val>
-                                            <p:strVal val="#ppt_x"/>
-                                          </p:val>
-                                        </p:tav>
-                                        <p:tav tm="100000">
-                                          <p:val>
-                                            <p:strVal val="#ppt_x"/>
-                                          </p:val>
-                                        </p:tav>
-                                      </p:tavLst>
-                                    </p:anim>
-                                    <p:anim calcmode="lin" valueType="num">
-                                      <p:cBhvr additive="base">
-                                        <p:cTn id="68" dur="500" fill="hold"/>
-                                        <p:tgtEl>
-                                          <p:spTgt spid="3075">
-                                            <p:txEl>
-                                              <p:pRg st="9" end="9"/>
-                                            </p:txEl>
-                                          </p:spTgt>
-                                        </p:tgtEl>
-                                        <p:attrNameLst>
-                                          <p:attrName>ppt_y</p:attrName>
-                                        </p:attrNameLst>
-                                      </p:cBhvr>
-                                      <p:tavLst>
-                                        <p:tav tm="0">
-                                          <p:val>
-                                            <p:strVal val="1+#ppt_h/2"/>
-                                          </p:val>
-                                        </p:tav>
-                                        <p:tav tm="100000">
-                                          <p:val>
-                                            <p:strVal val="#ppt_y"/>
-                                          </p:val>
-                                        </p:tav>
-                                      </p:tavLst>
-                                    </p:anim>
-                                  </p:childTnLst>
-                                </p:cTn>
-                              </p:par>
-                            </p:childTnLst>
-                          </p:cTn>
-                        </p:par>
-                      </p:childTnLst>
-                    </p:cTn>
-                  </p:par>
-                  <p:par>
-                    <p:cTn id="69" fill="hold">
-                      <p:stCondLst>
-                        <p:cond delay="indefinite"/>
-                      </p:stCondLst>
-                      <p:childTnLst>
-                        <p:par>
-                          <p:cTn id="70" fill="hold">
-                            <p:stCondLst>
-                              <p:cond delay="0"/>
-                            </p:stCondLst>
-                            <p:childTnLst>
-                              <p:par>
-                                <p:cTn id="71" presetID="2" presetClass="entr" presetSubtype="4" fill="hold" nodeType="clickEffect">
-                                  <p:stCondLst>
-                                    <p:cond delay="0"/>
-                                  </p:stCondLst>
-                                  <p:childTnLst>
-                                    <p:set>
-                                      <p:cBhvr>
-                                        <p:cTn id="72" dur="1" fill="hold">
-                                          <p:stCondLst>
-                                            <p:cond delay="0"/>
-                                          </p:stCondLst>
-                                        </p:cTn>
-                                        <p:tgtEl>
-                                          <p:spTgt spid="3075">
-                                            <p:txEl>
-                                              <p:pRg st="10" end="10"/>
-                                            </p:txEl>
-                                          </p:spTgt>
-                                        </p:tgtEl>
-                                        <p:attrNameLst>
-                                          <p:attrName>style.visibility</p:attrName>
-                                        </p:attrNameLst>
-                                      </p:cBhvr>
-                                      <p:to>
-                                        <p:strVal val="visible"/>
-                                      </p:to>
-                                    </p:set>
-                                    <p:anim calcmode="lin" valueType="num">
-                                      <p:cBhvr additive="base">
-                                        <p:cTn id="73" dur="500" fill="hold"/>
-                                        <p:tgtEl>
-                                          <p:spTgt spid="3075">
-                                            <p:txEl>
-                                              <p:pRg st="10" end="10"/>
-                                            </p:txEl>
-                                          </p:spTgt>
-                                        </p:tgtEl>
-                                        <p:attrNameLst>
-                                          <p:attrName>ppt_x</p:attrName>
-                                        </p:attrNameLst>
-                                      </p:cBhvr>
-                                      <p:tavLst>
-                                        <p:tav tm="0">
-                                          <p:val>
-                                            <p:strVal val="#ppt_x"/>
-                                          </p:val>
-                                        </p:tav>
-                                        <p:tav tm="100000">
-                                          <p:val>
-                                            <p:strVal val="#ppt_x"/>
-                                          </p:val>
-                                        </p:tav>
-                                      </p:tavLst>
-                                    </p:anim>
-                                    <p:anim calcmode="lin" valueType="num">
-                                      <p:cBhvr additive="base">
-                                        <p:cTn id="74" dur="500" fill="hold"/>
-                                        <p:tgtEl>
-                                          <p:spTgt spid="3075">
-                                            <p:txEl>
-                                              <p:pRg st="10" end="10"/>
-                                            </p:txEl>
-                                          </p:spTgt>
-                                        </p:tgtEl>
-                                        <p:attrNameLst>
-                                          <p:attrName>ppt_y</p:attrName>
-                                        </p:attrNameLst>
-                                      </p:cBhvr>
-                                      <p:tavLst>
-                                        <p:tav tm="0">
-                                          <p:val>
-                                            <p:strVal val="1+#ppt_h/2"/>
-                                          </p:val>
-                                        </p:tav>
-                                        <p:tav tm="100000">
-                                          <p:val>
-                                            <p:strVal val="#ppt_y"/>
-                                          </p:val>
-                                        </p:tav>
-                                      </p:tavLst>
-                                    </p:anim>
-                                  </p:childTnLst>
-                                </p:cTn>
-                              </p:par>
-                            </p:childTnLst>
-                          </p:cTn>
-                        </p:par>
-                      </p:childTnLst>
-                    </p:cTn>
-                  </p:par>
-                  <p:par>
-                    <p:cTn id="75" fill="hold">
-                      <p:stCondLst>
-                        <p:cond delay="indefinite"/>
-                      </p:stCondLst>
-                      <p:childTnLst>
-                        <p:par>
-                          <p:cTn id="76" fill="hold">
-                            <p:stCondLst>
-                              <p:cond delay="0"/>
-                            </p:stCondLst>
-                            <p:childTnLst>
-                              <p:par>
-                                <p:cTn id="77" presetID="2" presetClass="entr" presetSubtype="4" fill="hold" nodeType="clickEffect">
-                                  <p:stCondLst>
-                                    <p:cond delay="0"/>
-                                  </p:stCondLst>
-                                  <p:childTnLst>
-                                    <p:set>
-                                      <p:cBhvr>
-                                        <p:cTn id="78" dur="1" fill="hold">
-                                          <p:stCondLst>
-                                            <p:cond delay="0"/>
-                                          </p:stCondLst>
-                                        </p:cTn>
-                                        <p:tgtEl>
-                                          <p:spTgt spid="3075">
-                                            <p:txEl>
-                                              <p:pRg st="11" end="11"/>
-                                            </p:txEl>
-                                          </p:spTgt>
-                                        </p:tgtEl>
-                                        <p:attrNameLst>
-                                          <p:attrName>style.visibility</p:attrName>
-                                        </p:attrNameLst>
-                                      </p:cBhvr>
-                                      <p:to>
-                                        <p:strVal val="visible"/>
-                                      </p:to>
-                                    </p:set>
-                                    <p:anim calcmode="lin" valueType="num">
-                                      <p:cBhvr additive="base">
-                                        <p:cTn id="79" dur="500" fill="hold"/>
-                                        <p:tgtEl>
-                                          <p:spTgt spid="3075">
-                                            <p:txEl>
-                                              <p:pRg st="11" end="11"/>
-                                            </p:txEl>
-                                          </p:spTgt>
-                                        </p:tgtEl>
-                                        <p:attrNameLst>
-                                          <p:attrName>ppt_x</p:attrName>
-                                        </p:attrNameLst>
-                                      </p:cBhvr>
-                                      <p:tavLst>
-                                        <p:tav tm="0">
-                                          <p:val>
-                                            <p:strVal val="#ppt_x"/>
-                                          </p:val>
-                                        </p:tav>
-                                        <p:tav tm="100000">
-                                          <p:val>
-                                            <p:strVal val="#ppt_x"/>
-                                          </p:val>
-                                        </p:tav>
-                                      </p:tavLst>
-                                    </p:anim>
-                                    <p:anim calcmode="lin" valueType="num">
-                                      <p:cBhvr additive="base">
-                                        <p:cTn id="80" dur="500" fill="hold"/>
-                                        <p:tgtEl>
-                                          <p:spTgt spid="3075">
-                                            <p:txEl>
-                                              <p:pRg st="11" end="11"/>
                                             </p:txEl>
                                           </p:spTgt>
                                         </p:tgtEl>
@@ -14486,7 +13833,7 @@
             <a:pPr eaLnBrk="1" hangingPunct="1"/>
             <a:r>
               <a:rPr lang="en-US" dirty="0" smtClean="0"/>
-              <a:t>For Further Reading	</a:t>
+              <a:t>Summary	</a:t>
             </a:r>
             <a:endParaRPr lang="en-US" dirty="0" smtClean="0"/>
           </a:p>
@@ -14517,7 +13864,7 @@
             </a:pPr>
             <a:r>
               <a:rPr lang="en-US" sz="2000" dirty="0" smtClean="0"/>
-              <a:t>More melted ice with my beverage please!</a:t>
+              <a:t>Good names are extremely important</a:t>
             </a:r>
           </a:p>
           <a:p>
@@ -14526,7 +13873,7 @@
             </a:pPr>
             <a:r>
               <a:rPr lang="en-US" sz="2000" dirty="0" smtClean="0"/>
-              <a:t>Formatting</a:t>
+              <a:t>It takes time to give your code elements but it saves much more tie </a:t>
             </a:r>
           </a:p>
           <a:p>
@@ -14534,12 +13881,8 @@
               <a:buAutoNum type="arabicPeriod"/>
             </a:pPr>
             <a:r>
-              <a:rPr lang="en-US" sz="2000" dirty="0" err="1" smtClean="0"/>
-              <a:t>Objectst</a:t>
-            </a:r>
-            <a:r>
               <a:rPr lang="en-US" sz="2000" dirty="0" smtClean="0"/>
-              <a:t> and Data Structures</a:t>
+              <a:t>Functions should be short and do one thing only and do it well</a:t>
             </a:r>
           </a:p>
           <a:p>
@@ -14548,7 +13891,7 @@
             </a:pPr>
             <a:r>
               <a:rPr lang="en-US" sz="2000" dirty="0" smtClean="0"/>
-              <a:t>Error Handling</a:t>
+              <a:t>Comments can be a smell that indicate there may be a better option</a:t>
             </a:r>
           </a:p>
           <a:p>
@@ -14557,7 +13900,7 @@
             </a:pPr>
             <a:r>
               <a:rPr lang="en-US" sz="2000" dirty="0" smtClean="0"/>
-              <a:t>Boundaries</a:t>
+              <a:t>Clean as you go</a:t>
             </a:r>
           </a:p>
           <a:p>
@@ -14566,7 +13909,7 @@
             </a:pPr>
             <a:r>
               <a:rPr lang="en-US" sz="2000" dirty="0" smtClean="0"/>
-              <a:t>Unit Tests</a:t>
+              <a:t>Remember the boy scout principle</a:t>
             </a:r>
           </a:p>
           <a:p>
@@ -14575,7 +13918,7 @@
             </a:pPr>
             <a:r>
               <a:rPr lang="en-US" sz="2000" dirty="0" smtClean="0"/>
-              <a:t>Etc…</a:t>
+              <a:t>Inspiration for writing cleaner code</a:t>
             </a:r>
           </a:p>
           <a:p>
@@ -14687,7 +14030,7 @@
                                         <p:tgtEl>
                                           <p:spTgt spid="3075">
                                             <p:txEl>
-                                              <p:pRg st="0" end="0"/>
+                                              <p:pRg st="2" end="2"/>
                                             </p:txEl>
                                           </p:spTgt>
                                         </p:tgtEl>
@@ -14705,7 +14048,7 @@
                                         <p:tgtEl>
                                           <p:spTgt spid="3075">
                                             <p:txEl>
-                                              <p:pRg st="0" end="0"/>
+                                              <p:pRg st="2" end="2"/>
                                             </p:txEl>
                                           </p:spTgt>
                                         </p:tgtEl>
@@ -14732,7 +14075,7 @@
                                         <p:tgtEl>
                                           <p:spTgt spid="3075">
                                             <p:txEl>
-                                              <p:pRg st="0" end="0"/>
+                                              <p:pRg st="2" end="2"/>
                                             </p:txEl>
                                           </p:spTgt>
                                         </p:tgtEl>
@@ -14790,7 +14133,7 @@
                                         <p:tgtEl>
                                           <p:spTgt spid="3075">
                                             <p:txEl>
-                                              <p:pRg st="1" end="1"/>
+                                              <p:pRg st="0" end="0"/>
                                             </p:txEl>
                                           </p:spTgt>
                                         </p:tgtEl>
@@ -14808,7 +14151,7 @@
                                         <p:tgtEl>
                                           <p:spTgt spid="3075">
                                             <p:txEl>
-                                              <p:pRg st="1" end="1"/>
+                                              <p:pRg st="0" end="0"/>
                                             </p:txEl>
                                           </p:spTgt>
                                         </p:tgtEl>
@@ -14835,7 +14178,7 @@
                                         <p:tgtEl>
                                           <p:spTgt spid="3075">
                                             <p:txEl>
-                                              <p:pRg st="1" end="1"/>
+                                              <p:pRg st="0" end="0"/>
                                             </p:txEl>
                                           </p:spTgt>
                                         </p:tgtEl>
@@ -14893,7 +14236,7 @@
                                         <p:tgtEl>
                                           <p:spTgt spid="3075">
                                             <p:txEl>
-                                              <p:pRg st="2" end="2"/>
+                                              <p:pRg st="1" end="1"/>
                                             </p:txEl>
                                           </p:spTgt>
                                         </p:tgtEl>
@@ -14911,7 +14254,7 @@
                                         <p:tgtEl>
                                           <p:spTgt spid="3075">
                                             <p:txEl>
-                                              <p:pRg st="2" end="2"/>
+                                              <p:pRg st="1" end="1"/>
                                             </p:txEl>
                                           </p:spTgt>
                                         </p:tgtEl>
@@ -14938,7 +14281,7 @@
                                         <p:tgtEl>
                                           <p:spTgt spid="3075">
                                             <p:txEl>
-                                              <p:pRg st="2" end="2"/>
+                                              <p:pRg st="1" end="1"/>
                                             </p:txEl>
                                           </p:spTgt>
                                         </p:tgtEl>
@@ -15406,967 +14749,6 @@
 </file>
 
 <file path=ppt/slides/slide23.xml><?xml version="1.0" encoding="utf-8"?>
-<p:sld xmlns:a="http://schemas.openxmlformats.org/drawingml/2006/main" xmlns:r="http://schemas.openxmlformats.org/officeDocument/2006/relationships" xmlns:p="http://schemas.openxmlformats.org/presentationml/2006/main">
-  <p:cSld>
-    <p:spTree>
-      <p:nvGrpSpPr>
-        <p:cNvPr id="1" name=""/>
-        <p:cNvGrpSpPr/>
-        <p:nvPr/>
-      </p:nvGrpSpPr>
-      <p:grpSpPr>
-        <a:xfrm>
-          <a:off x="0" y="0"/>
-          <a:ext cx="0" cy="0"/>
-          <a:chOff x="0" y="0"/>
-          <a:chExt cx="0" cy="0"/>
-        </a:xfrm>
-      </p:grpSpPr>
-      <p:sp>
-        <p:nvSpPr>
-          <p:cNvPr id="3074" name="Title 1"/>
-          <p:cNvSpPr>
-            <a:spLocks noGrp="1"/>
-          </p:cNvSpPr>
-          <p:nvPr>
-            <p:ph type="title"/>
-          </p:nvPr>
-        </p:nvSpPr>
-        <p:spPr bwMode="auto">
-          <a:noFill/>
-          <a:ln>
-            <a:miter lim="800000"/>
-            <a:headEnd/>
-            <a:tailEnd/>
-          </a:ln>
-        </p:spPr>
-        <p:txBody>
-          <a:bodyPr vert="horz" wrap="square" lIns="91440" tIns="45720" rIns="91440" bIns="45720" numCol="1" anchor="t" anchorCtr="0" compatLnSpc="1">
-            <a:prstTxWarp prst="textNoShape">
-              <a:avLst/>
-            </a:prstTxWarp>
-          </a:bodyPr>
-          <a:lstStyle/>
-          <a:p>
-            <a:pPr eaLnBrk="1" hangingPunct="1"/>
-            <a:r>
-              <a:rPr lang="en-US" dirty="0" smtClean="0"/>
-              <a:t>Summary	</a:t>
-            </a:r>
-            <a:endParaRPr lang="en-US" dirty="0" smtClean="0"/>
-          </a:p>
-        </p:txBody>
-      </p:sp>
-      <p:sp>
-        <p:nvSpPr>
-          <p:cNvPr id="3075" name="Text Placeholder 2"/>
-          <p:cNvSpPr>
-            <a:spLocks noGrp="1"/>
-          </p:cNvSpPr>
-          <p:nvPr>
-            <p:ph type="body" sz="quarter" idx="10"/>
-          </p:nvPr>
-        </p:nvSpPr>
-        <p:spPr>
-          <a:xfrm>
-            <a:off x="228600" y="1143000"/>
-            <a:ext cx="8686800" cy="4800600"/>
-          </a:xfrm>
-        </p:spPr>
-        <p:txBody>
-          <a:bodyPr/>
-          <a:lstStyle/>
-          <a:p>
-            <a:pPr marL="457200" indent="-457200">
-              <a:buAutoNum type="arabicPeriod"/>
-            </a:pPr>
-            <a:r>
-              <a:rPr lang="en-US" sz="2000" dirty="0" smtClean="0"/>
-              <a:t>Good names are extremely important</a:t>
-            </a:r>
-          </a:p>
-          <a:p>
-            <a:pPr marL="457200" indent="-457200">
-              <a:buAutoNum type="arabicPeriod"/>
-            </a:pPr>
-            <a:r>
-              <a:rPr lang="en-US" sz="2000" dirty="0" smtClean="0"/>
-              <a:t>It takes time to give your code elements but it saves much more tie </a:t>
-            </a:r>
-          </a:p>
-          <a:p>
-            <a:pPr marL="457200" indent="-457200">
-              <a:buAutoNum type="arabicPeriod"/>
-            </a:pPr>
-            <a:r>
-              <a:rPr lang="en-US" sz="2000" dirty="0" smtClean="0"/>
-              <a:t>Functions should be short and do one thing only and do it well</a:t>
-            </a:r>
-          </a:p>
-          <a:p>
-            <a:pPr marL="457200" indent="-457200">
-              <a:buAutoNum type="arabicPeriod"/>
-            </a:pPr>
-            <a:r>
-              <a:rPr lang="en-US" sz="2000" dirty="0" smtClean="0"/>
-              <a:t>Comments can be a smell that indicate there may be a better option</a:t>
-            </a:r>
-          </a:p>
-          <a:p>
-            <a:pPr marL="457200" indent="-457200">
-              <a:buAutoNum type="arabicPeriod"/>
-            </a:pPr>
-            <a:r>
-              <a:rPr lang="en-US" sz="2000" dirty="0" smtClean="0"/>
-              <a:t>Clean as you go</a:t>
-            </a:r>
-          </a:p>
-          <a:p>
-            <a:pPr marL="457200" indent="-457200">
-              <a:buAutoNum type="arabicPeriod"/>
-            </a:pPr>
-            <a:r>
-              <a:rPr lang="en-US" sz="2000" dirty="0" smtClean="0"/>
-              <a:t>Remember the boy scout principle</a:t>
-            </a:r>
-          </a:p>
-          <a:p>
-            <a:pPr marL="457200" indent="-457200">
-              <a:buAutoNum type="arabicPeriod"/>
-            </a:pPr>
-            <a:r>
-              <a:rPr lang="en-US" sz="2000" dirty="0" smtClean="0"/>
-              <a:t>Inspiration for writing cleaner code</a:t>
-            </a:r>
-          </a:p>
-          <a:p>
-            <a:pPr marL="457200" indent="-457200">
-              <a:buNone/>
-            </a:pPr>
-            <a:endParaRPr lang="en-US" sz="2000" dirty="0" smtClean="0"/>
-          </a:p>
-          <a:p>
-            <a:pPr marL="457200" indent="-457200">
-              <a:buAutoNum type="arabicPeriod"/>
-            </a:pPr>
-            <a:endParaRPr lang="en-US" sz="2000" dirty="0" smtClean="0"/>
-          </a:p>
-          <a:p>
-            <a:pPr marL="457200" indent="-457200">
-              <a:buNone/>
-            </a:pPr>
-            <a:endParaRPr lang="en-US" sz="2000" i="1" dirty="0" smtClean="0"/>
-          </a:p>
-        </p:txBody>
-      </p:sp>
-      <p:sp>
-        <p:nvSpPr>
-          <p:cNvPr id="5" name="Rectangle 4"/>
-          <p:cNvSpPr/>
-          <p:nvPr/>
-        </p:nvSpPr>
-        <p:spPr>
-          <a:xfrm>
-            <a:off x="2514600" y="6553200"/>
-            <a:ext cx="4114800" cy="228600"/>
-          </a:xfrm>
-          <a:prstGeom prst="rect">
-            <a:avLst/>
-          </a:prstGeom>
-          <a:solidFill>
-            <a:schemeClr val="bg1"/>
-          </a:solidFill>
-          <a:ln>
-            <a:solidFill>
-              <a:schemeClr val="bg1"/>
-            </a:solidFill>
-          </a:ln>
-        </p:spPr>
-        <p:style>
-          <a:lnRef idx="2">
-            <a:schemeClr val="accent1">
-              <a:shade val="50000"/>
-            </a:schemeClr>
-          </a:lnRef>
-          <a:fillRef idx="1">
-            <a:schemeClr val="accent1"/>
-          </a:fillRef>
-          <a:effectRef idx="0">
-            <a:schemeClr val="accent1"/>
-          </a:effectRef>
-          <a:fontRef idx="minor">
-            <a:schemeClr val="lt1"/>
-          </a:fontRef>
-        </p:style>
-        <p:txBody>
-          <a:bodyPr rtlCol="0" anchor="ctr"/>
-          <a:lstStyle/>
-          <a:p>
-            <a:pPr algn="ctr"/>
-            <a:endParaRPr lang="en-US"/>
-          </a:p>
-        </p:txBody>
-      </p:sp>
-    </p:spTree>
-  </p:cSld>
-  <p:clrMapOvr>
-    <a:masterClrMapping/>
-  </p:clrMapOvr>
-  <p:timing>
-    <p:tnLst>
-      <p:par>
-        <p:cTn id="1" dur="indefinite" restart="never" nodeType="tmRoot">
-          <p:childTnLst>
-            <p:seq concurrent="1" nextAc="seek">
-              <p:cTn id="2" dur="indefinite" nodeType="mainSeq">
-                <p:childTnLst>
-                  <p:par>
-                    <p:cTn id="3" fill="hold">
-                      <p:stCondLst>
-                        <p:cond delay="indefinite"/>
-                      </p:stCondLst>
-                      <p:childTnLst>
-                        <p:par>
-                          <p:cTn id="4" fill="hold">
-                            <p:stCondLst>
-                              <p:cond delay="0"/>
-                            </p:stCondLst>
-                            <p:childTnLst>
-                              <p:par>
-                                <p:cTn id="5" presetID="2" presetClass="entr" presetSubtype="4" fill="hold" nodeType="clickEffect">
-                                  <p:stCondLst>
-                                    <p:cond delay="0"/>
-                                  </p:stCondLst>
-                                  <p:childTnLst>
-                                    <p:set>
-                                      <p:cBhvr>
-                                        <p:cTn id="6" dur="1" fill="hold">
-                                          <p:stCondLst>
-                                            <p:cond delay="0"/>
-                                          </p:stCondLst>
-                                        </p:cTn>
-                                        <p:tgtEl>
-                                          <p:spTgt spid="3075">
-                                            <p:txEl>
-                                              <p:pRg st="2" end="2"/>
-                                            </p:txEl>
-                                          </p:spTgt>
-                                        </p:tgtEl>
-                                        <p:attrNameLst>
-                                          <p:attrName>style.visibility</p:attrName>
-                                        </p:attrNameLst>
-                                      </p:cBhvr>
-                                      <p:to>
-                                        <p:strVal val="visible"/>
-                                      </p:to>
-                                    </p:set>
-                                    <p:anim calcmode="lin" valueType="num">
-                                      <p:cBhvr additive="base">
-                                        <p:cTn id="7" dur="500" fill="hold"/>
-                                        <p:tgtEl>
-                                          <p:spTgt spid="3075">
-                                            <p:txEl>
-                                              <p:pRg st="2" end="2"/>
-                                            </p:txEl>
-                                          </p:spTgt>
-                                        </p:tgtEl>
-                                        <p:attrNameLst>
-                                          <p:attrName>ppt_x</p:attrName>
-                                        </p:attrNameLst>
-                                      </p:cBhvr>
-                                      <p:tavLst>
-                                        <p:tav tm="0">
-                                          <p:val>
-                                            <p:strVal val="#ppt_x"/>
-                                          </p:val>
-                                        </p:tav>
-                                        <p:tav tm="100000">
-                                          <p:val>
-                                            <p:strVal val="#ppt_x"/>
-                                          </p:val>
-                                        </p:tav>
-                                      </p:tavLst>
-                                    </p:anim>
-                                    <p:anim calcmode="lin" valueType="num">
-                                      <p:cBhvr additive="base">
-                                        <p:cTn id="8" dur="500" fill="hold"/>
-                                        <p:tgtEl>
-                                          <p:spTgt spid="3075">
-                                            <p:txEl>
-                                              <p:pRg st="2" end="2"/>
-                                            </p:txEl>
-                                          </p:spTgt>
-                                        </p:tgtEl>
-                                        <p:attrNameLst>
-                                          <p:attrName>ppt_y</p:attrName>
-                                        </p:attrNameLst>
-                                      </p:cBhvr>
-                                      <p:tavLst>
-                                        <p:tav tm="0">
-                                          <p:val>
-                                            <p:strVal val="1+#ppt_h/2"/>
-                                          </p:val>
-                                        </p:tav>
-                                        <p:tav tm="100000">
-                                          <p:val>
-                                            <p:strVal val="#ppt_y"/>
-                                          </p:val>
-                                        </p:tav>
-                                      </p:tavLst>
-                                    </p:anim>
-                                  </p:childTnLst>
-                                </p:cTn>
-                              </p:par>
-                            </p:childTnLst>
-                          </p:cTn>
-                        </p:par>
-                      </p:childTnLst>
-                    </p:cTn>
-                  </p:par>
-                  <p:par>
-                    <p:cTn id="9" fill="hold">
-                      <p:stCondLst>
-                        <p:cond delay="indefinite"/>
-                      </p:stCondLst>
-                      <p:childTnLst>
-                        <p:par>
-                          <p:cTn id="10" fill="hold">
-                            <p:stCondLst>
-                              <p:cond delay="0"/>
-                            </p:stCondLst>
-                            <p:childTnLst>
-                              <p:par>
-                                <p:cTn id="11" presetID="2" presetClass="entr" presetSubtype="4" fill="hold" nodeType="clickEffect">
-                                  <p:stCondLst>
-                                    <p:cond delay="0"/>
-                                  </p:stCondLst>
-                                  <p:childTnLst>
-                                    <p:set>
-                                      <p:cBhvr>
-                                        <p:cTn id="12" dur="1" fill="hold">
-                                          <p:stCondLst>
-                                            <p:cond delay="0"/>
-                                          </p:stCondLst>
-                                        </p:cTn>
-                                        <p:tgtEl>
-                                          <p:spTgt spid="3075">
-                                            <p:txEl>
-                                              <p:pRg st="0" end="0"/>
-                                            </p:txEl>
-                                          </p:spTgt>
-                                        </p:tgtEl>
-                                        <p:attrNameLst>
-                                          <p:attrName>style.visibility</p:attrName>
-                                        </p:attrNameLst>
-                                      </p:cBhvr>
-                                      <p:to>
-                                        <p:strVal val="visible"/>
-                                      </p:to>
-                                    </p:set>
-                                    <p:anim calcmode="lin" valueType="num">
-                                      <p:cBhvr additive="base">
-                                        <p:cTn id="13" dur="500" fill="hold"/>
-                                        <p:tgtEl>
-                                          <p:spTgt spid="3075">
-                                            <p:txEl>
-                                              <p:pRg st="0" end="0"/>
-                                            </p:txEl>
-                                          </p:spTgt>
-                                        </p:tgtEl>
-                                        <p:attrNameLst>
-                                          <p:attrName>ppt_x</p:attrName>
-                                        </p:attrNameLst>
-                                      </p:cBhvr>
-                                      <p:tavLst>
-                                        <p:tav tm="0">
-                                          <p:val>
-                                            <p:strVal val="#ppt_x"/>
-                                          </p:val>
-                                        </p:tav>
-                                        <p:tav tm="100000">
-                                          <p:val>
-                                            <p:strVal val="#ppt_x"/>
-                                          </p:val>
-                                        </p:tav>
-                                      </p:tavLst>
-                                    </p:anim>
-                                    <p:anim calcmode="lin" valueType="num">
-                                      <p:cBhvr additive="base">
-                                        <p:cTn id="14" dur="500" fill="hold"/>
-                                        <p:tgtEl>
-                                          <p:spTgt spid="3075">
-                                            <p:txEl>
-                                              <p:pRg st="0" end="0"/>
-                                            </p:txEl>
-                                          </p:spTgt>
-                                        </p:tgtEl>
-                                        <p:attrNameLst>
-                                          <p:attrName>ppt_y</p:attrName>
-                                        </p:attrNameLst>
-                                      </p:cBhvr>
-                                      <p:tavLst>
-                                        <p:tav tm="0">
-                                          <p:val>
-                                            <p:strVal val="1+#ppt_h/2"/>
-                                          </p:val>
-                                        </p:tav>
-                                        <p:tav tm="100000">
-                                          <p:val>
-                                            <p:strVal val="#ppt_y"/>
-                                          </p:val>
-                                        </p:tav>
-                                      </p:tavLst>
-                                    </p:anim>
-                                  </p:childTnLst>
-                                </p:cTn>
-                              </p:par>
-                            </p:childTnLst>
-                          </p:cTn>
-                        </p:par>
-                      </p:childTnLst>
-                    </p:cTn>
-                  </p:par>
-                  <p:par>
-                    <p:cTn id="15" fill="hold">
-                      <p:stCondLst>
-                        <p:cond delay="indefinite"/>
-                      </p:stCondLst>
-                      <p:childTnLst>
-                        <p:par>
-                          <p:cTn id="16" fill="hold">
-                            <p:stCondLst>
-                              <p:cond delay="0"/>
-                            </p:stCondLst>
-                            <p:childTnLst>
-                              <p:par>
-                                <p:cTn id="17" presetID="2" presetClass="entr" presetSubtype="4" fill="hold" nodeType="clickEffect">
-                                  <p:stCondLst>
-                                    <p:cond delay="0"/>
-                                  </p:stCondLst>
-                                  <p:childTnLst>
-                                    <p:set>
-                                      <p:cBhvr>
-                                        <p:cTn id="18" dur="1" fill="hold">
-                                          <p:stCondLst>
-                                            <p:cond delay="0"/>
-                                          </p:stCondLst>
-                                        </p:cTn>
-                                        <p:tgtEl>
-                                          <p:spTgt spid="3075">
-                                            <p:txEl>
-                                              <p:pRg st="1" end="1"/>
-                                            </p:txEl>
-                                          </p:spTgt>
-                                        </p:tgtEl>
-                                        <p:attrNameLst>
-                                          <p:attrName>style.visibility</p:attrName>
-                                        </p:attrNameLst>
-                                      </p:cBhvr>
-                                      <p:to>
-                                        <p:strVal val="visible"/>
-                                      </p:to>
-                                    </p:set>
-                                    <p:anim calcmode="lin" valueType="num">
-                                      <p:cBhvr additive="base">
-                                        <p:cTn id="19" dur="500" fill="hold"/>
-                                        <p:tgtEl>
-                                          <p:spTgt spid="3075">
-                                            <p:txEl>
-                                              <p:pRg st="1" end="1"/>
-                                            </p:txEl>
-                                          </p:spTgt>
-                                        </p:tgtEl>
-                                        <p:attrNameLst>
-                                          <p:attrName>ppt_x</p:attrName>
-                                        </p:attrNameLst>
-                                      </p:cBhvr>
-                                      <p:tavLst>
-                                        <p:tav tm="0">
-                                          <p:val>
-                                            <p:strVal val="#ppt_x"/>
-                                          </p:val>
-                                        </p:tav>
-                                        <p:tav tm="100000">
-                                          <p:val>
-                                            <p:strVal val="#ppt_x"/>
-                                          </p:val>
-                                        </p:tav>
-                                      </p:tavLst>
-                                    </p:anim>
-                                    <p:anim calcmode="lin" valueType="num">
-                                      <p:cBhvr additive="base">
-                                        <p:cTn id="20" dur="500" fill="hold"/>
-                                        <p:tgtEl>
-                                          <p:spTgt spid="3075">
-                                            <p:txEl>
-                                              <p:pRg st="1" end="1"/>
-                                            </p:txEl>
-                                          </p:spTgt>
-                                        </p:tgtEl>
-                                        <p:attrNameLst>
-                                          <p:attrName>ppt_y</p:attrName>
-                                        </p:attrNameLst>
-                                      </p:cBhvr>
-                                      <p:tavLst>
-                                        <p:tav tm="0">
-                                          <p:val>
-                                            <p:strVal val="1+#ppt_h/2"/>
-                                          </p:val>
-                                        </p:tav>
-                                        <p:tav tm="100000">
-                                          <p:val>
-                                            <p:strVal val="#ppt_y"/>
-                                          </p:val>
-                                        </p:tav>
-                                      </p:tavLst>
-                                    </p:anim>
-                                  </p:childTnLst>
-                                </p:cTn>
-                              </p:par>
-                            </p:childTnLst>
-                          </p:cTn>
-                        </p:par>
-                      </p:childTnLst>
-                    </p:cTn>
-                  </p:par>
-                  <p:par>
-                    <p:cTn id="21" fill="hold">
-                      <p:stCondLst>
-                        <p:cond delay="indefinite"/>
-                      </p:stCondLst>
-                      <p:childTnLst>
-                        <p:par>
-                          <p:cTn id="22" fill="hold">
-                            <p:stCondLst>
-                              <p:cond delay="0"/>
-                            </p:stCondLst>
-                            <p:childTnLst>
-                              <p:par>
-                                <p:cTn id="23" presetID="2" presetClass="entr" presetSubtype="4" fill="hold" nodeType="clickEffect">
-                                  <p:stCondLst>
-                                    <p:cond delay="0"/>
-                                  </p:stCondLst>
-                                  <p:childTnLst>
-                                    <p:set>
-                                      <p:cBhvr>
-                                        <p:cTn id="24" dur="1" fill="hold">
-                                          <p:stCondLst>
-                                            <p:cond delay="0"/>
-                                          </p:stCondLst>
-                                        </p:cTn>
-                                        <p:tgtEl>
-                                          <p:spTgt spid="3075">
-                                            <p:txEl>
-                                              <p:pRg st="3" end="3"/>
-                                            </p:txEl>
-                                          </p:spTgt>
-                                        </p:tgtEl>
-                                        <p:attrNameLst>
-                                          <p:attrName>style.visibility</p:attrName>
-                                        </p:attrNameLst>
-                                      </p:cBhvr>
-                                      <p:to>
-                                        <p:strVal val="visible"/>
-                                      </p:to>
-                                    </p:set>
-                                    <p:anim calcmode="lin" valueType="num">
-                                      <p:cBhvr additive="base">
-                                        <p:cTn id="25" dur="500" fill="hold"/>
-                                        <p:tgtEl>
-                                          <p:spTgt spid="3075">
-                                            <p:txEl>
-                                              <p:pRg st="3" end="3"/>
-                                            </p:txEl>
-                                          </p:spTgt>
-                                        </p:tgtEl>
-                                        <p:attrNameLst>
-                                          <p:attrName>ppt_x</p:attrName>
-                                        </p:attrNameLst>
-                                      </p:cBhvr>
-                                      <p:tavLst>
-                                        <p:tav tm="0">
-                                          <p:val>
-                                            <p:strVal val="#ppt_x"/>
-                                          </p:val>
-                                        </p:tav>
-                                        <p:tav tm="100000">
-                                          <p:val>
-                                            <p:strVal val="#ppt_x"/>
-                                          </p:val>
-                                        </p:tav>
-                                      </p:tavLst>
-                                    </p:anim>
-                                    <p:anim calcmode="lin" valueType="num">
-                                      <p:cBhvr additive="base">
-                                        <p:cTn id="26" dur="500" fill="hold"/>
-                                        <p:tgtEl>
-                                          <p:spTgt spid="3075">
-                                            <p:txEl>
-                                              <p:pRg st="3" end="3"/>
-                                            </p:txEl>
-                                          </p:spTgt>
-                                        </p:tgtEl>
-                                        <p:attrNameLst>
-                                          <p:attrName>ppt_y</p:attrName>
-                                        </p:attrNameLst>
-                                      </p:cBhvr>
-                                      <p:tavLst>
-                                        <p:tav tm="0">
-                                          <p:val>
-                                            <p:strVal val="1+#ppt_h/2"/>
-                                          </p:val>
-                                        </p:tav>
-                                        <p:tav tm="100000">
-                                          <p:val>
-                                            <p:strVal val="#ppt_y"/>
-                                          </p:val>
-                                        </p:tav>
-                                      </p:tavLst>
-                                    </p:anim>
-                                  </p:childTnLst>
-                                </p:cTn>
-                              </p:par>
-                            </p:childTnLst>
-                          </p:cTn>
-                        </p:par>
-                      </p:childTnLst>
-                    </p:cTn>
-                  </p:par>
-                  <p:par>
-                    <p:cTn id="27" fill="hold">
-                      <p:stCondLst>
-                        <p:cond delay="indefinite"/>
-                      </p:stCondLst>
-                      <p:childTnLst>
-                        <p:par>
-                          <p:cTn id="28" fill="hold">
-                            <p:stCondLst>
-                              <p:cond delay="0"/>
-                            </p:stCondLst>
-                            <p:childTnLst>
-                              <p:par>
-                                <p:cTn id="29" presetID="2" presetClass="entr" presetSubtype="4" fill="hold" nodeType="clickEffect">
-                                  <p:stCondLst>
-                                    <p:cond delay="0"/>
-                                  </p:stCondLst>
-                                  <p:childTnLst>
-                                    <p:set>
-                                      <p:cBhvr>
-                                        <p:cTn id="30" dur="1" fill="hold">
-                                          <p:stCondLst>
-                                            <p:cond delay="0"/>
-                                          </p:stCondLst>
-                                        </p:cTn>
-                                        <p:tgtEl>
-                                          <p:spTgt spid="3075">
-                                            <p:txEl>
-                                              <p:pRg st="4" end="4"/>
-                                            </p:txEl>
-                                          </p:spTgt>
-                                        </p:tgtEl>
-                                        <p:attrNameLst>
-                                          <p:attrName>style.visibility</p:attrName>
-                                        </p:attrNameLst>
-                                      </p:cBhvr>
-                                      <p:to>
-                                        <p:strVal val="visible"/>
-                                      </p:to>
-                                    </p:set>
-                                    <p:anim calcmode="lin" valueType="num">
-                                      <p:cBhvr additive="base">
-                                        <p:cTn id="31" dur="500" fill="hold"/>
-                                        <p:tgtEl>
-                                          <p:spTgt spid="3075">
-                                            <p:txEl>
-                                              <p:pRg st="4" end="4"/>
-                                            </p:txEl>
-                                          </p:spTgt>
-                                        </p:tgtEl>
-                                        <p:attrNameLst>
-                                          <p:attrName>ppt_x</p:attrName>
-                                        </p:attrNameLst>
-                                      </p:cBhvr>
-                                      <p:tavLst>
-                                        <p:tav tm="0">
-                                          <p:val>
-                                            <p:strVal val="#ppt_x"/>
-                                          </p:val>
-                                        </p:tav>
-                                        <p:tav tm="100000">
-                                          <p:val>
-                                            <p:strVal val="#ppt_x"/>
-                                          </p:val>
-                                        </p:tav>
-                                      </p:tavLst>
-                                    </p:anim>
-                                    <p:anim calcmode="lin" valueType="num">
-                                      <p:cBhvr additive="base">
-                                        <p:cTn id="32" dur="500" fill="hold"/>
-                                        <p:tgtEl>
-                                          <p:spTgt spid="3075">
-                                            <p:txEl>
-                                              <p:pRg st="4" end="4"/>
-                                            </p:txEl>
-                                          </p:spTgt>
-                                        </p:tgtEl>
-                                        <p:attrNameLst>
-                                          <p:attrName>ppt_y</p:attrName>
-                                        </p:attrNameLst>
-                                      </p:cBhvr>
-                                      <p:tavLst>
-                                        <p:tav tm="0">
-                                          <p:val>
-                                            <p:strVal val="1+#ppt_h/2"/>
-                                          </p:val>
-                                        </p:tav>
-                                        <p:tav tm="100000">
-                                          <p:val>
-                                            <p:strVal val="#ppt_y"/>
-                                          </p:val>
-                                        </p:tav>
-                                      </p:tavLst>
-                                    </p:anim>
-                                  </p:childTnLst>
-                                </p:cTn>
-                              </p:par>
-                            </p:childTnLst>
-                          </p:cTn>
-                        </p:par>
-                      </p:childTnLst>
-                    </p:cTn>
-                  </p:par>
-                  <p:par>
-                    <p:cTn id="33" fill="hold">
-                      <p:stCondLst>
-                        <p:cond delay="indefinite"/>
-                      </p:stCondLst>
-                      <p:childTnLst>
-                        <p:par>
-                          <p:cTn id="34" fill="hold">
-                            <p:stCondLst>
-                              <p:cond delay="0"/>
-                            </p:stCondLst>
-                            <p:childTnLst>
-                              <p:par>
-                                <p:cTn id="35" presetID="2" presetClass="entr" presetSubtype="4" fill="hold" nodeType="clickEffect">
-                                  <p:stCondLst>
-                                    <p:cond delay="0"/>
-                                  </p:stCondLst>
-                                  <p:childTnLst>
-                                    <p:set>
-                                      <p:cBhvr>
-                                        <p:cTn id="36" dur="1" fill="hold">
-                                          <p:stCondLst>
-                                            <p:cond delay="0"/>
-                                          </p:stCondLst>
-                                        </p:cTn>
-                                        <p:tgtEl>
-                                          <p:spTgt spid="3075">
-                                            <p:txEl>
-                                              <p:pRg st="5" end="5"/>
-                                            </p:txEl>
-                                          </p:spTgt>
-                                        </p:tgtEl>
-                                        <p:attrNameLst>
-                                          <p:attrName>style.visibility</p:attrName>
-                                        </p:attrNameLst>
-                                      </p:cBhvr>
-                                      <p:to>
-                                        <p:strVal val="visible"/>
-                                      </p:to>
-                                    </p:set>
-                                    <p:anim calcmode="lin" valueType="num">
-                                      <p:cBhvr additive="base">
-                                        <p:cTn id="37" dur="500" fill="hold"/>
-                                        <p:tgtEl>
-                                          <p:spTgt spid="3075">
-                                            <p:txEl>
-                                              <p:pRg st="5" end="5"/>
-                                            </p:txEl>
-                                          </p:spTgt>
-                                        </p:tgtEl>
-                                        <p:attrNameLst>
-                                          <p:attrName>ppt_x</p:attrName>
-                                        </p:attrNameLst>
-                                      </p:cBhvr>
-                                      <p:tavLst>
-                                        <p:tav tm="0">
-                                          <p:val>
-                                            <p:strVal val="#ppt_x"/>
-                                          </p:val>
-                                        </p:tav>
-                                        <p:tav tm="100000">
-                                          <p:val>
-                                            <p:strVal val="#ppt_x"/>
-                                          </p:val>
-                                        </p:tav>
-                                      </p:tavLst>
-                                    </p:anim>
-                                    <p:anim calcmode="lin" valueType="num">
-                                      <p:cBhvr additive="base">
-                                        <p:cTn id="38" dur="500" fill="hold"/>
-                                        <p:tgtEl>
-                                          <p:spTgt spid="3075">
-                                            <p:txEl>
-                                              <p:pRg st="5" end="5"/>
-                                            </p:txEl>
-                                          </p:spTgt>
-                                        </p:tgtEl>
-                                        <p:attrNameLst>
-                                          <p:attrName>ppt_y</p:attrName>
-                                        </p:attrNameLst>
-                                      </p:cBhvr>
-                                      <p:tavLst>
-                                        <p:tav tm="0">
-                                          <p:val>
-                                            <p:strVal val="1+#ppt_h/2"/>
-                                          </p:val>
-                                        </p:tav>
-                                        <p:tav tm="100000">
-                                          <p:val>
-                                            <p:strVal val="#ppt_y"/>
-                                          </p:val>
-                                        </p:tav>
-                                      </p:tavLst>
-                                    </p:anim>
-                                  </p:childTnLst>
-                                </p:cTn>
-                              </p:par>
-                            </p:childTnLst>
-                          </p:cTn>
-                        </p:par>
-                      </p:childTnLst>
-                    </p:cTn>
-                  </p:par>
-                  <p:par>
-                    <p:cTn id="39" fill="hold">
-                      <p:stCondLst>
-                        <p:cond delay="indefinite"/>
-                      </p:stCondLst>
-                      <p:childTnLst>
-                        <p:par>
-                          <p:cTn id="40" fill="hold">
-                            <p:stCondLst>
-                              <p:cond delay="0"/>
-                            </p:stCondLst>
-                            <p:childTnLst>
-                              <p:par>
-                                <p:cTn id="41" presetID="2" presetClass="entr" presetSubtype="4" fill="hold" nodeType="clickEffect">
-                                  <p:stCondLst>
-                                    <p:cond delay="0"/>
-                                  </p:stCondLst>
-                                  <p:childTnLst>
-                                    <p:set>
-                                      <p:cBhvr>
-                                        <p:cTn id="42" dur="1" fill="hold">
-                                          <p:stCondLst>
-                                            <p:cond delay="0"/>
-                                          </p:stCondLst>
-                                        </p:cTn>
-                                        <p:tgtEl>
-                                          <p:spTgt spid="3075">
-                                            <p:txEl>
-                                              <p:pRg st="6" end="6"/>
-                                            </p:txEl>
-                                          </p:spTgt>
-                                        </p:tgtEl>
-                                        <p:attrNameLst>
-                                          <p:attrName>style.visibility</p:attrName>
-                                        </p:attrNameLst>
-                                      </p:cBhvr>
-                                      <p:to>
-                                        <p:strVal val="visible"/>
-                                      </p:to>
-                                    </p:set>
-                                    <p:anim calcmode="lin" valueType="num">
-                                      <p:cBhvr additive="base">
-                                        <p:cTn id="43" dur="500" fill="hold"/>
-                                        <p:tgtEl>
-                                          <p:spTgt spid="3075">
-                                            <p:txEl>
-                                              <p:pRg st="6" end="6"/>
-                                            </p:txEl>
-                                          </p:spTgt>
-                                        </p:tgtEl>
-                                        <p:attrNameLst>
-                                          <p:attrName>ppt_x</p:attrName>
-                                        </p:attrNameLst>
-                                      </p:cBhvr>
-                                      <p:tavLst>
-                                        <p:tav tm="0">
-                                          <p:val>
-                                            <p:strVal val="#ppt_x"/>
-                                          </p:val>
-                                        </p:tav>
-                                        <p:tav tm="100000">
-                                          <p:val>
-                                            <p:strVal val="#ppt_x"/>
-                                          </p:val>
-                                        </p:tav>
-                                      </p:tavLst>
-                                    </p:anim>
-                                    <p:anim calcmode="lin" valueType="num">
-                                      <p:cBhvr additive="base">
-                                        <p:cTn id="44" dur="500" fill="hold"/>
-                                        <p:tgtEl>
-                                          <p:spTgt spid="3075">
-                                            <p:txEl>
-                                              <p:pRg st="6" end="6"/>
-                                            </p:txEl>
-                                          </p:spTgt>
-                                        </p:tgtEl>
-                                        <p:attrNameLst>
-                                          <p:attrName>ppt_y</p:attrName>
-                                        </p:attrNameLst>
-                                      </p:cBhvr>
-                                      <p:tavLst>
-                                        <p:tav tm="0">
-                                          <p:val>
-                                            <p:strVal val="1+#ppt_h/2"/>
-                                          </p:val>
-                                        </p:tav>
-                                        <p:tav tm="100000">
-                                          <p:val>
-                                            <p:strVal val="#ppt_y"/>
-                                          </p:val>
-                                        </p:tav>
-                                      </p:tavLst>
-                                    </p:anim>
-                                  </p:childTnLst>
-                                </p:cTn>
-                              </p:par>
-                            </p:childTnLst>
-                          </p:cTn>
-                        </p:par>
-                      </p:childTnLst>
-                    </p:cTn>
-                  </p:par>
-                </p:childTnLst>
-              </p:cTn>
-              <p:prevCondLst>
-                <p:cond evt="onPrev" delay="0">
-                  <p:tgtEl>
-                    <p:sldTgt/>
-                  </p:tgtEl>
-                </p:cond>
-              </p:prevCondLst>
-              <p:nextCondLst>
-                <p:cond evt="onNext" delay="0">
-                  <p:tgtEl>
-                    <p:sldTgt/>
-                  </p:tgtEl>
-                </p:cond>
-              </p:nextCondLst>
-            </p:seq>
-          </p:childTnLst>
-        </p:cTn>
-      </p:par>
-    </p:tnLst>
-  </p:timing>
-</p:sld>
-</file>
-
-<file path=ppt/slides/slide24.xml><?xml version="1.0" encoding="utf-8"?>
 <p:sld xmlns:a="http://schemas.openxmlformats.org/drawingml/2006/main" xmlns:r="http://schemas.openxmlformats.org/officeDocument/2006/relationships" xmlns:p="http://schemas.openxmlformats.org/presentationml/2006/main">
   <p:cSld>
     <p:spTree>
@@ -16887,12 +15269,12 @@
               <a:buNone/>
             </a:pPr>
             <a:r>
-              <a:rPr lang="en-US" sz="1800" dirty="0" err="1" smtClean="0">
+              <a:rPr lang="en-US" sz="1800" smtClean="0">
                 <a:solidFill>
                   <a:schemeClr val="bg1"/>
                 </a:solidFill>
               </a:rPr>
-              <a:t>Git</a:t>
+              <a:t>https</a:t>
             </a:r>
             <a:r>
               <a:rPr lang="en-US" sz="1800" dirty="0" smtClean="0">
@@ -16900,23 +15282,7 @@
                   <a:schemeClr val="bg1"/>
                 </a:solidFill>
               </a:rPr>
-              <a:t>:</a:t>
-            </a:r>
-            <a:r>
-              <a:rPr lang="en-US" sz="1800" dirty="0" smtClean="0">
-                <a:solidFill>
-                  <a:schemeClr val="bg1"/>
-                </a:solidFill>
-              </a:rPr>
-              <a:t> </a:t>
-            </a:r>
-            <a:r>
-              <a:rPr lang="en-US" sz="1800" dirty="0" smtClean="0">
-                <a:solidFill>
-                  <a:schemeClr val="bg1"/>
-                </a:solidFill>
-              </a:rPr>
-              <a:t>https://github.com/fernandozamoraj/Clean-Code-Presentation</a:t>
+              <a:t>://github.com/fernandozamoraj/Clean-Code-Presentation</a:t>
             </a:r>
             <a:endParaRPr lang="en-US" sz="1800" dirty="0" smtClean="0">
               <a:solidFill>
